--- a/presentation/Video_Streaming_Server_Presentation.pptx
+++ b/presentation/Video_Streaming_Server_Presentation.pptx
@@ -1,20 +1,23 @@
 
 <file path=ppt/presentation.xml><?xml version="1.0" encoding="utf-8"?>
-<p:presentation xmlns:a="http://schemas.openxmlformats.org/drawingml/2006/main" xmlns:r="http://schemas.openxmlformats.org/officeDocument/2006/relationships" xmlns:p="http://schemas.openxmlformats.org/presentationml/2006/main" saveSubsetFonts="1" autoCompressPictures="0">
+<p:presentation xmlns:a="http://schemas.openxmlformats.org/drawingml/2006/main" xmlns:r="http://schemas.openxmlformats.org/officeDocument/2006/relationships" xmlns:p="http://schemas.openxmlformats.org/presentationml/2006/main" xmlns:m="http://schemas.openxmlformats.org/officeDocument/2006/math" xmlns:w="http://schemas.openxmlformats.org/wordprocessingml/2006/main" autoCompressPictures="0" saveSubsetFonts="1">
   <p:sldMasterIdLst>
     <p:sldMasterId id="2147483648" r:id="rId1"/>
   </p:sldMasterIdLst>
+  <p:notesMasterIdLst>
+    <p:notesMasterId r:id="rId14"/>
+  </p:notesMasterIdLst>
   <p:sldIdLst>
-    <p:sldId id="256" r:id="rId7"/>
-    <p:sldId id="257" r:id="rId8"/>
-    <p:sldId id="258" r:id="rId9"/>
-    <p:sldId id="259" r:id="rId10"/>
-    <p:sldId id="260" r:id="rId11"/>
-    <p:sldId id="261" r:id="rId12"/>
-    <p:sldId id="262" r:id="rId13"/>
-    <p:sldId id="263" r:id="rId14"/>
-    <p:sldId id="264" r:id="rId15"/>
-    <p:sldId id="265" r:id="rId16"/>
+    <p:sldId id="256" r:id="rId4"/>
+    <p:sldId id="257" r:id="rId5"/>
+    <p:sldId id="258" r:id="rId6"/>
+    <p:sldId id="259" r:id="rId7"/>
+    <p:sldId id="260" r:id="rId8"/>
+    <p:sldId id="261" r:id="rId9"/>
+    <p:sldId id="262" r:id="rId10"/>
+    <p:sldId id="263" r:id="rId11"/>
+    <p:sldId id="264" r:id="rId12"/>
+    <p:sldId id="265" r:id="rId13"/>
   </p:sldIdLst>
   <p:sldSz cx="9144000" cy="6858000" type="screen4x3"/>
   <p:notesSz cx="6858000" cy="9144000"/>
@@ -22,8 +25,8 @@
     <a:defPPr>
       <a:defRPr lang="en-US"/>
     </a:defPPr>
-    <a:lvl1pPr marL="0" algn="l" defTabSz="457200" rtl="0" eaLnBrk="1" latinLnBrk="0" hangingPunct="1">
-      <a:defRPr sz="1800" kern="1200">
+    <a:lvl1pPr marL="0" algn="l" defTabSz="457200" rtl="0">
+      <a:defRPr sz="1800">
         <a:solidFill>
           <a:schemeClr val="tx1"/>
         </a:solidFill>
@@ -32,8 +35,8 @@
         <a:cs typeface="+mn-cs"/>
       </a:defRPr>
     </a:lvl1pPr>
-    <a:lvl2pPr marL="457200" algn="l" defTabSz="457200" rtl="0" eaLnBrk="1" latinLnBrk="0" hangingPunct="1">
-      <a:defRPr sz="1800" kern="1200">
+    <a:lvl2pPr marL="457200" algn="l" defTabSz="457200" rtl="0">
+      <a:defRPr sz="1800">
         <a:solidFill>
           <a:schemeClr val="tx1"/>
         </a:solidFill>
@@ -42,8 +45,8 @@
         <a:cs typeface="+mn-cs"/>
       </a:defRPr>
     </a:lvl2pPr>
-    <a:lvl3pPr marL="914400" algn="l" defTabSz="457200" rtl="0" eaLnBrk="1" latinLnBrk="0" hangingPunct="1">
-      <a:defRPr sz="1800" kern="1200">
+    <a:lvl3pPr marL="914400" algn="l" defTabSz="457200" rtl="0">
+      <a:defRPr sz="1800">
         <a:solidFill>
           <a:schemeClr val="tx1"/>
         </a:solidFill>
@@ -52,8 +55,8 @@
         <a:cs typeface="+mn-cs"/>
       </a:defRPr>
     </a:lvl3pPr>
-    <a:lvl4pPr marL="1371600" algn="l" defTabSz="457200" rtl="0" eaLnBrk="1" latinLnBrk="0" hangingPunct="1">
-      <a:defRPr sz="1800" kern="1200">
+    <a:lvl4pPr marL="1371600" algn="l" defTabSz="457200" rtl="0">
+      <a:defRPr sz="1800">
         <a:solidFill>
           <a:schemeClr val="tx1"/>
         </a:solidFill>
@@ -62,8 +65,8 @@
         <a:cs typeface="+mn-cs"/>
       </a:defRPr>
     </a:lvl4pPr>
-    <a:lvl5pPr marL="1828800" algn="l" defTabSz="457200" rtl="0" eaLnBrk="1" latinLnBrk="0" hangingPunct="1">
-      <a:defRPr sz="1800" kern="1200">
+    <a:lvl5pPr marL="1828800" algn="l" defTabSz="457200" rtl="0">
+      <a:defRPr sz="1800">
         <a:solidFill>
           <a:schemeClr val="tx1"/>
         </a:solidFill>
@@ -72,8 +75,8 @@
         <a:cs typeface="+mn-cs"/>
       </a:defRPr>
     </a:lvl5pPr>
-    <a:lvl6pPr marL="2286000" algn="l" defTabSz="457200" rtl="0" eaLnBrk="1" latinLnBrk="0" hangingPunct="1">
-      <a:defRPr sz="1800" kern="1200">
+    <a:lvl6pPr marL="2286000" algn="l" defTabSz="457200" rtl="0">
+      <a:defRPr sz="1800">
         <a:solidFill>
           <a:schemeClr val="tx1"/>
         </a:solidFill>
@@ -82,8 +85,8 @@
         <a:cs typeface="+mn-cs"/>
       </a:defRPr>
     </a:lvl6pPr>
-    <a:lvl7pPr marL="2743200" algn="l" defTabSz="457200" rtl="0" eaLnBrk="1" latinLnBrk="0" hangingPunct="1">
-      <a:defRPr sz="1800" kern="1200">
+    <a:lvl7pPr marL="2743200" algn="l" defTabSz="457200" rtl="0">
+      <a:defRPr sz="1800">
         <a:solidFill>
           <a:schemeClr val="tx1"/>
         </a:solidFill>
@@ -92,8 +95,8 @@
         <a:cs typeface="+mn-cs"/>
       </a:defRPr>
     </a:lvl7pPr>
-    <a:lvl8pPr marL="3200400" algn="l" defTabSz="457200" rtl="0" eaLnBrk="1" latinLnBrk="0" hangingPunct="1">
-      <a:defRPr sz="1800" kern="1200">
+    <a:lvl8pPr marL="3200400" algn="l" defTabSz="457200" rtl="0">
+      <a:defRPr sz="1800">
         <a:solidFill>
           <a:schemeClr val="tx1"/>
         </a:solidFill>
@@ -102,8 +105,8 @@
         <a:cs typeface="+mn-cs"/>
       </a:defRPr>
     </a:lvl8pPr>
-    <a:lvl9pPr marL="3657600" algn="l" defTabSz="457200" rtl="0" eaLnBrk="1" latinLnBrk="0" hangingPunct="1">
-      <a:defRPr sz="1800" kern="1200">
+    <a:lvl9pPr marL="3657600" algn="l" defTabSz="457200" rtl="0">
+      <a:defRPr sz="1800">
         <a:solidFill>
           <a:schemeClr val="tx1"/>
         </a:solidFill>
@@ -116,8 +119,1178 @@
 </p:presentation>
 </file>
 
+<file path=ppt/notesMasters/notesMaster1.xml><?xml version="1.0" encoding="utf-8"?>
+<p:notesMaster xmlns:a="http://schemas.openxmlformats.org/drawingml/2006/main" xmlns:r="http://schemas.openxmlformats.org/officeDocument/2006/relationships" xmlns:p="http://schemas.openxmlformats.org/presentationml/2006/main">
+  <p:cSld name="">
+    <p:bg>
+      <p:bgRef idx="1001">
+        <a:schemeClr val="bg1"/>
+      </p:bgRef>
+    </p:bg>
+    <p:spTree>
+      <p:nvGrpSpPr>
+        <p:cNvPr id="1" name=""/>
+        <p:cNvGrpSpPr/>
+        <p:nvPr/>
+      </p:nvGrpSpPr>
+      <p:grpSpPr bwMode="auto">
+        <a:xfrm>
+          <a:off x="0" y="0"/>
+          <a:ext cx="0" cy="0"/>
+          <a:chOff x="0" y="0"/>
+          <a:chExt cx="0" cy="0"/>
+        </a:xfrm>
+      </p:grpSpPr>
+      <p:sp>
+        <p:nvSpPr>
+          <p:cNvPr id="2" name="Header Placeholder 1"/>
+          <p:cNvSpPr>
+            <a:spLocks noGrp="1"/>
+          </p:cNvSpPr>
+          <p:nvPr>
+            <p:ph type="hdr" sz="quarter"/>
+          </p:nvPr>
+        </p:nvSpPr>
+        <p:spPr bwMode="auto">
+          <a:xfrm>
+            <a:off x="0" y="0"/>
+            <a:ext cx="2971800" cy="458788"/>
+          </a:xfrm>
+          <a:prstGeom prst="rect">
+            <a:avLst/>
+          </a:prstGeom>
+        </p:spPr>
+        <p:txBody>
+          <a:bodyPr vert="horz" lIns="91440" tIns="45720" rIns="91440" bIns="45720" rtlCol="0" anchor="ctr"/>
+          <a:lstStyle>
+            <a:lvl1pPr algn="l">
+              <a:defRPr sz="1200"/>
+            </a:lvl1pPr>
+          </a:lstStyle>
+          <a:p>
+            <a:pPr>
+              <a:defRPr/>
+            </a:pPr>
+            <a:endParaRPr/>
+          </a:p>
+        </p:txBody>
+      </p:sp>
+      <p:sp>
+        <p:nvSpPr>
+          <p:cNvPr id="3" name="Date Placeholder 2"/>
+          <p:cNvSpPr>
+            <a:spLocks noGrp="1"/>
+          </p:cNvSpPr>
+          <p:nvPr>
+            <p:ph type="dt" idx="2"/>
+          </p:nvPr>
+        </p:nvSpPr>
+        <p:spPr bwMode="auto">
+          <a:xfrm>
+            <a:off x="3884613" y="0"/>
+            <a:ext cx="2971800" cy="458788"/>
+          </a:xfrm>
+          <a:prstGeom prst="rect">
+            <a:avLst/>
+          </a:prstGeom>
+        </p:spPr>
+        <p:txBody>
+          <a:bodyPr vert="horz" lIns="91440" tIns="45720" rIns="91440" bIns="45720" rtlCol="0" anchor="ctr"/>
+          <a:lstStyle>
+            <a:lvl1pPr algn="r">
+              <a:defRPr sz="1200"/>
+            </a:lvl1pPr>
+          </a:lstStyle>
+          <a:p>
+            <a:pPr>
+              <a:defRPr/>
+            </a:pPr>
+            <a:endParaRPr/>
+          </a:p>
+        </p:txBody>
+      </p:sp>
+      <p:sp>
+        <p:nvSpPr>
+          <p:cNvPr id="3" name="Date Placeholder 2"/>
+          <p:cNvSpPr>
+            <a:spLocks noGrp="1"/>
+          </p:cNvSpPr>
+          <p:nvPr>
+            <p:ph type="dt" idx="3"/>
+          </p:nvPr>
+        </p:nvSpPr>
+        <p:spPr bwMode="auto">
+          <a:xfrm>
+            <a:off x="3884613" y="0"/>
+            <a:ext cx="2971800" cy="458788"/>
+          </a:xfrm>
+          <a:prstGeom prst="rect">
+            <a:avLst/>
+          </a:prstGeom>
+        </p:spPr>
+        <p:txBody>
+          <a:bodyPr vert="horz" lIns="91440" tIns="45720" rIns="91440" bIns="45720" rtlCol="0" anchor="ctr"/>
+          <a:lstStyle>
+            <a:lvl1pPr algn="r">
+              <a:defRPr sz="1200"/>
+            </a:lvl1pPr>
+          </a:lstStyle>
+          <a:p>
+            <a:pPr>
+              <a:defRPr/>
+            </a:pPr>
+            <a:endParaRPr/>
+          </a:p>
+        </p:txBody>
+      </p:sp>
+      <p:sp>
+        <p:nvSpPr>
+          <p:cNvPr id="5" name="Notes Placeholder 4"/>
+          <p:cNvSpPr>
+            <a:spLocks noGrp="1"/>
+          </p:cNvSpPr>
+          <p:nvPr>
+            <p:ph type="body" sz="quarter" idx="1"/>
+          </p:nvPr>
+        </p:nvSpPr>
+        <p:spPr bwMode="auto">
+          <a:xfrm>
+            <a:off x="685800" y="4400550"/>
+            <a:ext cx="5486400" cy="3600450"/>
+          </a:xfrm>
+          <a:prstGeom prst="rect">
+            <a:avLst/>
+          </a:prstGeom>
+        </p:spPr>
+        <p:txBody>
+          <a:bodyPr vert="horz" lIns="91440" tIns="45720" rIns="91440" bIns="45720" rtlCol="0" anchor="ctr"/>
+          <a:lstStyle/>
+          <a:p>
+            <a:pPr>
+              <a:defRPr/>
+            </a:pPr>
+            <a:endParaRPr/>
+          </a:p>
+        </p:txBody>
+      </p:sp>
+      <p:sp>
+        <p:nvSpPr>
+          <p:cNvPr id="6" name="Footer Placeholder 5"/>
+          <p:cNvSpPr>
+            <a:spLocks noGrp="1"/>
+          </p:cNvSpPr>
+          <p:nvPr>
+            <p:ph type="ftr" sz="quarter" idx="4"/>
+          </p:nvPr>
+        </p:nvSpPr>
+        <p:spPr bwMode="auto">
+          <a:xfrm>
+            <a:off x="0" y="8685213"/>
+            <a:ext cx="2971800" cy="458787"/>
+          </a:xfrm>
+          <a:prstGeom prst="rect">
+            <a:avLst/>
+          </a:prstGeom>
+        </p:spPr>
+        <p:txBody>
+          <a:bodyPr vert="horz" lIns="91440" tIns="45720" rIns="91440" bIns="45720" rtlCol="0" anchor="b"/>
+          <a:lstStyle>
+            <a:lvl1pPr algn="l">
+              <a:defRPr sz="1200"/>
+            </a:lvl1pPr>
+          </a:lstStyle>
+          <a:p>
+            <a:pPr>
+              <a:defRPr/>
+            </a:pPr>
+            <a:endParaRPr/>
+          </a:p>
+        </p:txBody>
+      </p:sp>
+      <p:sp>
+        <p:nvSpPr>
+          <p:cNvPr id="7" name="Slide Number Placeholder 6"/>
+          <p:cNvSpPr>
+            <a:spLocks noGrp="1"/>
+          </p:cNvSpPr>
+          <p:nvPr>
+            <p:ph type="sldNum" sz="quarter" idx="10"/>
+          </p:nvPr>
+        </p:nvSpPr>
+        <p:spPr bwMode="auto">
+          <a:xfrm>
+            <a:off x="3884613" y="8685213"/>
+            <a:ext cx="2971800" cy="458787"/>
+          </a:xfrm>
+          <a:prstGeom prst="rect">
+            <a:avLst/>
+          </a:prstGeom>
+        </p:spPr>
+        <p:txBody>
+          <a:bodyPr vert="horz" lIns="91440" tIns="45720" rIns="91440" bIns="45720" rtlCol="0" anchor="b"/>
+          <a:lstStyle>
+            <a:lvl1pPr algn="r">
+              <a:defRPr sz="1200"/>
+            </a:lvl1pPr>
+          </a:lstStyle>
+          <a:p>
+            <a:pPr>
+              <a:defRPr/>
+            </a:pPr>
+            <a:endParaRPr/>
+          </a:p>
+        </p:txBody>
+      </p:sp>
+    </p:spTree>
+  </p:cSld>
+  <p:clrMap bg1="lt1" tx1="dk1" bg2="lt2" tx2="dk2" accent1="accent1" accent2="accent2" accent3="accent3" accent4="accent4" accent5="accent5" accent6="accent6" hlink="hlink" folHlink="folHlink"/>
+  <p:notesStyle>
+    <a:lvl1pPr marL="0" algn="l" defTabSz="914400">
+      <a:defRPr sz="1200">
+        <a:solidFill>
+          <a:schemeClr val="tx1"/>
+        </a:solidFill>
+        <a:latin typeface="+mn-lt"/>
+        <a:ea typeface="+mn-ea"/>
+        <a:cs typeface="+mn-cs"/>
+      </a:defRPr>
+    </a:lvl1pPr>
+    <a:lvl2pPr marL="457200" algn="l" defTabSz="914400">
+      <a:defRPr sz="1200">
+        <a:solidFill>
+          <a:schemeClr val="tx1"/>
+        </a:solidFill>
+        <a:latin typeface="+mn-lt"/>
+        <a:ea typeface="+mn-ea"/>
+        <a:cs typeface="+mn-cs"/>
+      </a:defRPr>
+    </a:lvl2pPr>
+    <a:lvl3pPr marL="914400" algn="l" defTabSz="914400">
+      <a:defRPr sz="1200">
+        <a:solidFill>
+          <a:schemeClr val="tx1"/>
+        </a:solidFill>
+        <a:latin typeface="+mn-lt"/>
+        <a:ea typeface="+mn-ea"/>
+        <a:cs typeface="+mn-cs"/>
+      </a:defRPr>
+    </a:lvl3pPr>
+    <a:lvl4pPr marL="1371600" algn="l" defTabSz="914400">
+      <a:defRPr sz="1200">
+        <a:solidFill>
+          <a:schemeClr val="tx1"/>
+        </a:solidFill>
+        <a:latin typeface="+mn-lt"/>
+        <a:ea typeface="+mn-ea"/>
+        <a:cs typeface="+mn-cs"/>
+      </a:defRPr>
+    </a:lvl4pPr>
+    <a:lvl5pPr marL="1828800" algn="l" defTabSz="914400">
+      <a:defRPr sz="1200">
+        <a:solidFill>
+          <a:schemeClr val="tx1"/>
+        </a:solidFill>
+        <a:latin typeface="+mn-lt"/>
+        <a:ea typeface="+mn-ea"/>
+        <a:cs typeface="+mn-cs"/>
+      </a:defRPr>
+    </a:lvl5pPr>
+    <a:lvl6pPr marL="2286000" algn="l" defTabSz="914400">
+      <a:defRPr sz="1200">
+        <a:solidFill>
+          <a:schemeClr val="tx1"/>
+        </a:solidFill>
+        <a:latin typeface="+mn-lt"/>
+        <a:ea typeface="+mn-ea"/>
+        <a:cs typeface="+mn-cs"/>
+      </a:defRPr>
+    </a:lvl6pPr>
+    <a:lvl7pPr marL="2743200" algn="l" defTabSz="914400">
+      <a:defRPr sz="1200">
+        <a:solidFill>
+          <a:schemeClr val="tx1"/>
+        </a:solidFill>
+        <a:latin typeface="+mn-lt"/>
+        <a:ea typeface="+mn-ea"/>
+        <a:cs typeface="+mn-cs"/>
+      </a:defRPr>
+    </a:lvl7pPr>
+    <a:lvl8pPr marL="3200400" algn="l" defTabSz="914400">
+      <a:defRPr sz="1200">
+        <a:solidFill>
+          <a:schemeClr val="tx1"/>
+        </a:solidFill>
+        <a:latin typeface="+mn-lt"/>
+        <a:ea typeface="+mn-ea"/>
+        <a:cs typeface="+mn-cs"/>
+      </a:defRPr>
+    </a:lvl8pPr>
+    <a:lvl9pPr marL="3657600" algn="l" defTabSz="914400">
+      <a:defRPr sz="1200">
+        <a:solidFill>
+          <a:schemeClr val="tx1"/>
+        </a:solidFill>
+        <a:latin typeface="+mn-lt"/>
+        <a:ea typeface="+mn-ea"/>
+        <a:cs typeface="+mn-cs"/>
+      </a:defRPr>
+    </a:lvl9pPr>
+  </p:notesStyle>
+</p:notesMaster>
+</file>
+
+<file path=ppt/notesSlides/notesSlide1.xml><?xml version="1.0" encoding="utf-8"?>
+<p:notes xmlns:a="http://schemas.openxmlformats.org/drawingml/2006/main" xmlns:r="http://schemas.openxmlformats.org/officeDocument/2006/relationships" xmlns:p="http://schemas.openxmlformats.org/presentationml/2006/main" xmlns:m="http://schemas.openxmlformats.org/officeDocument/2006/math" xmlns:w="http://schemas.openxmlformats.org/wordprocessingml/2006/main">
+  <p:cSld name="">
+    <p:spTree>
+      <p:nvGrpSpPr>
+        <p:cNvPr id="1" name=""/>
+        <p:cNvGrpSpPr/>
+        <p:nvPr/>
+      </p:nvGrpSpPr>
+      <p:grpSpPr bwMode="auto">
+        <a:xfrm>
+          <a:off x="0" y="0"/>
+          <a:ext cx="0" cy="0"/>
+          <a:chOff x="0" y="0"/>
+          <a:chExt cx="0" cy="0"/>
+        </a:xfrm>
+      </p:grpSpPr>
+      <p:sp>
+        <p:nvSpPr>
+          <p:cNvPr id="2" name="Slide Image Placeholder 1"/>
+          <p:cNvSpPr>
+            <a:spLocks noChangeAspect="1" noGrp="1" noRot="1"/>
+          </p:cNvSpPr>
+          <p:nvPr>
+            <p:ph type="sldImg"/>
+          </p:nvPr>
+        </p:nvSpPr>
+        <p:spPr bwMode="auto"/>
+      </p:sp>
+      <p:sp>
+        <p:nvSpPr>
+          <p:cNvPr id="3" name="Notes Placeholder 2"/>
+          <p:cNvSpPr>
+            <a:spLocks noGrp="1"/>
+          </p:cNvSpPr>
+          <p:nvPr>
+            <p:ph type="body" idx="1"/>
+          </p:nvPr>
+        </p:nvSpPr>
+        <p:spPr bwMode="auto"/>
+        <p:txBody>
+          <a:bodyPr/>
+          <a:lstStyle/>
+          <a:p>
+            <a:pPr>
+              <a:defRPr/>
+            </a:pPr>
+            <a:endParaRPr/>
+          </a:p>
+        </p:txBody>
+      </p:sp>
+      <p:sp>
+        <p:nvSpPr>
+          <p:cNvPr id="4" name="Slide Number Placeholder 3"/>
+          <p:cNvSpPr>
+            <a:spLocks noGrp="1"/>
+          </p:cNvSpPr>
+          <p:nvPr>
+            <p:ph type="sldNum" sz="quarter" idx="10"/>
+          </p:nvPr>
+        </p:nvSpPr>
+        <p:spPr bwMode="auto"/>
+        <p:txBody>
+          <a:bodyPr/>
+          <a:lstStyle/>
+          <a:p>
+            <a:pPr>
+              <a:defRPr/>
+            </a:pPr>
+            <a:fld id="{A4048BF9-A839-D930-1742-D361697587CE}" type="slidenum">
+              <a:rPr/>
+              <a:t/>
+            </a:fld>
+            <a:endParaRPr/>
+          </a:p>
+        </p:txBody>
+      </p:sp>
+    </p:spTree>
+  </p:cSld>
+  <p:clrMapOvr>
+    <a:masterClrMapping/>
+  </p:clrMapOvr>
+</p:notes>
+</file>
+
+<file path=ppt/notesSlides/notesSlide10.xml><?xml version="1.0" encoding="utf-8"?>
+<p:notes xmlns:a="http://schemas.openxmlformats.org/drawingml/2006/main" xmlns:r="http://schemas.openxmlformats.org/officeDocument/2006/relationships" xmlns:p="http://schemas.openxmlformats.org/presentationml/2006/main" xmlns:m="http://schemas.openxmlformats.org/officeDocument/2006/math" xmlns:w="http://schemas.openxmlformats.org/wordprocessingml/2006/main">
+  <p:cSld name="">
+    <p:spTree>
+      <p:nvGrpSpPr>
+        <p:cNvPr id="1" name=""/>
+        <p:cNvGrpSpPr/>
+        <p:nvPr/>
+      </p:nvGrpSpPr>
+      <p:grpSpPr bwMode="auto">
+        <a:xfrm>
+          <a:off x="0" y="0"/>
+          <a:ext cx="0" cy="0"/>
+          <a:chOff x="0" y="0"/>
+          <a:chExt cx="0" cy="0"/>
+        </a:xfrm>
+      </p:grpSpPr>
+      <p:sp>
+        <p:nvSpPr>
+          <p:cNvPr id="2" name="Slide Image Placeholder 1"/>
+          <p:cNvSpPr>
+            <a:spLocks noChangeAspect="1" noGrp="1" noRot="1"/>
+          </p:cNvSpPr>
+          <p:nvPr>
+            <p:ph type="sldImg"/>
+          </p:nvPr>
+        </p:nvSpPr>
+        <p:spPr bwMode="auto"/>
+      </p:sp>
+      <p:sp>
+        <p:nvSpPr>
+          <p:cNvPr id="3" name="Notes Placeholder 2"/>
+          <p:cNvSpPr>
+            <a:spLocks noGrp="1"/>
+          </p:cNvSpPr>
+          <p:nvPr>
+            <p:ph type="body" idx="1"/>
+          </p:nvPr>
+        </p:nvSpPr>
+        <p:spPr bwMode="auto"/>
+        <p:txBody>
+          <a:bodyPr/>
+          <a:lstStyle/>
+          <a:p>
+            <a:pPr>
+              <a:defRPr/>
+            </a:pPr>
+            <a:endParaRPr/>
+          </a:p>
+        </p:txBody>
+      </p:sp>
+      <p:sp>
+        <p:nvSpPr>
+          <p:cNvPr id="4" name="Slide Number Placeholder 3"/>
+          <p:cNvSpPr>
+            <a:spLocks noGrp="1"/>
+          </p:cNvSpPr>
+          <p:nvPr>
+            <p:ph type="sldNum" sz="quarter" idx="10"/>
+          </p:nvPr>
+        </p:nvSpPr>
+        <p:spPr bwMode="auto"/>
+        <p:txBody>
+          <a:bodyPr/>
+          <a:lstStyle/>
+          <a:p>
+            <a:pPr>
+              <a:defRPr/>
+            </a:pPr>
+            <a:fld id="{B0C91464-ED33-D352-2F80-29861980C90C}" type="slidenum">
+              <a:rPr/>
+              <a:t/>
+            </a:fld>
+            <a:endParaRPr/>
+          </a:p>
+        </p:txBody>
+      </p:sp>
+    </p:spTree>
+  </p:cSld>
+  <p:clrMapOvr>
+    <a:masterClrMapping/>
+  </p:clrMapOvr>
+</p:notes>
+</file>
+
+<file path=ppt/notesSlides/notesSlide2.xml><?xml version="1.0" encoding="utf-8"?>
+<p:notes xmlns:a="http://schemas.openxmlformats.org/drawingml/2006/main" xmlns:r="http://schemas.openxmlformats.org/officeDocument/2006/relationships" xmlns:p="http://schemas.openxmlformats.org/presentationml/2006/main" xmlns:m="http://schemas.openxmlformats.org/officeDocument/2006/math" xmlns:w="http://schemas.openxmlformats.org/wordprocessingml/2006/main">
+  <p:cSld name="">
+    <p:spTree>
+      <p:nvGrpSpPr>
+        <p:cNvPr id="1" name=""/>
+        <p:cNvGrpSpPr/>
+        <p:nvPr/>
+      </p:nvGrpSpPr>
+      <p:grpSpPr bwMode="auto">
+        <a:xfrm>
+          <a:off x="0" y="0"/>
+          <a:ext cx="0" cy="0"/>
+          <a:chOff x="0" y="0"/>
+          <a:chExt cx="0" cy="0"/>
+        </a:xfrm>
+      </p:grpSpPr>
+      <p:sp>
+        <p:nvSpPr>
+          <p:cNvPr id="2" name="Slide Image Placeholder 1"/>
+          <p:cNvSpPr>
+            <a:spLocks noChangeAspect="1" noGrp="1" noRot="1"/>
+          </p:cNvSpPr>
+          <p:nvPr>
+            <p:ph type="sldImg"/>
+          </p:nvPr>
+        </p:nvSpPr>
+        <p:spPr bwMode="auto"/>
+      </p:sp>
+      <p:sp>
+        <p:nvSpPr>
+          <p:cNvPr id="3" name="Notes Placeholder 2"/>
+          <p:cNvSpPr>
+            <a:spLocks noGrp="1"/>
+          </p:cNvSpPr>
+          <p:nvPr>
+            <p:ph type="body" idx="1"/>
+          </p:nvPr>
+        </p:nvSpPr>
+        <p:spPr bwMode="auto"/>
+        <p:txBody>
+          <a:bodyPr/>
+          <a:lstStyle/>
+          <a:p>
+            <a:pPr>
+              <a:defRPr/>
+            </a:pPr>
+            <a:endParaRPr/>
+          </a:p>
+        </p:txBody>
+      </p:sp>
+      <p:sp>
+        <p:nvSpPr>
+          <p:cNvPr id="4" name="Slide Number Placeholder 3"/>
+          <p:cNvSpPr>
+            <a:spLocks noGrp="1"/>
+          </p:cNvSpPr>
+          <p:nvPr>
+            <p:ph type="sldNum" sz="quarter" idx="10"/>
+          </p:nvPr>
+        </p:nvSpPr>
+        <p:spPr bwMode="auto"/>
+        <p:txBody>
+          <a:bodyPr/>
+          <a:lstStyle/>
+          <a:p>
+            <a:pPr>
+              <a:defRPr/>
+            </a:pPr>
+            <a:fld id="{A879CE8F-798C-7A9B-AE63-C4E6C256EAE6}" type="slidenum">
+              <a:rPr/>
+              <a:t/>
+            </a:fld>
+            <a:endParaRPr/>
+          </a:p>
+        </p:txBody>
+      </p:sp>
+    </p:spTree>
+  </p:cSld>
+  <p:clrMapOvr>
+    <a:masterClrMapping/>
+  </p:clrMapOvr>
+</p:notes>
+</file>
+
+<file path=ppt/notesSlides/notesSlide3.xml><?xml version="1.0" encoding="utf-8"?>
+<p:notes xmlns:a="http://schemas.openxmlformats.org/drawingml/2006/main" xmlns:r="http://schemas.openxmlformats.org/officeDocument/2006/relationships" xmlns:p="http://schemas.openxmlformats.org/presentationml/2006/main" xmlns:m="http://schemas.openxmlformats.org/officeDocument/2006/math" xmlns:w="http://schemas.openxmlformats.org/wordprocessingml/2006/main">
+  <p:cSld name="">
+    <p:spTree>
+      <p:nvGrpSpPr>
+        <p:cNvPr id="1" name=""/>
+        <p:cNvGrpSpPr/>
+        <p:nvPr/>
+      </p:nvGrpSpPr>
+      <p:grpSpPr bwMode="auto">
+        <a:xfrm>
+          <a:off x="0" y="0"/>
+          <a:ext cx="0" cy="0"/>
+          <a:chOff x="0" y="0"/>
+          <a:chExt cx="0" cy="0"/>
+        </a:xfrm>
+      </p:grpSpPr>
+      <p:sp>
+        <p:nvSpPr>
+          <p:cNvPr id="2" name="Slide Image Placeholder 1"/>
+          <p:cNvSpPr>
+            <a:spLocks noChangeAspect="1" noGrp="1" noRot="1"/>
+          </p:cNvSpPr>
+          <p:nvPr>
+            <p:ph type="sldImg"/>
+          </p:nvPr>
+        </p:nvSpPr>
+        <p:spPr bwMode="auto"/>
+      </p:sp>
+      <p:sp>
+        <p:nvSpPr>
+          <p:cNvPr id="3" name="Notes Placeholder 2"/>
+          <p:cNvSpPr>
+            <a:spLocks noGrp="1"/>
+          </p:cNvSpPr>
+          <p:nvPr>
+            <p:ph type="body" idx="1"/>
+          </p:nvPr>
+        </p:nvSpPr>
+        <p:spPr bwMode="auto"/>
+        <p:txBody>
+          <a:bodyPr/>
+          <a:lstStyle/>
+          <a:p>
+            <a:pPr>
+              <a:defRPr/>
+            </a:pPr>
+            <a:endParaRPr/>
+          </a:p>
+        </p:txBody>
+      </p:sp>
+      <p:sp>
+        <p:nvSpPr>
+          <p:cNvPr id="4" name="Slide Number Placeholder 3"/>
+          <p:cNvSpPr>
+            <a:spLocks noGrp="1"/>
+          </p:cNvSpPr>
+          <p:nvPr>
+            <p:ph type="sldNum" sz="quarter" idx="10"/>
+          </p:nvPr>
+        </p:nvSpPr>
+        <p:spPr bwMode="auto"/>
+        <p:txBody>
+          <a:bodyPr/>
+          <a:lstStyle/>
+          <a:p>
+            <a:pPr>
+              <a:defRPr/>
+            </a:pPr>
+            <a:fld id="{75D1F0CF-0350-C76C-4C2D-228EC3942DF0}" type="slidenum">
+              <a:rPr/>
+              <a:t/>
+            </a:fld>
+            <a:endParaRPr/>
+          </a:p>
+        </p:txBody>
+      </p:sp>
+    </p:spTree>
+  </p:cSld>
+  <p:clrMapOvr>
+    <a:masterClrMapping/>
+  </p:clrMapOvr>
+</p:notes>
+</file>
+
+<file path=ppt/notesSlides/notesSlide4.xml><?xml version="1.0" encoding="utf-8"?>
+<p:notes xmlns:a="http://schemas.openxmlformats.org/drawingml/2006/main" xmlns:r="http://schemas.openxmlformats.org/officeDocument/2006/relationships" xmlns:p="http://schemas.openxmlformats.org/presentationml/2006/main" xmlns:m="http://schemas.openxmlformats.org/officeDocument/2006/math" xmlns:w="http://schemas.openxmlformats.org/wordprocessingml/2006/main">
+  <p:cSld name="">
+    <p:spTree>
+      <p:nvGrpSpPr>
+        <p:cNvPr id="1" name=""/>
+        <p:cNvGrpSpPr/>
+        <p:nvPr/>
+      </p:nvGrpSpPr>
+      <p:grpSpPr bwMode="auto">
+        <a:xfrm>
+          <a:off x="0" y="0"/>
+          <a:ext cx="0" cy="0"/>
+          <a:chOff x="0" y="0"/>
+          <a:chExt cx="0" cy="0"/>
+        </a:xfrm>
+      </p:grpSpPr>
+      <p:sp>
+        <p:nvSpPr>
+          <p:cNvPr id="2" name="Slide Image Placeholder 1"/>
+          <p:cNvSpPr>
+            <a:spLocks noChangeAspect="1" noGrp="1" noRot="1"/>
+          </p:cNvSpPr>
+          <p:nvPr>
+            <p:ph type="sldImg"/>
+          </p:nvPr>
+        </p:nvSpPr>
+        <p:spPr bwMode="auto"/>
+      </p:sp>
+      <p:sp>
+        <p:nvSpPr>
+          <p:cNvPr id="3" name="Notes Placeholder 2"/>
+          <p:cNvSpPr>
+            <a:spLocks noGrp="1"/>
+          </p:cNvSpPr>
+          <p:nvPr>
+            <p:ph type="body" idx="1"/>
+          </p:nvPr>
+        </p:nvSpPr>
+        <p:spPr bwMode="auto"/>
+        <p:txBody>
+          <a:bodyPr/>
+          <a:lstStyle/>
+          <a:p>
+            <a:pPr>
+              <a:defRPr/>
+            </a:pPr>
+            <a:endParaRPr/>
+          </a:p>
+        </p:txBody>
+      </p:sp>
+      <p:sp>
+        <p:nvSpPr>
+          <p:cNvPr id="4" name="Slide Number Placeholder 3"/>
+          <p:cNvSpPr>
+            <a:spLocks noGrp="1"/>
+          </p:cNvSpPr>
+          <p:nvPr>
+            <p:ph type="sldNum" sz="quarter" idx="10"/>
+          </p:nvPr>
+        </p:nvSpPr>
+        <p:spPr bwMode="auto"/>
+        <p:txBody>
+          <a:bodyPr/>
+          <a:lstStyle/>
+          <a:p>
+            <a:pPr>
+              <a:defRPr/>
+            </a:pPr>
+            <a:fld id="{D81A67FD-5D40-92AA-9A09-EAE44977758A}" type="slidenum">
+              <a:rPr/>
+              <a:t/>
+            </a:fld>
+            <a:endParaRPr/>
+          </a:p>
+        </p:txBody>
+      </p:sp>
+    </p:spTree>
+  </p:cSld>
+  <p:clrMapOvr>
+    <a:masterClrMapping/>
+  </p:clrMapOvr>
+</p:notes>
+</file>
+
+<file path=ppt/notesSlides/notesSlide5.xml><?xml version="1.0" encoding="utf-8"?>
+<p:notes xmlns:a="http://schemas.openxmlformats.org/drawingml/2006/main" xmlns:r="http://schemas.openxmlformats.org/officeDocument/2006/relationships" xmlns:p="http://schemas.openxmlformats.org/presentationml/2006/main" xmlns:m="http://schemas.openxmlformats.org/officeDocument/2006/math" xmlns:w="http://schemas.openxmlformats.org/wordprocessingml/2006/main">
+  <p:cSld name="">
+    <p:spTree>
+      <p:nvGrpSpPr>
+        <p:cNvPr id="1" name=""/>
+        <p:cNvGrpSpPr/>
+        <p:nvPr/>
+      </p:nvGrpSpPr>
+      <p:grpSpPr bwMode="auto">
+        <a:xfrm>
+          <a:off x="0" y="0"/>
+          <a:ext cx="0" cy="0"/>
+          <a:chOff x="0" y="0"/>
+          <a:chExt cx="0" cy="0"/>
+        </a:xfrm>
+      </p:grpSpPr>
+      <p:sp>
+        <p:nvSpPr>
+          <p:cNvPr id="2" name="Slide Image Placeholder 1"/>
+          <p:cNvSpPr>
+            <a:spLocks noChangeAspect="1" noGrp="1" noRot="1"/>
+          </p:cNvSpPr>
+          <p:nvPr>
+            <p:ph type="sldImg"/>
+          </p:nvPr>
+        </p:nvSpPr>
+        <p:spPr bwMode="auto"/>
+      </p:sp>
+      <p:sp>
+        <p:nvSpPr>
+          <p:cNvPr id="3" name="Notes Placeholder 2"/>
+          <p:cNvSpPr>
+            <a:spLocks noGrp="1"/>
+          </p:cNvSpPr>
+          <p:nvPr>
+            <p:ph type="body" idx="1"/>
+          </p:nvPr>
+        </p:nvSpPr>
+        <p:spPr bwMode="auto"/>
+        <p:txBody>
+          <a:bodyPr/>
+          <a:lstStyle/>
+          <a:p>
+            <a:pPr>
+              <a:defRPr/>
+            </a:pPr>
+            <a:endParaRPr/>
+          </a:p>
+        </p:txBody>
+      </p:sp>
+      <p:sp>
+        <p:nvSpPr>
+          <p:cNvPr id="4" name="Slide Number Placeholder 3"/>
+          <p:cNvSpPr>
+            <a:spLocks noGrp="1"/>
+          </p:cNvSpPr>
+          <p:nvPr>
+            <p:ph type="sldNum" sz="quarter" idx="10"/>
+          </p:nvPr>
+        </p:nvSpPr>
+        <p:spPr bwMode="auto"/>
+        <p:txBody>
+          <a:bodyPr/>
+          <a:lstStyle/>
+          <a:p>
+            <a:pPr>
+              <a:defRPr/>
+            </a:pPr>
+            <a:fld id="{65EA3F07-017A-0EDE-51A7-26FDA6717924}" type="slidenum">
+              <a:rPr/>
+              <a:t/>
+            </a:fld>
+            <a:endParaRPr/>
+          </a:p>
+        </p:txBody>
+      </p:sp>
+    </p:spTree>
+  </p:cSld>
+  <p:clrMapOvr>
+    <a:masterClrMapping/>
+  </p:clrMapOvr>
+</p:notes>
+</file>
+
+<file path=ppt/notesSlides/notesSlide6.xml><?xml version="1.0" encoding="utf-8"?>
+<p:notes xmlns:a="http://schemas.openxmlformats.org/drawingml/2006/main" xmlns:r="http://schemas.openxmlformats.org/officeDocument/2006/relationships" xmlns:p="http://schemas.openxmlformats.org/presentationml/2006/main" xmlns:m="http://schemas.openxmlformats.org/officeDocument/2006/math" xmlns:w="http://schemas.openxmlformats.org/wordprocessingml/2006/main">
+  <p:cSld name="">
+    <p:spTree>
+      <p:nvGrpSpPr>
+        <p:cNvPr id="1" name=""/>
+        <p:cNvGrpSpPr/>
+        <p:nvPr/>
+      </p:nvGrpSpPr>
+      <p:grpSpPr bwMode="auto">
+        <a:xfrm>
+          <a:off x="0" y="0"/>
+          <a:ext cx="0" cy="0"/>
+          <a:chOff x="0" y="0"/>
+          <a:chExt cx="0" cy="0"/>
+        </a:xfrm>
+      </p:grpSpPr>
+      <p:sp>
+        <p:nvSpPr>
+          <p:cNvPr id="2" name="Slide Image Placeholder 1"/>
+          <p:cNvSpPr>
+            <a:spLocks noChangeAspect="1" noGrp="1" noRot="1"/>
+          </p:cNvSpPr>
+          <p:nvPr>
+            <p:ph type="sldImg"/>
+          </p:nvPr>
+        </p:nvSpPr>
+        <p:spPr bwMode="auto"/>
+      </p:sp>
+      <p:sp>
+        <p:nvSpPr>
+          <p:cNvPr id="3" name="Notes Placeholder 2"/>
+          <p:cNvSpPr>
+            <a:spLocks noGrp="1"/>
+          </p:cNvSpPr>
+          <p:nvPr>
+            <p:ph type="body" idx="1"/>
+          </p:nvPr>
+        </p:nvSpPr>
+        <p:spPr bwMode="auto"/>
+        <p:txBody>
+          <a:bodyPr/>
+          <a:lstStyle/>
+          <a:p>
+            <a:pPr>
+              <a:defRPr/>
+            </a:pPr>
+            <a:endParaRPr/>
+          </a:p>
+        </p:txBody>
+      </p:sp>
+      <p:sp>
+        <p:nvSpPr>
+          <p:cNvPr id="4" name="Slide Number Placeholder 3"/>
+          <p:cNvSpPr>
+            <a:spLocks noGrp="1"/>
+          </p:cNvSpPr>
+          <p:nvPr>
+            <p:ph type="sldNum" sz="quarter" idx="10"/>
+          </p:nvPr>
+        </p:nvSpPr>
+        <p:spPr bwMode="auto"/>
+        <p:txBody>
+          <a:bodyPr/>
+          <a:lstStyle/>
+          <a:p>
+            <a:pPr>
+              <a:defRPr/>
+            </a:pPr>
+            <a:fld id="{D0F5DB10-1308-FAB3-74C8-7A396BBDA15D}" type="slidenum">
+              <a:rPr/>
+              <a:t/>
+            </a:fld>
+            <a:endParaRPr/>
+          </a:p>
+        </p:txBody>
+      </p:sp>
+    </p:spTree>
+  </p:cSld>
+  <p:clrMapOvr>
+    <a:masterClrMapping/>
+  </p:clrMapOvr>
+</p:notes>
+</file>
+
+<file path=ppt/notesSlides/notesSlide7.xml><?xml version="1.0" encoding="utf-8"?>
+<p:notes xmlns:a="http://schemas.openxmlformats.org/drawingml/2006/main" xmlns:r="http://schemas.openxmlformats.org/officeDocument/2006/relationships" xmlns:p="http://schemas.openxmlformats.org/presentationml/2006/main" xmlns:m="http://schemas.openxmlformats.org/officeDocument/2006/math" xmlns:w="http://schemas.openxmlformats.org/wordprocessingml/2006/main">
+  <p:cSld name="">
+    <p:spTree>
+      <p:nvGrpSpPr>
+        <p:cNvPr id="1" name=""/>
+        <p:cNvGrpSpPr/>
+        <p:nvPr/>
+      </p:nvGrpSpPr>
+      <p:grpSpPr bwMode="auto">
+        <a:xfrm>
+          <a:off x="0" y="0"/>
+          <a:ext cx="0" cy="0"/>
+          <a:chOff x="0" y="0"/>
+          <a:chExt cx="0" cy="0"/>
+        </a:xfrm>
+      </p:grpSpPr>
+      <p:sp>
+        <p:nvSpPr>
+          <p:cNvPr id="2" name="Slide Image Placeholder 1"/>
+          <p:cNvSpPr>
+            <a:spLocks noChangeAspect="1" noGrp="1" noRot="1"/>
+          </p:cNvSpPr>
+          <p:nvPr>
+            <p:ph type="sldImg"/>
+          </p:nvPr>
+        </p:nvSpPr>
+        <p:spPr bwMode="auto"/>
+      </p:sp>
+      <p:sp>
+        <p:nvSpPr>
+          <p:cNvPr id="3" name="Notes Placeholder 2"/>
+          <p:cNvSpPr>
+            <a:spLocks noGrp="1"/>
+          </p:cNvSpPr>
+          <p:nvPr>
+            <p:ph type="body" idx="1"/>
+          </p:nvPr>
+        </p:nvSpPr>
+        <p:spPr bwMode="auto"/>
+        <p:txBody>
+          <a:bodyPr/>
+          <a:lstStyle/>
+          <a:p>
+            <a:pPr>
+              <a:defRPr/>
+            </a:pPr>
+            <a:endParaRPr/>
+          </a:p>
+        </p:txBody>
+      </p:sp>
+      <p:sp>
+        <p:nvSpPr>
+          <p:cNvPr id="4" name="Slide Number Placeholder 3"/>
+          <p:cNvSpPr>
+            <a:spLocks noGrp="1"/>
+          </p:cNvSpPr>
+          <p:nvPr>
+            <p:ph type="sldNum" sz="quarter" idx="10"/>
+          </p:nvPr>
+        </p:nvSpPr>
+        <p:spPr bwMode="auto"/>
+        <p:txBody>
+          <a:bodyPr/>
+          <a:lstStyle/>
+          <a:p>
+            <a:pPr>
+              <a:defRPr/>
+            </a:pPr>
+            <a:fld id="{97F56443-DDAE-1974-00B7-BC7250548499}" type="slidenum">
+              <a:rPr/>
+              <a:t/>
+            </a:fld>
+            <a:endParaRPr/>
+          </a:p>
+        </p:txBody>
+      </p:sp>
+    </p:spTree>
+  </p:cSld>
+  <p:clrMapOvr>
+    <a:masterClrMapping/>
+  </p:clrMapOvr>
+</p:notes>
+</file>
+
+<file path=ppt/notesSlides/notesSlide8.xml><?xml version="1.0" encoding="utf-8"?>
+<p:notes xmlns:a="http://schemas.openxmlformats.org/drawingml/2006/main" xmlns:r="http://schemas.openxmlformats.org/officeDocument/2006/relationships" xmlns:p="http://schemas.openxmlformats.org/presentationml/2006/main" xmlns:m="http://schemas.openxmlformats.org/officeDocument/2006/math" xmlns:w="http://schemas.openxmlformats.org/wordprocessingml/2006/main">
+  <p:cSld name="">
+    <p:spTree>
+      <p:nvGrpSpPr>
+        <p:cNvPr id="1" name=""/>
+        <p:cNvGrpSpPr/>
+        <p:nvPr/>
+      </p:nvGrpSpPr>
+      <p:grpSpPr bwMode="auto">
+        <a:xfrm>
+          <a:off x="0" y="0"/>
+          <a:ext cx="0" cy="0"/>
+          <a:chOff x="0" y="0"/>
+          <a:chExt cx="0" cy="0"/>
+        </a:xfrm>
+      </p:grpSpPr>
+      <p:sp>
+        <p:nvSpPr>
+          <p:cNvPr id="2" name="Slide Image Placeholder 1"/>
+          <p:cNvSpPr>
+            <a:spLocks noChangeAspect="1" noGrp="1" noRot="1"/>
+          </p:cNvSpPr>
+          <p:nvPr>
+            <p:ph type="sldImg"/>
+          </p:nvPr>
+        </p:nvSpPr>
+        <p:spPr bwMode="auto"/>
+      </p:sp>
+      <p:sp>
+        <p:nvSpPr>
+          <p:cNvPr id="3" name="Notes Placeholder 2"/>
+          <p:cNvSpPr>
+            <a:spLocks noGrp="1"/>
+          </p:cNvSpPr>
+          <p:nvPr>
+            <p:ph type="body" idx="1"/>
+          </p:nvPr>
+        </p:nvSpPr>
+        <p:spPr bwMode="auto"/>
+        <p:txBody>
+          <a:bodyPr/>
+          <a:lstStyle/>
+          <a:p>
+            <a:pPr>
+              <a:defRPr/>
+            </a:pPr>
+            <a:endParaRPr/>
+          </a:p>
+        </p:txBody>
+      </p:sp>
+      <p:sp>
+        <p:nvSpPr>
+          <p:cNvPr id="4" name="Slide Number Placeholder 3"/>
+          <p:cNvSpPr>
+            <a:spLocks noGrp="1"/>
+          </p:cNvSpPr>
+          <p:nvPr>
+            <p:ph type="sldNum" sz="quarter" idx="10"/>
+          </p:nvPr>
+        </p:nvSpPr>
+        <p:spPr bwMode="auto"/>
+        <p:txBody>
+          <a:bodyPr/>
+          <a:lstStyle/>
+          <a:p>
+            <a:pPr>
+              <a:defRPr/>
+            </a:pPr>
+            <a:fld id="{DA2E7DD0-0E45-0E6E-362C-2AADC0B4DD3D}" type="slidenum">
+              <a:rPr/>
+              <a:t/>
+            </a:fld>
+            <a:endParaRPr/>
+          </a:p>
+        </p:txBody>
+      </p:sp>
+    </p:spTree>
+  </p:cSld>
+  <p:clrMapOvr>
+    <a:masterClrMapping/>
+  </p:clrMapOvr>
+</p:notes>
+</file>
+
+<file path=ppt/notesSlides/notesSlide9.xml><?xml version="1.0" encoding="utf-8"?>
+<p:notes xmlns:a="http://schemas.openxmlformats.org/drawingml/2006/main" xmlns:r="http://schemas.openxmlformats.org/officeDocument/2006/relationships" xmlns:p="http://schemas.openxmlformats.org/presentationml/2006/main" xmlns:m="http://schemas.openxmlformats.org/officeDocument/2006/math" xmlns:w="http://schemas.openxmlformats.org/wordprocessingml/2006/main">
+  <p:cSld name="">
+    <p:spTree>
+      <p:nvGrpSpPr>
+        <p:cNvPr id="1" name=""/>
+        <p:cNvGrpSpPr/>
+        <p:nvPr/>
+      </p:nvGrpSpPr>
+      <p:grpSpPr bwMode="auto">
+        <a:xfrm>
+          <a:off x="0" y="0"/>
+          <a:ext cx="0" cy="0"/>
+          <a:chOff x="0" y="0"/>
+          <a:chExt cx="0" cy="0"/>
+        </a:xfrm>
+      </p:grpSpPr>
+      <p:sp>
+        <p:nvSpPr>
+          <p:cNvPr id="2" name="Slide Image Placeholder 1"/>
+          <p:cNvSpPr>
+            <a:spLocks noChangeAspect="1" noGrp="1" noRot="1"/>
+          </p:cNvSpPr>
+          <p:nvPr>
+            <p:ph type="sldImg"/>
+          </p:nvPr>
+        </p:nvSpPr>
+        <p:spPr bwMode="auto"/>
+      </p:sp>
+      <p:sp>
+        <p:nvSpPr>
+          <p:cNvPr id="3" name="Notes Placeholder 2"/>
+          <p:cNvSpPr>
+            <a:spLocks noGrp="1"/>
+          </p:cNvSpPr>
+          <p:nvPr>
+            <p:ph type="body" idx="1"/>
+          </p:nvPr>
+        </p:nvSpPr>
+        <p:spPr bwMode="auto"/>
+        <p:txBody>
+          <a:bodyPr/>
+          <a:lstStyle/>
+          <a:p>
+            <a:pPr>
+              <a:defRPr/>
+            </a:pPr>
+            <a:endParaRPr/>
+          </a:p>
+        </p:txBody>
+      </p:sp>
+      <p:sp>
+        <p:nvSpPr>
+          <p:cNvPr id="4" name="Slide Number Placeholder 3"/>
+          <p:cNvSpPr>
+            <a:spLocks noGrp="1"/>
+          </p:cNvSpPr>
+          <p:nvPr>
+            <p:ph type="sldNum" sz="quarter" idx="10"/>
+          </p:nvPr>
+        </p:nvSpPr>
+        <p:spPr bwMode="auto"/>
+        <p:txBody>
+          <a:bodyPr/>
+          <a:lstStyle/>
+          <a:p>
+            <a:pPr>
+              <a:defRPr/>
+            </a:pPr>
+            <a:fld id="{D60E93B9-8EED-EA78-D38C-96640268F9BB}" type="slidenum">
+              <a:rPr/>
+              <a:t/>
+            </a:fld>
+            <a:endParaRPr/>
+          </a:p>
+        </p:txBody>
+      </p:sp>
+    </p:spTree>
+  </p:cSld>
+  <p:clrMapOvr>
+    <a:masterClrMapping/>
+  </p:clrMapOvr>
+</p:notes>
+</file>
+
 <file path=ppt/slideLayouts/slideLayout1.xml><?xml version="1.0" encoding="utf-8"?>
-<p:sldLayout xmlns:a="http://schemas.openxmlformats.org/drawingml/2006/main" xmlns:r="http://schemas.openxmlformats.org/officeDocument/2006/relationships" xmlns:p="http://schemas.openxmlformats.org/presentationml/2006/main" type="title" preserve="1">
+<p:sldLayout xmlns:a="http://schemas.openxmlformats.org/drawingml/2006/main" xmlns:r="http://schemas.openxmlformats.org/officeDocument/2006/relationships" xmlns:p="http://schemas.openxmlformats.org/presentationml/2006/main" xmlns:m="http://schemas.openxmlformats.org/officeDocument/2006/math" xmlns:w="http://schemas.openxmlformats.org/wordprocessingml/2006/main" matchingName="" preserve="1" showMasterPhAnim="0" showMasterSp="1" type="title" userDrawn="1">
   <p:cSld name="Title Slide">
     <p:spTree>
       <p:nvGrpSpPr>
@@ -125,7 +1298,7 @@
         <p:cNvGrpSpPr/>
         <p:nvPr/>
       </p:nvGrpSpPr>
-      <p:grpSpPr>
+      <p:grpSpPr bwMode="auto">
         <a:xfrm>
           <a:off x="0" y="0"/>
           <a:ext cx="0" cy="0"/>
@@ -135,7 +1308,7 @@
       </p:grpSpPr>
       <p:sp>
         <p:nvSpPr>
-          <p:cNvPr id="2" name="Title 1"/>
+          <p:cNvPr id="2139058052" name="Title 1"/>
           <p:cNvSpPr>
             <a:spLocks noGrp="1"/>
           </p:cNvSpPr>
@@ -143,7 +1316,7 @@
             <p:ph type="ctrTitle"/>
           </p:nvPr>
         </p:nvSpPr>
-        <p:spPr>
+        <p:spPr bwMode="auto">
           <a:xfrm>
             <a:off x="685800" y="2130425"/>
             <a:ext cx="7772400" cy="1470025"/>
@@ -153,8 +1326,11 @@
           <a:bodyPr/>
           <a:lstStyle/>
           <a:p>
-            <a:r>
-              <a:rPr lang="en-US" smtClean="0"/>
+            <a:pPr>
+              <a:defRPr/>
+            </a:pPr>
+            <a:r>
+              <a:rPr lang="en-US"/>
               <a:t>Click to edit Master title style</a:t>
             </a:r>
             <a:endParaRPr lang="en-US"/>
@@ -163,7 +1339,7 @@
       </p:sp>
       <p:sp>
         <p:nvSpPr>
-          <p:cNvPr id="3" name="Subtitle 2"/>
+          <p:cNvPr id="114781808" name="Subtitle 2"/>
           <p:cNvSpPr>
             <a:spLocks noGrp="1"/>
           </p:cNvSpPr>
@@ -171,10 +1347,10 @@
             <p:ph type="subTitle" idx="1"/>
           </p:nvPr>
         </p:nvSpPr>
-        <p:spPr>
+        <p:spPr bwMode="auto">
           <a:xfrm>
             <a:off x="1371600" y="3886200"/>
-            <a:ext cx="6400800" cy="1752600"/>
+            <a:ext cx="6400800" cy="1752599"/>
           </a:xfrm>
         </p:spPr>
         <p:txBody>
@@ -272,8 +1448,11 @@
             </a:lvl9pPr>
           </a:lstStyle>
           <a:p>
-            <a:r>
-              <a:rPr lang="en-US" smtClean="0"/>
+            <a:pPr>
+              <a:defRPr/>
+            </a:pPr>
+            <a:r>
+              <a:rPr lang="en-US"/>
               <a:t>Click to edit Master subtitle style</a:t>
             </a:r>
             <a:endParaRPr lang="en-US"/>
@@ -282,7 +1461,7 @@
       </p:sp>
       <p:sp>
         <p:nvSpPr>
-          <p:cNvPr id="4" name="Date Placeholder 3"/>
+          <p:cNvPr id="657310802" name="Date Placeholder 3"/>
           <p:cNvSpPr>
             <a:spLocks noGrp="1"/>
           </p:cNvSpPr>
@@ -290,13 +1469,16 @@
             <p:ph type="dt" sz="half" idx="10"/>
           </p:nvPr>
         </p:nvSpPr>
-        <p:spPr/>
+        <p:spPr bwMode="auto"/>
         <p:txBody>
           <a:bodyPr/>
           <a:lstStyle/>
           <a:p>
+            <a:pPr>
+              <a:defRPr/>
+            </a:pPr>
             <a:fld id="{5BCAD085-E8A6-8845-BD4E-CB4CCA059FC4}" type="datetimeFigureOut">
-              <a:rPr lang="en-US" smtClean="0"/>
+              <a:rPr lang="en-US"/>
               <a:t>1/27/13</a:t>
             </a:fld>
             <a:endParaRPr lang="en-US"/>
@@ -305,7 +1487,7 @@
       </p:sp>
       <p:sp>
         <p:nvSpPr>
-          <p:cNvPr id="5" name="Footer Placeholder 4"/>
+          <p:cNvPr id="1961159260" name="Footer Placeholder 4"/>
           <p:cNvSpPr>
             <a:spLocks noGrp="1"/>
           </p:cNvSpPr>
@@ -313,18 +1495,21 @@
             <p:ph type="ftr" sz="quarter" idx="11"/>
           </p:nvPr>
         </p:nvSpPr>
-        <p:spPr/>
+        <p:spPr bwMode="auto"/>
         <p:txBody>
           <a:bodyPr/>
           <a:lstStyle/>
           <a:p>
+            <a:pPr>
+              <a:defRPr/>
+            </a:pPr>
             <a:endParaRPr lang="en-US"/>
           </a:p>
         </p:txBody>
       </p:sp>
       <p:sp>
         <p:nvSpPr>
-          <p:cNvPr id="6" name="Slide Number Placeholder 5"/>
+          <p:cNvPr id="1825320790" name="Slide Number Placeholder 5"/>
           <p:cNvSpPr>
             <a:spLocks noGrp="1"/>
           </p:cNvSpPr>
@@ -332,13 +1517,16 @@
             <p:ph type="sldNum" sz="quarter" idx="12"/>
           </p:nvPr>
         </p:nvSpPr>
-        <p:spPr/>
+        <p:spPr bwMode="auto"/>
         <p:txBody>
           <a:bodyPr/>
           <a:lstStyle/>
           <a:p>
+            <a:pPr>
+              <a:defRPr/>
+            </a:pPr>
             <a:fld id="{C1FF6DA9-008F-8B48-92A6-B652298478BF}" type="slidenum">
-              <a:rPr lang="en-US" smtClean="0"/>
+              <a:rPr lang="en-US"/>
               <a:t>‹#›</a:t>
             </a:fld>
             <a:endParaRPr lang="en-US"/>
@@ -346,11 +1534,6 @@
         </p:txBody>
       </p:sp>
     </p:spTree>
-    <p:extLst>
-      <p:ext uri="{BB962C8B-B14F-4D97-AF65-F5344CB8AC3E}">
-        <p14:creationId xmlns:p14="http://schemas.microsoft.com/office/powerpoint/2010/main" val="3168075583"/>
-      </p:ext>
-    </p:extLst>
   </p:cSld>
   <p:clrMapOvr>
     <a:masterClrMapping/>
@@ -359,7 +1542,7 @@
 </file>
 
 <file path=ppt/slideLayouts/slideLayout10.xml><?xml version="1.0" encoding="utf-8"?>
-<p:sldLayout xmlns:a="http://schemas.openxmlformats.org/drawingml/2006/main" xmlns:r="http://schemas.openxmlformats.org/officeDocument/2006/relationships" xmlns:p="http://schemas.openxmlformats.org/presentationml/2006/main" type="vertTx" preserve="1">
+<p:sldLayout xmlns:a="http://schemas.openxmlformats.org/drawingml/2006/main" xmlns:r="http://schemas.openxmlformats.org/officeDocument/2006/relationships" xmlns:p="http://schemas.openxmlformats.org/presentationml/2006/main" xmlns:m="http://schemas.openxmlformats.org/officeDocument/2006/math" xmlns:w="http://schemas.openxmlformats.org/wordprocessingml/2006/main" matchingName="" preserve="1" showMasterPhAnim="0" showMasterSp="1" type="vertTx" userDrawn="1">
   <p:cSld name="Title and Vertical Text">
     <p:spTree>
       <p:nvGrpSpPr>
@@ -367,7 +1550,7 @@
         <p:cNvGrpSpPr/>
         <p:nvPr/>
       </p:nvGrpSpPr>
-      <p:grpSpPr>
+      <p:grpSpPr bwMode="auto">
         <a:xfrm>
           <a:off x="0" y="0"/>
           <a:ext cx="0" cy="0"/>
@@ -377,7 +1560,7 @@
       </p:grpSpPr>
       <p:sp>
         <p:nvSpPr>
-          <p:cNvPr id="2" name="Title 1"/>
+          <p:cNvPr id="1367653856" name="Title 1"/>
           <p:cNvSpPr>
             <a:spLocks noGrp="1"/>
           </p:cNvSpPr>
@@ -385,13 +1568,16 @@
             <p:ph type="title"/>
           </p:nvPr>
         </p:nvSpPr>
-        <p:spPr/>
+        <p:spPr bwMode="auto"/>
         <p:txBody>
           <a:bodyPr/>
           <a:lstStyle/>
           <a:p>
-            <a:r>
-              <a:rPr lang="en-US" smtClean="0"/>
+            <a:pPr>
+              <a:defRPr/>
+            </a:pPr>
+            <a:r>
+              <a:rPr lang="en-US"/>
               <a:t>Click to edit Master title style</a:t>
             </a:r>
             <a:endParaRPr lang="en-US"/>
@@ -400,7 +1586,7 @@
       </p:sp>
       <p:sp>
         <p:nvSpPr>
-          <p:cNvPr id="3" name="Vertical Text Placeholder 2"/>
+          <p:cNvPr id="1844855485" name="Vertical Text Placeholder 2"/>
           <p:cNvSpPr>
             <a:spLocks noGrp="1"/>
           </p:cNvSpPr>
@@ -408,42 +1594,56 @@
             <p:ph type="body" orient="vert" idx="1"/>
           </p:nvPr>
         </p:nvSpPr>
-        <p:spPr/>
+        <p:spPr bwMode="auto"/>
         <p:txBody>
           <a:bodyPr vert="eaVert"/>
           <a:lstStyle/>
           <a:p>
-            <a:pPr lvl="0"/>
-            <a:r>
-              <a:rPr lang="en-US" smtClean="0"/>
+            <a:pPr lvl="0">
+              <a:defRPr/>
+            </a:pPr>
+            <a:r>
+              <a:rPr lang="en-US"/>
               <a:t>Click to edit Master text styles</a:t>
             </a:r>
-          </a:p>
-          <a:p>
-            <a:pPr lvl="1"/>
-            <a:r>
-              <a:rPr lang="en-US" smtClean="0"/>
+            <a:endParaRPr/>
+          </a:p>
+          <a:p>
+            <a:pPr lvl="1">
+              <a:defRPr/>
+            </a:pPr>
+            <a:r>
+              <a:rPr lang="en-US"/>
               <a:t>Second level</a:t>
             </a:r>
-          </a:p>
-          <a:p>
-            <a:pPr lvl="2"/>
-            <a:r>
-              <a:rPr lang="en-US" smtClean="0"/>
+            <a:endParaRPr/>
+          </a:p>
+          <a:p>
+            <a:pPr lvl="2">
+              <a:defRPr/>
+            </a:pPr>
+            <a:r>
+              <a:rPr lang="en-US"/>
               <a:t>Third level</a:t>
             </a:r>
-          </a:p>
-          <a:p>
-            <a:pPr lvl="3"/>
-            <a:r>
-              <a:rPr lang="en-US" smtClean="0"/>
+            <a:endParaRPr/>
+          </a:p>
+          <a:p>
+            <a:pPr lvl="3">
+              <a:defRPr/>
+            </a:pPr>
+            <a:r>
+              <a:rPr lang="en-US"/>
               <a:t>Fourth level</a:t>
             </a:r>
-          </a:p>
-          <a:p>
-            <a:pPr lvl="4"/>
-            <a:r>
-              <a:rPr lang="en-US" smtClean="0"/>
+            <a:endParaRPr/>
+          </a:p>
+          <a:p>
+            <a:pPr lvl="4">
+              <a:defRPr/>
+            </a:pPr>
+            <a:r>
+              <a:rPr lang="en-US"/>
               <a:t>Fifth level</a:t>
             </a:r>
             <a:endParaRPr lang="en-US"/>
@@ -452,7 +1652,7 @@
       </p:sp>
       <p:sp>
         <p:nvSpPr>
-          <p:cNvPr id="4" name="Date Placeholder 3"/>
+          <p:cNvPr id="712604186" name="Date Placeholder 3"/>
           <p:cNvSpPr>
             <a:spLocks noGrp="1"/>
           </p:cNvSpPr>
@@ -460,13 +1660,16 @@
             <p:ph type="dt" sz="half" idx="10"/>
           </p:nvPr>
         </p:nvSpPr>
-        <p:spPr/>
+        <p:spPr bwMode="auto"/>
         <p:txBody>
           <a:bodyPr/>
           <a:lstStyle/>
           <a:p>
+            <a:pPr>
+              <a:defRPr/>
+            </a:pPr>
             <a:fld id="{5BCAD085-E8A6-8845-BD4E-CB4CCA059FC4}" type="datetimeFigureOut">
-              <a:rPr lang="en-US" smtClean="0"/>
+              <a:rPr lang="en-US"/>
               <a:t>1/27/13</a:t>
             </a:fld>
             <a:endParaRPr lang="en-US"/>
@@ -475,7 +1678,7 @@
       </p:sp>
       <p:sp>
         <p:nvSpPr>
-          <p:cNvPr id="5" name="Footer Placeholder 4"/>
+          <p:cNvPr id="950978063" name="Footer Placeholder 4"/>
           <p:cNvSpPr>
             <a:spLocks noGrp="1"/>
           </p:cNvSpPr>
@@ -483,18 +1686,21 @@
             <p:ph type="ftr" sz="quarter" idx="11"/>
           </p:nvPr>
         </p:nvSpPr>
-        <p:spPr/>
+        <p:spPr bwMode="auto"/>
         <p:txBody>
           <a:bodyPr/>
           <a:lstStyle/>
           <a:p>
+            <a:pPr>
+              <a:defRPr/>
+            </a:pPr>
             <a:endParaRPr lang="en-US"/>
           </a:p>
         </p:txBody>
       </p:sp>
       <p:sp>
         <p:nvSpPr>
-          <p:cNvPr id="6" name="Slide Number Placeholder 5"/>
+          <p:cNvPr id="1021849724" name="Slide Number Placeholder 5"/>
           <p:cNvSpPr>
             <a:spLocks noGrp="1"/>
           </p:cNvSpPr>
@@ -502,13 +1708,16 @@
             <p:ph type="sldNum" sz="quarter" idx="12"/>
           </p:nvPr>
         </p:nvSpPr>
-        <p:spPr/>
+        <p:spPr bwMode="auto"/>
         <p:txBody>
           <a:bodyPr/>
           <a:lstStyle/>
           <a:p>
+            <a:pPr>
+              <a:defRPr/>
+            </a:pPr>
             <a:fld id="{C1FF6DA9-008F-8B48-92A6-B652298478BF}" type="slidenum">
-              <a:rPr lang="en-US" smtClean="0"/>
+              <a:rPr lang="en-US"/>
               <a:t>‹#›</a:t>
             </a:fld>
             <a:endParaRPr lang="en-US"/>
@@ -516,11 +1725,6 @@
         </p:txBody>
       </p:sp>
     </p:spTree>
-    <p:extLst>
-      <p:ext uri="{BB962C8B-B14F-4D97-AF65-F5344CB8AC3E}">
-        <p14:creationId xmlns:p14="http://schemas.microsoft.com/office/powerpoint/2010/main" val="2910927964"/>
-      </p:ext>
-    </p:extLst>
   </p:cSld>
   <p:clrMapOvr>
     <a:masterClrMapping/>
@@ -529,7 +1733,7 @@
 </file>
 
 <file path=ppt/slideLayouts/slideLayout11.xml><?xml version="1.0" encoding="utf-8"?>
-<p:sldLayout xmlns:a="http://schemas.openxmlformats.org/drawingml/2006/main" xmlns:r="http://schemas.openxmlformats.org/officeDocument/2006/relationships" xmlns:p="http://schemas.openxmlformats.org/presentationml/2006/main" type="vertTitleAndTx" preserve="1">
+<p:sldLayout xmlns:a="http://schemas.openxmlformats.org/drawingml/2006/main" xmlns:r="http://schemas.openxmlformats.org/officeDocument/2006/relationships" xmlns:p="http://schemas.openxmlformats.org/presentationml/2006/main" xmlns:m="http://schemas.openxmlformats.org/officeDocument/2006/math" xmlns:w="http://schemas.openxmlformats.org/wordprocessingml/2006/main" matchingName="" preserve="1" showMasterPhAnim="0" showMasterSp="1" type="vertTitleAndTx" userDrawn="1">
   <p:cSld name="Vertical Title and Text">
     <p:spTree>
       <p:nvGrpSpPr>
@@ -537,7 +1741,7 @@
         <p:cNvGrpSpPr/>
         <p:nvPr/>
       </p:nvGrpSpPr>
-      <p:grpSpPr>
+      <p:grpSpPr bwMode="auto">
         <a:xfrm>
           <a:off x="0" y="0"/>
           <a:ext cx="0" cy="0"/>
@@ -547,7 +1751,7 @@
       </p:grpSpPr>
       <p:sp>
         <p:nvSpPr>
-          <p:cNvPr id="2" name="Vertical Title 1"/>
+          <p:cNvPr id="808879168" name="Vertical Title 1"/>
           <p:cNvSpPr>
             <a:spLocks noGrp="1"/>
           </p:cNvSpPr>
@@ -555,7 +1759,7 @@
             <p:ph type="title" orient="vert"/>
           </p:nvPr>
         </p:nvSpPr>
-        <p:spPr>
+        <p:spPr bwMode="auto">
           <a:xfrm>
             <a:off x="6629400" y="274638"/>
             <a:ext cx="2057400" cy="5851525"/>
@@ -565,8 +1769,11 @@
           <a:bodyPr vert="eaVert"/>
           <a:lstStyle/>
           <a:p>
-            <a:r>
-              <a:rPr lang="en-US" smtClean="0"/>
+            <a:pPr>
+              <a:defRPr/>
+            </a:pPr>
+            <a:r>
+              <a:rPr lang="en-US"/>
               <a:t>Click to edit Master title style</a:t>
             </a:r>
             <a:endParaRPr lang="en-US"/>
@@ -575,7 +1782,7 @@
       </p:sp>
       <p:sp>
         <p:nvSpPr>
-          <p:cNvPr id="3" name="Vertical Text Placeholder 2"/>
+          <p:cNvPr id="909431784" name="Vertical Text Placeholder 2"/>
           <p:cNvSpPr>
             <a:spLocks noGrp="1"/>
           </p:cNvSpPr>
@@ -583,7 +1790,7 @@
             <p:ph type="body" orient="vert" idx="1"/>
           </p:nvPr>
         </p:nvSpPr>
-        <p:spPr>
+        <p:spPr bwMode="auto">
           <a:xfrm>
             <a:off x="457200" y="274638"/>
             <a:ext cx="6019800" cy="5851525"/>
@@ -593,37 +1800,51 @@
           <a:bodyPr vert="eaVert"/>
           <a:lstStyle/>
           <a:p>
-            <a:pPr lvl="0"/>
-            <a:r>
-              <a:rPr lang="en-US" smtClean="0"/>
+            <a:pPr lvl="0">
+              <a:defRPr/>
+            </a:pPr>
+            <a:r>
+              <a:rPr lang="en-US"/>
               <a:t>Click to edit Master text styles</a:t>
             </a:r>
-          </a:p>
-          <a:p>
-            <a:pPr lvl="1"/>
-            <a:r>
-              <a:rPr lang="en-US" smtClean="0"/>
+            <a:endParaRPr/>
+          </a:p>
+          <a:p>
+            <a:pPr lvl="1">
+              <a:defRPr/>
+            </a:pPr>
+            <a:r>
+              <a:rPr lang="en-US"/>
               <a:t>Second level</a:t>
             </a:r>
-          </a:p>
-          <a:p>
-            <a:pPr lvl="2"/>
-            <a:r>
-              <a:rPr lang="en-US" smtClean="0"/>
+            <a:endParaRPr/>
+          </a:p>
+          <a:p>
+            <a:pPr lvl="2">
+              <a:defRPr/>
+            </a:pPr>
+            <a:r>
+              <a:rPr lang="en-US"/>
               <a:t>Third level</a:t>
             </a:r>
-          </a:p>
-          <a:p>
-            <a:pPr lvl="3"/>
-            <a:r>
-              <a:rPr lang="en-US" smtClean="0"/>
+            <a:endParaRPr/>
+          </a:p>
+          <a:p>
+            <a:pPr lvl="3">
+              <a:defRPr/>
+            </a:pPr>
+            <a:r>
+              <a:rPr lang="en-US"/>
               <a:t>Fourth level</a:t>
             </a:r>
-          </a:p>
-          <a:p>
-            <a:pPr lvl="4"/>
-            <a:r>
-              <a:rPr lang="en-US" smtClean="0"/>
+            <a:endParaRPr/>
+          </a:p>
+          <a:p>
+            <a:pPr lvl="4">
+              <a:defRPr/>
+            </a:pPr>
+            <a:r>
+              <a:rPr lang="en-US"/>
               <a:t>Fifth level</a:t>
             </a:r>
             <a:endParaRPr lang="en-US"/>
@@ -632,7 +1853,7 @@
       </p:sp>
       <p:sp>
         <p:nvSpPr>
-          <p:cNvPr id="4" name="Date Placeholder 3"/>
+          <p:cNvPr id="66602802" name="Date Placeholder 3"/>
           <p:cNvSpPr>
             <a:spLocks noGrp="1"/>
           </p:cNvSpPr>
@@ -640,13 +1861,16 @@
             <p:ph type="dt" sz="half" idx="10"/>
           </p:nvPr>
         </p:nvSpPr>
-        <p:spPr/>
+        <p:spPr bwMode="auto"/>
         <p:txBody>
           <a:bodyPr/>
           <a:lstStyle/>
           <a:p>
+            <a:pPr>
+              <a:defRPr/>
+            </a:pPr>
             <a:fld id="{5BCAD085-E8A6-8845-BD4E-CB4CCA059FC4}" type="datetimeFigureOut">
-              <a:rPr lang="en-US" smtClean="0"/>
+              <a:rPr lang="en-US"/>
               <a:t>1/27/13</a:t>
             </a:fld>
             <a:endParaRPr lang="en-US"/>
@@ -655,7 +1879,7 @@
       </p:sp>
       <p:sp>
         <p:nvSpPr>
-          <p:cNvPr id="5" name="Footer Placeholder 4"/>
+          <p:cNvPr id="1240887481" name="Footer Placeholder 4"/>
           <p:cNvSpPr>
             <a:spLocks noGrp="1"/>
           </p:cNvSpPr>
@@ -663,18 +1887,21 @@
             <p:ph type="ftr" sz="quarter" idx="11"/>
           </p:nvPr>
         </p:nvSpPr>
-        <p:spPr/>
+        <p:spPr bwMode="auto"/>
         <p:txBody>
           <a:bodyPr/>
           <a:lstStyle/>
           <a:p>
+            <a:pPr>
+              <a:defRPr/>
+            </a:pPr>
             <a:endParaRPr lang="en-US"/>
           </a:p>
         </p:txBody>
       </p:sp>
       <p:sp>
         <p:nvSpPr>
-          <p:cNvPr id="6" name="Slide Number Placeholder 5"/>
+          <p:cNvPr id="441325157" name="Slide Number Placeholder 5"/>
           <p:cNvSpPr>
             <a:spLocks noGrp="1"/>
           </p:cNvSpPr>
@@ -682,13 +1909,16 @@
             <p:ph type="sldNum" sz="quarter" idx="12"/>
           </p:nvPr>
         </p:nvSpPr>
-        <p:spPr/>
+        <p:spPr bwMode="auto"/>
         <p:txBody>
           <a:bodyPr/>
           <a:lstStyle/>
           <a:p>
+            <a:pPr>
+              <a:defRPr/>
+            </a:pPr>
             <a:fld id="{C1FF6DA9-008F-8B48-92A6-B652298478BF}" type="slidenum">
-              <a:rPr lang="en-US" smtClean="0"/>
+              <a:rPr lang="en-US"/>
               <a:t>‹#›</a:t>
             </a:fld>
             <a:endParaRPr lang="en-US"/>
@@ -696,11 +1926,6 @@
         </p:txBody>
       </p:sp>
     </p:spTree>
-    <p:extLst>
-      <p:ext uri="{BB962C8B-B14F-4D97-AF65-F5344CB8AC3E}">
-        <p14:creationId xmlns:p14="http://schemas.microsoft.com/office/powerpoint/2010/main" val="3612223792"/>
-      </p:ext>
-    </p:extLst>
   </p:cSld>
   <p:clrMapOvr>
     <a:masterClrMapping/>
@@ -709,7 +1934,7 @@
 </file>
 
 <file path=ppt/slideLayouts/slideLayout2.xml><?xml version="1.0" encoding="utf-8"?>
-<p:sldLayout xmlns:a="http://schemas.openxmlformats.org/drawingml/2006/main" xmlns:r="http://schemas.openxmlformats.org/officeDocument/2006/relationships" xmlns:p="http://schemas.openxmlformats.org/presentationml/2006/main" type="obj" preserve="1">
+<p:sldLayout xmlns:a="http://schemas.openxmlformats.org/drawingml/2006/main" xmlns:r="http://schemas.openxmlformats.org/officeDocument/2006/relationships" xmlns:p="http://schemas.openxmlformats.org/presentationml/2006/main" xmlns:m="http://schemas.openxmlformats.org/officeDocument/2006/math" xmlns:w="http://schemas.openxmlformats.org/wordprocessingml/2006/main" matchingName="" preserve="1" showMasterPhAnim="0" showMasterSp="1" type="obj" userDrawn="1">
   <p:cSld name="Title and Content">
     <p:spTree>
       <p:nvGrpSpPr>
@@ -717,7 +1942,7 @@
         <p:cNvGrpSpPr/>
         <p:nvPr/>
       </p:nvGrpSpPr>
-      <p:grpSpPr>
+      <p:grpSpPr bwMode="auto">
         <a:xfrm>
           <a:off x="0" y="0"/>
           <a:ext cx="0" cy="0"/>
@@ -727,7 +1952,7 @@
       </p:grpSpPr>
       <p:sp>
         <p:nvSpPr>
-          <p:cNvPr id="2" name="Title 1"/>
+          <p:cNvPr id="1905508325" name="Title 1"/>
           <p:cNvSpPr>
             <a:spLocks noGrp="1"/>
           </p:cNvSpPr>
@@ -735,13 +1960,16 @@
             <p:ph type="title"/>
           </p:nvPr>
         </p:nvSpPr>
-        <p:spPr/>
+        <p:spPr bwMode="auto"/>
         <p:txBody>
           <a:bodyPr/>
           <a:lstStyle/>
           <a:p>
-            <a:r>
-              <a:rPr lang="en-US" smtClean="0"/>
+            <a:pPr>
+              <a:defRPr/>
+            </a:pPr>
+            <a:r>
+              <a:rPr lang="en-US"/>
               <a:t>Click to edit Master title style</a:t>
             </a:r>
             <a:endParaRPr lang="en-US"/>
@@ -750,7 +1978,7 @@
       </p:sp>
       <p:sp>
         <p:nvSpPr>
-          <p:cNvPr id="3" name="Content Placeholder 2"/>
+          <p:cNvPr id="405103811" name="Content Placeholder 2"/>
           <p:cNvSpPr>
             <a:spLocks noGrp="1"/>
           </p:cNvSpPr>
@@ -758,42 +1986,56 @@
             <p:ph idx="1"/>
           </p:nvPr>
         </p:nvSpPr>
-        <p:spPr/>
+        <p:spPr bwMode="auto"/>
         <p:txBody>
           <a:bodyPr/>
           <a:lstStyle/>
           <a:p>
-            <a:pPr lvl="0"/>
-            <a:r>
-              <a:rPr lang="en-US" smtClean="0"/>
+            <a:pPr lvl="0">
+              <a:defRPr/>
+            </a:pPr>
+            <a:r>
+              <a:rPr lang="en-US"/>
               <a:t>Click to edit Master text styles</a:t>
             </a:r>
-          </a:p>
-          <a:p>
-            <a:pPr lvl="1"/>
-            <a:r>
-              <a:rPr lang="en-US" smtClean="0"/>
+            <a:endParaRPr/>
+          </a:p>
+          <a:p>
+            <a:pPr lvl="1">
+              <a:defRPr/>
+            </a:pPr>
+            <a:r>
+              <a:rPr lang="en-US"/>
               <a:t>Second level</a:t>
             </a:r>
-          </a:p>
-          <a:p>
-            <a:pPr lvl="2"/>
-            <a:r>
-              <a:rPr lang="en-US" smtClean="0"/>
+            <a:endParaRPr/>
+          </a:p>
+          <a:p>
+            <a:pPr lvl="2">
+              <a:defRPr/>
+            </a:pPr>
+            <a:r>
+              <a:rPr lang="en-US"/>
               <a:t>Third level</a:t>
             </a:r>
-          </a:p>
-          <a:p>
-            <a:pPr lvl="3"/>
-            <a:r>
-              <a:rPr lang="en-US" smtClean="0"/>
+            <a:endParaRPr/>
+          </a:p>
+          <a:p>
+            <a:pPr lvl="3">
+              <a:defRPr/>
+            </a:pPr>
+            <a:r>
+              <a:rPr lang="en-US"/>
               <a:t>Fourth level</a:t>
             </a:r>
-          </a:p>
-          <a:p>
-            <a:pPr lvl="4"/>
-            <a:r>
-              <a:rPr lang="en-US" smtClean="0"/>
+            <a:endParaRPr/>
+          </a:p>
+          <a:p>
+            <a:pPr lvl="4">
+              <a:defRPr/>
+            </a:pPr>
+            <a:r>
+              <a:rPr lang="en-US"/>
               <a:t>Fifth level</a:t>
             </a:r>
             <a:endParaRPr lang="en-US"/>
@@ -802,7 +2044,7 @@
       </p:sp>
       <p:sp>
         <p:nvSpPr>
-          <p:cNvPr id="4" name="Date Placeholder 3"/>
+          <p:cNvPr id="381719451" name="Date Placeholder 3"/>
           <p:cNvSpPr>
             <a:spLocks noGrp="1"/>
           </p:cNvSpPr>
@@ -810,13 +2052,16 @@
             <p:ph type="dt" sz="half" idx="10"/>
           </p:nvPr>
         </p:nvSpPr>
-        <p:spPr/>
+        <p:spPr bwMode="auto"/>
         <p:txBody>
           <a:bodyPr/>
           <a:lstStyle/>
           <a:p>
+            <a:pPr>
+              <a:defRPr/>
+            </a:pPr>
             <a:fld id="{5BCAD085-E8A6-8845-BD4E-CB4CCA059FC4}" type="datetimeFigureOut">
-              <a:rPr lang="en-US" smtClean="0"/>
+              <a:rPr lang="en-US"/>
               <a:t>1/27/13</a:t>
             </a:fld>
             <a:endParaRPr lang="en-US"/>
@@ -825,7 +2070,7 @@
       </p:sp>
       <p:sp>
         <p:nvSpPr>
-          <p:cNvPr id="5" name="Footer Placeholder 4"/>
+          <p:cNvPr id="1401989687" name="Footer Placeholder 4"/>
           <p:cNvSpPr>
             <a:spLocks noGrp="1"/>
           </p:cNvSpPr>
@@ -833,18 +2078,21 @@
             <p:ph type="ftr" sz="quarter" idx="11"/>
           </p:nvPr>
         </p:nvSpPr>
-        <p:spPr/>
+        <p:spPr bwMode="auto"/>
         <p:txBody>
           <a:bodyPr/>
           <a:lstStyle/>
           <a:p>
+            <a:pPr>
+              <a:defRPr/>
+            </a:pPr>
             <a:endParaRPr lang="en-US"/>
           </a:p>
         </p:txBody>
       </p:sp>
       <p:sp>
         <p:nvSpPr>
-          <p:cNvPr id="6" name="Slide Number Placeholder 5"/>
+          <p:cNvPr id="2095133390" name="Slide Number Placeholder 5"/>
           <p:cNvSpPr>
             <a:spLocks noGrp="1"/>
           </p:cNvSpPr>
@@ -852,13 +2100,16 @@
             <p:ph type="sldNum" sz="quarter" idx="12"/>
           </p:nvPr>
         </p:nvSpPr>
-        <p:spPr/>
+        <p:spPr bwMode="auto"/>
         <p:txBody>
           <a:bodyPr/>
           <a:lstStyle/>
           <a:p>
+            <a:pPr>
+              <a:defRPr/>
+            </a:pPr>
             <a:fld id="{C1FF6DA9-008F-8B48-92A6-B652298478BF}" type="slidenum">
-              <a:rPr lang="en-US" smtClean="0"/>
+              <a:rPr lang="en-US"/>
               <a:t>‹#›</a:t>
             </a:fld>
             <a:endParaRPr lang="en-US"/>
@@ -866,11 +2117,6 @@
         </p:txBody>
       </p:sp>
     </p:spTree>
-    <p:extLst>
-      <p:ext uri="{BB962C8B-B14F-4D97-AF65-F5344CB8AC3E}">
-        <p14:creationId xmlns:p14="http://schemas.microsoft.com/office/powerpoint/2010/main" val="2614314258"/>
-      </p:ext>
-    </p:extLst>
   </p:cSld>
   <p:clrMapOvr>
     <a:masterClrMapping/>
@@ -879,7 +2125,7 @@
 </file>
 
 <file path=ppt/slideLayouts/slideLayout3.xml><?xml version="1.0" encoding="utf-8"?>
-<p:sldLayout xmlns:a="http://schemas.openxmlformats.org/drawingml/2006/main" xmlns:r="http://schemas.openxmlformats.org/officeDocument/2006/relationships" xmlns:p="http://schemas.openxmlformats.org/presentationml/2006/main" type="secHead" preserve="1">
+<p:sldLayout xmlns:a="http://schemas.openxmlformats.org/drawingml/2006/main" xmlns:r="http://schemas.openxmlformats.org/officeDocument/2006/relationships" xmlns:p="http://schemas.openxmlformats.org/presentationml/2006/main" xmlns:m="http://schemas.openxmlformats.org/officeDocument/2006/math" xmlns:w="http://schemas.openxmlformats.org/wordprocessingml/2006/main" matchingName="" preserve="1" showMasterPhAnim="0" showMasterSp="1" type="secHead" userDrawn="1">
   <p:cSld name="Section Header">
     <p:spTree>
       <p:nvGrpSpPr>
@@ -887,7 +2133,7 @@
         <p:cNvGrpSpPr/>
         <p:nvPr/>
       </p:nvGrpSpPr>
-      <p:grpSpPr>
+      <p:grpSpPr bwMode="auto">
         <a:xfrm>
           <a:off x="0" y="0"/>
           <a:ext cx="0" cy="0"/>
@@ -897,7 +2143,7 @@
       </p:grpSpPr>
       <p:sp>
         <p:nvSpPr>
-          <p:cNvPr id="2" name="Title 1"/>
+          <p:cNvPr id="1433321266" name="Title 1"/>
           <p:cNvSpPr>
             <a:spLocks noGrp="1"/>
           </p:cNvSpPr>
@@ -905,7 +2151,7 @@
             <p:ph type="title"/>
           </p:nvPr>
         </p:nvSpPr>
-        <p:spPr>
+        <p:spPr bwMode="auto">
           <a:xfrm>
             <a:off x="722313" y="4406900"/>
             <a:ext cx="7772400" cy="1362075"/>
@@ -919,8 +2165,11 @@
             </a:lvl1pPr>
           </a:lstStyle>
           <a:p>
-            <a:r>
-              <a:rPr lang="en-US" smtClean="0"/>
+            <a:pPr>
+              <a:defRPr/>
+            </a:pPr>
+            <a:r>
+              <a:rPr lang="en-US"/>
               <a:t>Click to edit Master title style</a:t>
             </a:r>
             <a:endParaRPr lang="en-US"/>
@@ -929,7 +2178,7 @@
       </p:sp>
       <p:sp>
         <p:nvSpPr>
-          <p:cNvPr id="3" name="Text Placeholder 2"/>
+          <p:cNvPr id="1573040177" name="Text Placeholder 2"/>
           <p:cNvSpPr>
             <a:spLocks noGrp="1"/>
           </p:cNvSpPr>
@@ -937,7 +2186,7 @@
             <p:ph type="body" idx="1"/>
           </p:nvPr>
         </p:nvSpPr>
-        <p:spPr>
+        <p:spPr bwMode="auto">
           <a:xfrm>
             <a:off x="722313" y="2906713"/>
             <a:ext cx="7772400" cy="1500187"/>
@@ -1038,17 +2287,20 @@
             </a:lvl9pPr>
           </a:lstStyle>
           <a:p>
-            <a:pPr lvl="0"/>
-            <a:r>
-              <a:rPr lang="en-US" smtClean="0"/>
+            <a:pPr lvl="0">
+              <a:defRPr/>
+            </a:pPr>
+            <a:r>
+              <a:rPr lang="en-US"/>
               <a:t>Click to edit Master text styles</a:t>
             </a:r>
-          </a:p>
-        </p:txBody>
-      </p:sp>
-      <p:sp>
-        <p:nvSpPr>
-          <p:cNvPr id="4" name="Date Placeholder 3"/>
+            <a:endParaRPr/>
+          </a:p>
+        </p:txBody>
+      </p:sp>
+      <p:sp>
+        <p:nvSpPr>
+          <p:cNvPr id="963066155" name="Date Placeholder 3"/>
           <p:cNvSpPr>
             <a:spLocks noGrp="1"/>
           </p:cNvSpPr>
@@ -1056,13 +2308,16 @@
             <p:ph type="dt" sz="half" idx="10"/>
           </p:nvPr>
         </p:nvSpPr>
-        <p:spPr/>
+        <p:spPr bwMode="auto"/>
         <p:txBody>
           <a:bodyPr/>
           <a:lstStyle/>
           <a:p>
+            <a:pPr>
+              <a:defRPr/>
+            </a:pPr>
             <a:fld id="{5BCAD085-E8A6-8845-BD4E-CB4CCA059FC4}" type="datetimeFigureOut">
-              <a:rPr lang="en-US" smtClean="0"/>
+              <a:rPr lang="en-US"/>
               <a:t>1/27/13</a:t>
             </a:fld>
             <a:endParaRPr lang="en-US"/>
@@ -1071,7 +2326,7 @@
       </p:sp>
       <p:sp>
         <p:nvSpPr>
-          <p:cNvPr id="5" name="Footer Placeholder 4"/>
+          <p:cNvPr id="387977548" name="Footer Placeholder 4"/>
           <p:cNvSpPr>
             <a:spLocks noGrp="1"/>
           </p:cNvSpPr>
@@ -1079,18 +2334,21 @@
             <p:ph type="ftr" sz="quarter" idx="11"/>
           </p:nvPr>
         </p:nvSpPr>
-        <p:spPr/>
+        <p:spPr bwMode="auto"/>
         <p:txBody>
           <a:bodyPr/>
           <a:lstStyle/>
           <a:p>
+            <a:pPr>
+              <a:defRPr/>
+            </a:pPr>
             <a:endParaRPr lang="en-US"/>
           </a:p>
         </p:txBody>
       </p:sp>
       <p:sp>
         <p:nvSpPr>
-          <p:cNvPr id="6" name="Slide Number Placeholder 5"/>
+          <p:cNvPr id="334885952" name="Slide Number Placeholder 5"/>
           <p:cNvSpPr>
             <a:spLocks noGrp="1"/>
           </p:cNvSpPr>
@@ -1098,13 +2356,16 @@
             <p:ph type="sldNum" sz="quarter" idx="12"/>
           </p:nvPr>
         </p:nvSpPr>
-        <p:spPr/>
+        <p:spPr bwMode="auto"/>
         <p:txBody>
           <a:bodyPr/>
           <a:lstStyle/>
           <a:p>
+            <a:pPr>
+              <a:defRPr/>
+            </a:pPr>
             <a:fld id="{C1FF6DA9-008F-8B48-92A6-B652298478BF}" type="slidenum">
-              <a:rPr lang="en-US" smtClean="0"/>
+              <a:rPr lang="en-US"/>
               <a:t>‹#›</a:t>
             </a:fld>
             <a:endParaRPr lang="en-US"/>
@@ -1112,11 +2373,6 @@
         </p:txBody>
       </p:sp>
     </p:spTree>
-    <p:extLst>
-      <p:ext uri="{BB962C8B-B14F-4D97-AF65-F5344CB8AC3E}">
-        <p14:creationId xmlns:p14="http://schemas.microsoft.com/office/powerpoint/2010/main" val="960648375"/>
-      </p:ext>
-    </p:extLst>
   </p:cSld>
   <p:clrMapOvr>
     <a:masterClrMapping/>
@@ -1125,7 +2381,7 @@
 </file>
 
 <file path=ppt/slideLayouts/slideLayout4.xml><?xml version="1.0" encoding="utf-8"?>
-<p:sldLayout xmlns:a="http://schemas.openxmlformats.org/drawingml/2006/main" xmlns:r="http://schemas.openxmlformats.org/officeDocument/2006/relationships" xmlns:p="http://schemas.openxmlformats.org/presentationml/2006/main" type="twoObj" preserve="1">
+<p:sldLayout xmlns:a="http://schemas.openxmlformats.org/drawingml/2006/main" xmlns:r="http://schemas.openxmlformats.org/officeDocument/2006/relationships" xmlns:p="http://schemas.openxmlformats.org/presentationml/2006/main" xmlns:m="http://schemas.openxmlformats.org/officeDocument/2006/math" xmlns:w="http://schemas.openxmlformats.org/wordprocessingml/2006/main" matchingName="" preserve="1" showMasterPhAnim="0" showMasterSp="1" type="twoObj" userDrawn="1">
   <p:cSld name="Two Content">
     <p:spTree>
       <p:nvGrpSpPr>
@@ -1133,7 +2389,7 @@
         <p:cNvGrpSpPr/>
         <p:nvPr/>
       </p:nvGrpSpPr>
-      <p:grpSpPr>
+      <p:grpSpPr bwMode="auto">
         <a:xfrm>
           <a:off x="0" y="0"/>
           <a:ext cx="0" cy="0"/>
@@ -1143,7 +2399,7 @@
       </p:grpSpPr>
       <p:sp>
         <p:nvSpPr>
-          <p:cNvPr id="2" name="Title 1"/>
+          <p:cNvPr id="1884913777" name="Title 1"/>
           <p:cNvSpPr>
             <a:spLocks noGrp="1"/>
           </p:cNvSpPr>
@@ -1151,13 +2407,16 @@
             <p:ph type="title"/>
           </p:nvPr>
         </p:nvSpPr>
-        <p:spPr/>
+        <p:spPr bwMode="auto"/>
         <p:txBody>
           <a:bodyPr/>
           <a:lstStyle/>
           <a:p>
-            <a:r>
-              <a:rPr lang="en-US" smtClean="0"/>
+            <a:pPr>
+              <a:defRPr/>
+            </a:pPr>
+            <a:r>
+              <a:rPr lang="en-US"/>
               <a:t>Click to edit Master title style</a:t>
             </a:r>
             <a:endParaRPr lang="en-US"/>
@@ -1166,7 +2425,7 @@
       </p:sp>
       <p:sp>
         <p:nvSpPr>
-          <p:cNvPr id="3" name="Content Placeholder 2"/>
+          <p:cNvPr id="1596129704" name="Content Placeholder 2"/>
           <p:cNvSpPr>
             <a:spLocks noGrp="1"/>
           </p:cNvSpPr>
@@ -1174,7 +2433,7 @@
             <p:ph sz="half" idx="1"/>
           </p:nvPr>
         </p:nvSpPr>
-        <p:spPr>
+        <p:spPr bwMode="auto">
           <a:xfrm>
             <a:off x="457200" y="1600200"/>
             <a:ext cx="4038600" cy="4525963"/>
@@ -1212,37 +2471,51 @@
             </a:lvl9pPr>
           </a:lstStyle>
           <a:p>
-            <a:pPr lvl="0"/>
-            <a:r>
-              <a:rPr lang="en-US" smtClean="0"/>
+            <a:pPr lvl="0">
+              <a:defRPr/>
+            </a:pPr>
+            <a:r>
+              <a:rPr lang="en-US"/>
               <a:t>Click to edit Master text styles</a:t>
             </a:r>
-          </a:p>
-          <a:p>
-            <a:pPr lvl="1"/>
-            <a:r>
-              <a:rPr lang="en-US" smtClean="0"/>
+            <a:endParaRPr/>
+          </a:p>
+          <a:p>
+            <a:pPr lvl="1">
+              <a:defRPr/>
+            </a:pPr>
+            <a:r>
+              <a:rPr lang="en-US"/>
               <a:t>Second level</a:t>
             </a:r>
-          </a:p>
-          <a:p>
-            <a:pPr lvl="2"/>
-            <a:r>
-              <a:rPr lang="en-US" smtClean="0"/>
+            <a:endParaRPr/>
+          </a:p>
+          <a:p>
+            <a:pPr lvl="2">
+              <a:defRPr/>
+            </a:pPr>
+            <a:r>
+              <a:rPr lang="en-US"/>
               <a:t>Third level</a:t>
             </a:r>
-          </a:p>
-          <a:p>
-            <a:pPr lvl="3"/>
-            <a:r>
-              <a:rPr lang="en-US" smtClean="0"/>
+            <a:endParaRPr/>
+          </a:p>
+          <a:p>
+            <a:pPr lvl="3">
+              <a:defRPr/>
+            </a:pPr>
+            <a:r>
+              <a:rPr lang="en-US"/>
               <a:t>Fourth level</a:t>
             </a:r>
-          </a:p>
-          <a:p>
-            <a:pPr lvl="4"/>
-            <a:r>
-              <a:rPr lang="en-US" smtClean="0"/>
+            <a:endParaRPr/>
+          </a:p>
+          <a:p>
+            <a:pPr lvl="4">
+              <a:defRPr/>
+            </a:pPr>
+            <a:r>
+              <a:rPr lang="en-US"/>
               <a:t>Fifth level</a:t>
             </a:r>
             <a:endParaRPr lang="en-US"/>
@@ -1251,7 +2524,7 @@
       </p:sp>
       <p:sp>
         <p:nvSpPr>
-          <p:cNvPr id="4" name="Content Placeholder 3"/>
+          <p:cNvPr id="1508750835" name="Content Placeholder 3"/>
           <p:cNvSpPr>
             <a:spLocks noGrp="1"/>
           </p:cNvSpPr>
@@ -1259,7 +2532,7 @@
             <p:ph sz="half" idx="2"/>
           </p:nvPr>
         </p:nvSpPr>
-        <p:spPr>
+        <p:spPr bwMode="auto">
           <a:xfrm>
             <a:off x="4648200" y="1600200"/>
             <a:ext cx="4038600" cy="4525963"/>
@@ -1297,37 +2570,51 @@
             </a:lvl9pPr>
           </a:lstStyle>
           <a:p>
-            <a:pPr lvl="0"/>
-            <a:r>
-              <a:rPr lang="en-US" smtClean="0"/>
+            <a:pPr lvl="0">
+              <a:defRPr/>
+            </a:pPr>
+            <a:r>
+              <a:rPr lang="en-US"/>
               <a:t>Click to edit Master text styles</a:t>
             </a:r>
-          </a:p>
-          <a:p>
-            <a:pPr lvl="1"/>
-            <a:r>
-              <a:rPr lang="en-US" smtClean="0"/>
+            <a:endParaRPr/>
+          </a:p>
+          <a:p>
+            <a:pPr lvl="1">
+              <a:defRPr/>
+            </a:pPr>
+            <a:r>
+              <a:rPr lang="en-US"/>
               <a:t>Second level</a:t>
             </a:r>
-          </a:p>
-          <a:p>
-            <a:pPr lvl="2"/>
-            <a:r>
-              <a:rPr lang="en-US" smtClean="0"/>
+            <a:endParaRPr/>
+          </a:p>
+          <a:p>
+            <a:pPr lvl="2">
+              <a:defRPr/>
+            </a:pPr>
+            <a:r>
+              <a:rPr lang="en-US"/>
               <a:t>Third level</a:t>
             </a:r>
-          </a:p>
-          <a:p>
-            <a:pPr lvl="3"/>
-            <a:r>
-              <a:rPr lang="en-US" smtClean="0"/>
+            <a:endParaRPr/>
+          </a:p>
+          <a:p>
+            <a:pPr lvl="3">
+              <a:defRPr/>
+            </a:pPr>
+            <a:r>
+              <a:rPr lang="en-US"/>
               <a:t>Fourth level</a:t>
             </a:r>
-          </a:p>
-          <a:p>
-            <a:pPr lvl="4"/>
-            <a:r>
-              <a:rPr lang="en-US" smtClean="0"/>
+            <a:endParaRPr/>
+          </a:p>
+          <a:p>
+            <a:pPr lvl="4">
+              <a:defRPr/>
+            </a:pPr>
+            <a:r>
+              <a:rPr lang="en-US"/>
               <a:t>Fifth level</a:t>
             </a:r>
             <a:endParaRPr lang="en-US"/>
@@ -1336,7 +2623,7 @@
       </p:sp>
       <p:sp>
         <p:nvSpPr>
-          <p:cNvPr id="5" name="Date Placeholder 4"/>
+          <p:cNvPr id="1251126693" name="Date Placeholder 4"/>
           <p:cNvSpPr>
             <a:spLocks noGrp="1"/>
           </p:cNvSpPr>
@@ -1344,13 +2631,16 @@
             <p:ph type="dt" sz="half" idx="10"/>
           </p:nvPr>
         </p:nvSpPr>
-        <p:spPr/>
+        <p:spPr bwMode="auto"/>
         <p:txBody>
           <a:bodyPr/>
           <a:lstStyle/>
           <a:p>
+            <a:pPr>
+              <a:defRPr/>
+            </a:pPr>
             <a:fld id="{5BCAD085-E8A6-8845-BD4E-CB4CCA059FC4}" type="datetimeFigureOut">
-              <a:rPr lang="en-US" smtClean="0"/>
+              <a:rPr lang="en-US"/>
               <a:t>1/27/13</a:t>
             </a:fld>
             <a:endParaRPr lang="en-US"/>
@@ -1359,7 +2649,7 @@
       </p:sp>
       <p:sp>
         <p:nvSpPr>
-          <p:cNvPr id="6" name="Footer Placeholder 5"/>
+          <p:cNvPr id="2126447587" name="Footer Placeholder 5"/>
           <p:cNvSpPr>
             <a:spLocks noGrp="1"/>
           </p:cNvSpPr>
@@ -1367,18 +2657,21 @@
             <p:ph type="ftr" sz="quarter" idx="11"/>
           </p:nvPr>
         </p:nvSpPr>
-        <p:spPr/>
+        <p:spPr bwMode="auto"/>
         <p:txBody>
           <a:bodyPr/>
           <a:lstStyle/>
           <a:p>
+            <a:pPr>
+              <a:defRPr/>
+            </a:pPr>
             <a:endParaRPr lang="en-US"/>
           </a:p>
         </p:txBody>
       </p:sp>
       <p:sp>
         <p:nvSpPr>
-          <p:cNvPr id="7" name="Slide Number Placeholder 6"/>
+          <p:cNvPr id="1358564301" name="Slide Number Placeholder 6"/>
           <p:cNvSpPr>
             <a:spLocks noGrp="1"/>
           </p:cNvSpPr>
@@ -1386,13 +2679,16 @@
             <p:ph type="sldNum" sz="quarter" idx="12"/>
           </p:nvPr>
         </p:nvSpPr>
-        <p:spPr/>
+        <p:spPr bwMode="auto"/>
         <p:txBody>
           <a:bodyPr/>
           <a:lstStyle/>
           <a:p>
+            <a:pPr>
+              <a:defRPr/>
+            </a:pPr>
             <a:fld id="{C1FF6DA9-008F-8B48-92A6-B652298478BF}" type="slidenum">
-              <a:rPr lang="en-US" smtClean="0"/>
+              <a:rPr lang="en-US"/>
               <a:t>‹#›</a:t>
             </a:fld>
             <a:endParaRPr lang="en-US"/>
@@ -1400,11 +2696,6 @@
         </p:txBody>
       </p:sp>
     </p:spTree>
-    <p:extLst>
-      <p:ext uri="{BB962C8B-B14F-4D97-AF65-F5344CB8AC3E}">
-        <p14:creationId xmlns:p14="http://schemas.microsoft.com/office/powerpoint/2010/main" val="2782244947"/>
-      </p:ext>
-    </p:extLst>
   </p:cSld>
   <p:clrMapOvr>
     <a:masterClrMapping/>
@@ -1413,7 +2704,7 @@
 </file>
 
 <file path=ppt/slideLayouts/slideLayout5.xml><?xml version="1.0" encoding="utf-8"?>
-<p:sldLayout xmlns:a="http://schemas.openxmlformats.org/drawingml/2006/main" xmlns:r="http://schemas.openxmlformats.org/officeDocument/2006/relationships" xmlns:p="http://schemas.openxmlformats.org/presentationml/2006/main" type="twoTxTwoObj" preserve="1">
+<p:sldLayout xmlns:a="http://schemas.openxmlformats.org/drawingml/2006/main" xmlns:r="http://schemas.openxmlformats.org/officeDocument/2006/relationships" xmlns:p="http://schemas.openxmlformats.org/presentationml/2006/main" xmlns:m="http://schemas.openxmlformats.org/officeDocument/2006/math" xmlns:w="http://schemas.openxmlformats.org/wordprocessingml/2006/main" matchingName="" preserve="1" showMasterPhAnim="0" showMasterSp="1" type="twoTxTwoObj" userDrawn="1">
   <p:cSld name="Comparison">
     <p:spTree>
       <p:nvGrpSpPr>
@@ -1421,7 +2712,7 @@
         <p:cNvGrpSpPr/>
         <p:nvPr/>
       </p:nvGrpSpPr>
-      <p:grpSpPr>
+      <p:grpSpPr bwMode="auto">
         <a:xfrm>
           <a:off x="0" y="0"/>
           <a:ext cx="0" cy="0"/>
@@ -1431,7 +2722,7 @@
       </p:grpSpPr>
       <p:sp>
         <p:nvSpPr>
-          <p:cNvPr id="2" name="Title 1"/>
+          <p:cNvPr id="405373873" name="Title 1"/>
           <p:cNvSpPr>
             <a:spLocks noGrp="1"/>
           </p:cNvSpPr>
@@ -1439,7 +2730,7 @@
             <p:ph type="title"/>
           </p:nvPr>
         </p:nvSpPr>
-        <p:spPr/>
+        <p:spPr bwMode="auto"/>
         <p:txBody>
           <a:bodyPr/>
           <a:lstStyle>
@@ -1448,8 +2739,11 @@
             </a:lvl1pPr>
           </a:lstStyle>
           <a:p>
-            <a:r>
-              <a:rPr lang="en-US" smtClean="0"/>
+            <a:pPr>
+              <a:defRPr/>
+            </a:pPr>
+            <a:r>
+              <a:rPr lang="en-US"/>
               <a:t>Click to edit Master title style</a:t>
             </a:r>
             <a:endParaRPr lang="en-US"/>
@@ -1458,7 +2752,7 @@
       </p:sp>
       <p:sp>
         <p:nvSpPr>
-          <p:cNvPr id="3" name="Text Placeholder 2"/>
+          <p:cNvPr id="1315380129" name="Text Placeholder 2"/>
           <p:cNvSpPr>
             <a:spLocks noGrp="1"/>
           </p:cNvSpPr>
@@ -1466,7 +2760,7 @@
             <p:ph type="body" idx="1"/>
           </p:nvPr>
         </p:nvSpPr>
-        <p:spPr>
+        <p:spPr bwMode="auto">
           <a:xfrm>
             <a:off x="457200" y="1535113"/>
             <a:ext cx="4040188" cy="639762"/>
@@ -1513,17 +2807,20 @@
             </a:lvl9pPr>
           </a:lstStyle>
           <a:p>
-            <a:pPr lvl="0"/>
-            <a:r>
-              <a:rPr lang="en-US" smtClean="0"/>
+            <a:pPr lvl="0">
+              <a:defRPr/>
+            </a:pPr>
+            <a:r>
+              <a:rPr lang="en-US"/>
               <a:t>Click to edit Master text styles</a:t>
             </a:r>
-          </a:p>
-        </p:txBody>
-      </p:sp>
-      <p:sp>
-        <p:nvSpPr>
-          <p:cNvPr id="4" name="Content Placeholder 3"/>
+            <a:endParaRPr/>
+          </a:p>
+        </p:txBody>
+      </p:sp>
+      <p:sp>
+        <p:nvSpPr>
+          <p:cNvPr id="1278507803" name="Content Placeholder 3"/>
           <p:cNvSpPr>
             <a:spLocks noGrp="1"/>
           </p:cNvSpPr>
@@ -1531,7 +2828,7 @@
             <p:ph sz="half" idx="2"/>
           </p:nvPr>
         </p:nvSpPr>
-        <p:spPr>
+        <p:spPr bwMode="auto">
           <a:xfrm>
             <a:off x="457200" y="2174875"/>
             <a:ext cx="4040188" cy="3951288"/>
@@ -1569,37 +2866,51 @@
             </a:lvl9pPr>
           </a:lstStyle>
           <a:p>
-            <a:pPr lvl="0"/>
-            <a:r>
-              <a:rPr lang="en-US" smtClean="0"/>
+            <a:pPr lvl="0">
+              <a:defRPr/>
+            </a:pPr>
+            <a:r>
+              <a:rPr lang="en-US"/>
               <a:t>Click to edit Master text styles</a:t>
             </a:r>
-          </a:p>
-          <a:p>
-            <a:pPr lvl="1"/>
-            <a:r>
-              <a:rPr lang="en-US" smtClean="0"/>
+            <a:endParaRPr/>
+          </a:p>
+          <a:p>
+            <a:pPr lvl="1">
+              <a:defRPr/>
+            </a:pPr>
+            <a:r>
+              <a:rPr lang="en-US"/>
               <a:t>Second level</a:t>
             </a:r>
-          </a:p>
-          <a:p>
-            <a:pPr lvl="2"/>
-            <a:r>
-              <a:rPr lang="en-US" smtClean="0"/>
+            <a:endParaRPr/>
+          </a:p>
+          <a:p>
+            <a:pPr lvl="2">
+              <a:defRPr/>
+            </a:pPr>
+            <a:r>
+              <a:rPr lang="en-US"/>
               <a:t>Third level</a:t>
             </a:r>
-          </a:p>
-          <a:p>
-            <a:pPr lvl="3"/>
-            <a:r>
-              <a:rPr lang="en-US" smtClean="0"/>
+            <a:endParaRPr/>
+          </a:p>
+          <a:p>
+            <a:pPr lvl="3">
+              <a:defRPr/>
+            </a:pPr>
+            <a:r>
+              <a:rPr lang="en-US"/>
               <a:t>Fourth level</a:t>
             </a:r>
-          </a:p>
-          <a:p>
-            <a:pPr lvl="4"/>
-            <a:r>
-              <a:rPr lang="en-US" smtClean="0"/>
+            <a:endParaRPr/>
+          </a:p>
+          <a:p>
+            <a:pPr lvl="4">
+              <a:defRPr/>
+            </a:pPr>
+            <a:r>
+              <a:rPr lang="en-US"/>
               <a:t>Fifth level</a:t>
             </a:r>
             <a:endParaRPr lang="en-US"/>
@@ -1608,7 +2919,7 @@
       </p:sp>
       <p:sp>
         <p:nvSpPr>
-          <p:cNvPr id="5" name="Text Placeholder 4"/>
+          <p:cNvPr id="1522640996" name="Text Placeholder 4"/>
           <p:cNvSpPr>
             <a:spLocks noGrp="1"/>
           </p:cNvSpPr>
@@ -1616,7 +2927,7 @@
             <p:ph type="body" sz="quarter" idx="3"/>
           </p:nvPr>
         </p:nvSpPr>
-        <p:spPr>
+        <p:spPr bwMode="auto">
           <a:xfrm>
             <a:off x="4645025" y="1535113"/>
             <a:ext cx="4041775" cy="639762"/>
@@ -1663,17 +2974,20 @@
             </a:lvl9pPr>
           </a:lstStyle>
           <a:p>
-            <a:pPr lvl="0"/>
-            <a:r>
-              <a:rPr lang="en-US" smtClean="0"/>
+            <a:pPr lvl="0">
+              <a:defRPr/>
+            </a:pPr>
+            <a:r>
+              <a:rPr lang="en-US"/>
               <a:t>Click to edit Master text styles</a:t>
             </a:r>
-          </a:p>
-        </p:txBody>
-      </p:sp>
-      <p:sp>
-        <p:nvSpPr>
-          <p:cNvPr id="6" name="Content Placeholder 5"/>
+            <a:endParaRPr/>
+          </a:p>
+        </p:txBody>
+      </p:sp>
+      <p:sp>
+        <p:nvSpPr>
+          <p:cNvPr id="18424644" name="Content Placeholder 5"/>
           <p:cNvSpPr>
             <a:spLocks noGrp="1"/>
           </p:cNvSpPr>
@@ -1681,7 +2995,7 @@
             <p:ph sz="quarter" idx="4"/>
           </p:nvPr>
         </p:nvSpPr>
-        <p:spPr>
+        <p:spPr bwMode="auto">
           <a:xfrm>
             <a:off x="4645025" y="2174875"/>
             <a:ext cx="4041775" cy="3951288"/>
@@ -1719,37 +3033,51 @@
             </a:lvl9pPr>
           </a:lstStyle>
           <a:p>
-            <a:pPr lvl="0"/>
-            <a:r>
-              <a:rPr lang="en-US" smtClean="0"/>
+            <a:pPr lvl="0">
+              <a:defRPr/>
+            </a:pPr>
+            <a:r>
+              <a:rPr lang="en-US"/>
               <a:t>Click to edit Master text styles</a:t>
             </a:r>
-          </a:p>
-          <a:p>
-            <a:pPr lvl="1"/>
-            <a:r>
-              <a:rPr lang="en-US" smtClean="0"/>
+            <a:endParaRPr/>
+          </a:p>
+          <a:p>
+            <a:pPr lvl="1">
+              <a:defRPr/>
+            </a:pPr>
+            <a:r>
+              <a:rPr lang="en-US"/>
               <a:t>Second level</a:t>
             </a:r>
-          </a:p>
-          <a:p>
-            <a:pPr lvl="2"/>
-            <a:r>
-              <a:rPr lang="en-US" smtClean="0"/>
+            <a:endParaRPr/>
+          </a:p>
+          <a:p>
+            <a:pPr lvl="2">
+              <a:defRPr/>
+            </a:pPr>
+            <a:r>
+              <a:rPr lang="en-US"/>
               <a:t>Third level</a:t>
             </a:r>
-          </a:p>
-          <a:p>
-            <a:pPr lvl="3"/>
-            <a:r>
-              <a:rPr lang="en-US" smtClean="0"/>
+            <a:endParaRPr/>
+          </a:p>
+          <a:p>
+            <a:pPr lvl="3">
+              <a:defRPr/>
+            </a:pPr>
+            <a:r>
+              <a:rPr lang="en-US"/>
               <a:t>Fourth level</a:t>
             </a:r>
-          </a:p>
-          <a:p>
-            <a:pPr lvl="4"/>
-            <a:r>
-              <a:rPr lang="en-US" smtClean="0"/>
+            <a:endParaRPr/>
+          </a:p>
+          <a:p>
+            <a:pPr lvl="4">
+              <a:defRPr/>
+            </a:pPr>
+            <a:r>
+              <a:rPr lang="en-US"/>
               <a:t>Fifth level</a:t>
             </a:r>
             <a:endParaRPr lang="en-US"/>
@@ -1758,7 +3086,7 @@
       </p:sp>
       <p:sp>
         <p:nvSpPr>
-          <p:cNvPr id="7" name="Date Placeholder 6"/>
+          <p:cNvPr id="1487290987" name="Date Placeholder 6"/>
           <p:cNvSpPr>
             <a:spLocks noGrp="1"/>
           </p:cNvSpPr>
@@ -1766,13 +3094,16 @@
             <p:ph type="dt" sz="half" idx="10"/>
           </p:nvPr>
         </p:nvSpPr>
-        <p:spPr/>
+        <p:spPr bwMode="auto"/>
         <p:txBody>
           <a:bodyPr/>
           <a:lstStyle/>
           <a:p>
+            <a:pPr>
+              <a:defRPr/>
+            </a:pPr>
             <a:fld id="{5BCAD085-E8A6-8845-BD4E-CB4CCA059FC4}" type="datetimeFigureOut">
-              <a:rPr lang="en-US" smtClean="0"/>
+              <a:rPr lang="en-US"/>
               <a:t>1/27/13</a:t>
             </a:fld>
             <a:endParaRPr lang="en-US"/>
@@ -1781,7 +3112,7 @@
       </p:sp>
       <p:sp>
         <p:nvSpPr>
-          <p:cNvPr id="8" name="Footer Placeholder 7"/>
+          <p:cNvPr id="1805255161" name="Footer Placeholder 7"/>
           <p:cNvSpPr>
             <a:spLocks noGrp="1"/>
           </p:cNvSpPr>
@@ -1789,18 +3120,21 @@
             <p:ph type="ftr" sz="quarter" idx="11"/>
           </p:nvPr>
         </p:nvSpPr>
-        <p:spPr/>
+        <p:spPr bwMode="auto"/>
         <p:txBody>
           <a:bodyPr/>
           <a:lstStyle/>
           <a:p>
+            <a:pPr>
+              <a:defRPr/>
+            </a:pPr>
             <a:endParaRPr lang="en-US"/>
           </a:p>
         </p:txBody>
       </p:sp>
       <p:sp>
         <p:nvSpPr>
-          <p:cNvPr id="9" name="Slide Number Placeholder 8"/>
+          <p:cNvPr id="1844901575" name="Slide Number Placeholder 8"/>
           <p:cNvSpPr>
             <a:spLocks noGrp="1"/>
           </p:cNvSpPr>
@@ -1808,13 +3142,16 @@
             <p:ph type="sldNum" sz="quarter" idx="12"/>
           </p:nvPr>
         </p:nvSpPr>
-        <p:spPr/>
+        <p:spPr bwMode="auto"/>
         <p:txBody>
           <a:bodyPr/>
           <a:lstStyle/>
           <a:p>
+            <a:pPr>
+              <a:defRPr/>
+            </a:pPr>
             <a:fld id="{C1FF6DA9-008F-8B48-92A6-B652298478BF}" type="slidenum">
-              <a:rPr lang="en-US" smtClean="0"/>
+              <a:rPr lang="en-US"/>
               <a:t>‹#›</a:t>
             </a:fld>
             <a:endParaRPr lang="en-US"/>
@@ -1822,11 +3159,6 @@
         </p:txBody>
       </p:sp>
     </p:spTree>
-    <p:extLst>
-      <p:ext uri="{BB962C8B-B14F-4D97-AF65-F5344CB8AC3E}">
-        <p14:creationId xmlns:p14="http://schemas.microsoft.com/office/powerpoint/2010/main" val="990158736"/>
-      </p:ext>
-    </p:extLst>
   </p:cSld>
   <p:clrMapOvr>
     <a:masterClrMapping/>
@@ -1835,7 +3167,7 @@
 </file>
 
 <file path=ppt/slideLayouts/slideLayout6.xml><?xml version="1.0" encoding="utf-8"?>
-<p:sldLayout xmlns:a="http://schemas.openxmlformats.org/drawingml/2006/main" xmlns:r="http://schemas.openxmlformats.org/officeDocument/2006/relationships" xmlns:p="http://schemas.openxmlformats.org/presentationml/2006/main" type="titleOnly" preserve="1">
+<p:sldLayout xmlns:a="http://schemas.openxmlformats.org/drawingml/2006/main" xmlns:r="http://schemas.openxmlformats.org/officeDocument/2006/relationships" xmlns:p="http://schemas.openxmlformats.org/presentationml/2006/main" xmlns:m="http://schemas.openxmlformats.org/officeDocument/2006/math" xmlns:w="http://schemas.openxmlformats.org/wordprocessingml/2006/main" matchingName="" preserve="1" showMasterPhAnim="0" showMasterSp="1" type="titleOnly" userDrawn="1">
   <p:cSld name="Title Only">
     <p:spTree>
       <p:nvGrpSpPr>
@@ -1843,7 +3175,7 @@
         <p:cNvGrpSpPr/>
         <p:nvPr/>
       </p:nvGrpSpPr>
-      <p:grpSpPr>
+      <p:grpSpPr bwMode="auto">
         <a:xfrm>
           <a:off x="0" y="0"/>
           <a:ext cx="0" cy="0"/>
@@ -1853,7 +3185,7 @@
       </p:grpSpPr>
       <p:sp>
         <p:nvSpPr>
-          <p:cNvPr id="2" name="Title 1"/>
+          <p:cNvPr id="1994130992" name="Title 1"/>
           <p:cNvSpPr>
             <a:spLocks noGrp="1"/>
           </p:cNvSpPr>
@@ -1861,13 +3193,16 @@
             <p:ph type="title"/>
           </p:nvPr>
         </p:nvSpPr>
-        <p:spPr/>
+        <p:spPr bwMode="auto"/>
         <p:txBody>
           <a:bodyPr/>
           <a:lstStyle/>
           <a:p>
-            <a:r>
-              <a:rPr lang="en-US" smtClean="0"/>
+            <a:pPr>
+              <a:defRPr/>
+            </a:pPr>
+            <a:r>
+              <a:rPr lang="en-US"/>
               <a:t>Click to edit Master title style</a:t>
             </a:r>
             <a:endParaRPr lang="en-US"/>
@@ -1876,7 +3211,7 @@
       </p:sp>
       <p:sp>
         <p:nvSpPr>
-          <p:cNvPr id="3" name="Date Placeholder 2"/>
+          <p:cNvPr id="1899636" name="Date Placeholder 2"/>
           <p:cNvSpPr>
             <a:spLocks noGrp="1"/>
           </p:cNvSpPr>
@@ -1884,13 +3219,16 @@
             <p:ph type="dt" sz="half" idx="10"/>
           </p:nvPr>
         </p:nvSpPr>
-        <p:spPr/>
+        <p:spPr bwMode="auto"/>
         <p:txBody>
           <a:bodyPr/>
           <a:lstStyle/>
           <a:p>
+            <a:pPr>
+              <a:defRPr/>
+            </a:pPr>
             <a:fld id="{5BCAD085-E8A6-8845-BD4E-CB4CCA059FC4}" type="datetimeFigureOut">
-              <a:rPr lang="en-US" smtClean="0"/>
+              <a:rPr lang="en-US"/>
               <a:t>1/27/13</a:t>
             </a:fld>
             <a:endParaRPr lang="en-US"/>
@@ -1899,7 +3237,7 @@
       </p:sp>
       <p:sp>
         <p:nvSpPr>
-          <p:cNvPr id="4" name="Footer Placeholder 3"/>
+          <p:cNvPr id="1533536407" name="Footer Placeholder 3"/>
           <p:cNvSpPr>
             <a:spLocks noGrp="1"/>
           </p:cNvSpPr>
@@ -1907,18 +3245,21 @@
             <p:ph type="ftr" sz="quarter" idx="11"/>
           </p:nvPr>
         </p:nvSpPr>
-        <p:spPr/>
+        <p:spPr bwMode="auto"/>
         <p:txBody>
           <a:bodyPr/>
           <a:lstStyle/>
           <a:p>
+            <a:pPr>
+              <a:defRPr/>
+            </a:pPr>
             <a:endParaRPr lang="en-US"/>
           </a:p>
         </p:txBody>
       </p:sp>
       <p:sp>
         <p:nvSpPr>
-          <p:cNvPr id="5" name="Slide Number Placeholder 4"/>
+          <p:cNvPr id="2135036499" name="Slide Number Placeholder 4"/>
           <p:cNvSpPr>
             <a:spLocks noGrp="1"/>
           </p:cNvSpPr>
@@ -1926,13 +3267,16 @@
             <p:ph type="sldNum" sz="quarter" idx="12"/>
           </p:nvPr>
         </p:nvSpPr>
-        <p:spPr/>
+        <p:spPr bwMode="auto"/>
         <p:txBody>
           <a:bodyPr/>
           <a:lstStyle/>
           <a:p>
+            <a:pPr>
+              <a:defRPr/>
+            </a:pPr>
             <a:fld id="{C1FF6DA9-008F-8B48-92A6-B652298478BF}" type="slidenum">
-              <a:rPr lang="en-US" smtClean="0"/>
+              <a:rPr lang="en-US"/>
               <a:t>‹#›</a:t>
             </a:fld>
             <a:endParaRPr lang="en-US"/>
@@ -1940,11 +3284,6 @@
         </p:txBody>
       </p:sp>
     </p:spTree>
-    <p:extLst>
-      <p:ext uri="{BB962C8B-B14F-4D97-AF65-F5344CB8AC3E}">
-        <p14:creationId xmlns:p14="http://schemas.microsoft.com/office/powerpoint/2010/main" val="727027711"/>
-      </p:ext>
-    </p:extLst>
   </p:cSld>
   <p:clrMapOvr>
     <a:masterClrMapping/>
@@ -1953,7 +3292,7 @@
 </file>
 
 <file path=ppt/slideLayouts/slideLayout7.xml><?xml version="1.0" encoding="utf-8"?>
-<p:sldLayout xmlns:a="http://schemas.openxmlformats.org/drawingml/2006/main" xmlns:r="http://schemas.openxmlformats.org/officeDocument/2006/relationships" xmlns:p="http://schemas.openxmlformats.org/presentationml/2006/main" type="blank" preserve="1">
+<p:sldLayout xmlns:a="http://schemas.openxmlformats.org/drawingml/2006/main" xmlns:r="http://schemas.openxmlformats.org/officeDocument/2006/relationships" xmlns:p="http://schemas.openxmlformats.org/presentationml/2006/main" xmlns:m="http://schemas.openxmlformats.org/officeDocument/2006/math" xmlns:w="http://schemas.openxmlformats.org/wordprocessingml/2006/main" matchingName="" preserve="1" showMasterPhAnim="0" showMasterSp="1" type="blank" userDrawn="1">
   <p:cSld name="Blank">
     <p:spTree>
       <p:nvGrpSpPr>
@@ -1961,7 +3300,7 @@
         <p:cNvGrpSpPr/>
         <p:nvPr/>
       </p:nvGrpSpPr>
-      <p:grpSpPr>
+      <p:grpSpPr bwMode="auto">
         <a:xfrm>
           <a:off x="0" y="0"/>
           <a:ext cx="0" cy="0"/>
@@ -1971,7 +3310,7 @@
       </p:grpSpPr>
       <p:sp>
         <p:nvSpPr>
-          <p:cNvPr id="2" name="Date Placeholder 1"/>
+          <p:cNvPr id="398944175" name="Date Placeholder 1"/>
           <p:cNvSpPr>
             <a:spLocks noGrp="1"/>
           </p:cNvSpPr>
@@ -1979,13 +3318,16 @@
             <p:ph type="dt" sz="half" idx="10"/>
           </p:nvPr>
         </p:nvSpPr>
-        <p:spPr/>
+        <p:spPr bwMode="auto"/>
         <p:txBody>
           <a:bodyPr/>
           <a:lstStyle/>
           <a:p>
+            <a:pPr>
+              <a:defRPr/>
+            </a:pPr>
             <a:fld id="{5BCAD085-E8A6-8845-BD4E-CB4CCA059FC4}" type="datetimeFigureOut">
-              <a:rPr lang="en-US" smtClean="0"/>
+              <a:rPr lang="en-US"/>
               <a:t>1/27/13</a:t>
             </a:fld>
             <a:endParaRPr lang="en-US"/>
@@ -1994,7 +3336,7 @@
       </p:sp>
       <p:sp>
         <p:nvSpPr>
-          <p:cNvPr id="3" name="Footer Placeholder 2"/>
+          <p:cNvPr id="1870604209" name="Footer Placeholder 2"/>
           <p:cNvSpPr>
             <a:spLocks noGrp="1"/>
           </p:cNvSpPr>
@@ -2002,18 +3344,21 @@
             <p:ph type="ftr" sz="quarter" idx="11"/>
           </p:nvPr>
         </p:nvSpPr>
-        <p:spPr/>
+        <p:spPr bwMode="auto"/>
         <p:txBody>
           <a:bodyPr/>
           <a:lstStyle/>
           <a:p>
+            <a:pPr>
+              <a:defRPr/>
+            </a:pPr>
             <a:endParaRPr lang="en-US"/>
           </a:p>
         </p:txBody>
       </p:sp>
       <p:sp>
         <p:nvSpPr>
-          <p:cNvPr id="4" name="Slide Number Placeholder 3"/>
+          <p:cNvPr id="1279966625" name="Slide Number Placeholder 3"/>
           <p:cNvSpPr>
             <a:spLocks noGrp="1"/>
           </p:cNvSpPr>
@@ -2021,13 +3366,16 @@
             <p:ph type="sldNum" sz="quarter" idx="12"/>
           </p:nvPr>
         </p:nvSpPr>
-        <p:spPr/>
+        <p:spPr bwMode="auto"/>
         <p:txBody>
           <a:bodyPr/>
           <a:lstStyle/>
           <a:p>
+            <a:pPr>
+              <a:defRPr/>
+            </a:pPr>
             <a:fld id="{C1FF6DA9-008F-8B48-92A6-B652298478BF}" type="slidenum">
-              <a:rPr lang="en-US" smtClean="0"/>
+              <a:rPr lang="en-US"/>
               <a:t>‹#›</a:t>
             </a:fld>
             <a:endParaRPr lang="en-US"/>
@@ -2035,11 +3383,6 @@
         </p:txBody>
       </p:sp>
     </p:spTree>
-    <p:extLst>
-      <p:ext uri="{BB962C8B-B14F-4D97-AF65-F5344CB8AC3E}">
-        <p14:creationId xmlns:p14="http://schemas.microsoft.com/office/powerpoint/2010/main" val="1212999818"/>
-      </p:ext>
-    </p:extLst>
   </p:cSld>
   <p:clrMapOvr>
     <a:masterClrMapping/>
@@ -2048,7 +3391,7 @@
 </file>
 
 <file path=ppt/slideLayouts/slideLayout8.xml><?xml version="1.0" encoding="utf-8"?>
-<p:sldLayout xmlns:a="http://schemas.openxmlformats.org/drawingml/2006/main" xmlns:r="http://schemas.openxmlformats.org/officeDocument/2006/relationships" xmlns:p="http://schemas.openxmlformats.org/presentationml/2006/main" type="objTx" preserve="1">
+<p:sldLayout xmlns:a="http://schemas.openxmlformats.org/drawingml/2006/main" xmlns:r="http://schemas.openxmlformats.org/officeDocument/2006/relationships" xmlns:p="http://schemas.openxmlformats.org/presentationml/2006/main" xmlns:m="http://schemas.openxmlformats.org/officeDocument/2006/math" xmlns:w="http://schemas.openxmlformats.org/wordprocessingml/2006/main" matchingName="" preserve="1" showMasterPhAnim="0" showMasterSp="1" type="objTx" userDrawn="1">
   <p:cSld name="Content with Caption">
     <p:spTree>
       <p:nvGrpSpPr>
@@ -2056,7 +3399,7 @@
         <p:cNvGrpSpPr/>
         <p:nvPr/>
       </p:nvGrpSpPr>
-      <p:grpSpPr>
+      <p:grpSpPr bwMode="auto">
         <a:xfrm>
           <a:off x="0" y="0"/>
           <a:ext cx="0" cy="0"/>
@@ -2066,7 +3409,7 @@
       </p:grpSpPr>
       <p:sp>
         <p:nvSpPr>
-          <p:cNvPr id="2" name="Title 1"/>
+          <p:cNvPr id="2065322249" name="Title 1"/>
           <p:cNvSpPr>
             <a:spLocks noGrp="1"/>
           </p:cNvSpPr>
@@ -2074,7 +3417,7 @@
             <p:ph type="title"/>
           </p:nvPr>
         </p:nvSpPr>
-        <p:spPr>
+        <p:spPr bwMode="auto">
           <a:xfrm>
             <a:off x="457200" y="273050"/>
             <a:ext cx="3008313" cy="1162050"/>
@@ -2088,8 +3431,11 @@
             </a:lvl1pPr>
           </a:lstStyle>
           <a:p>
-            <a:r>
-              <a:rPr lang="en-US" smtClean="0"/>
+            <a:pPr>
+              <a:defRPr/>
+            </a:pPr>
+            <a:r>
+              <a:rPr lang="en-US"/>
               <a:t>Click to edit Master title style</a:t>
             </a:r>
             <a:endParaRPr lang="en-US"/>
@@ -2098,7 +3444,7 @@
       </p:sp>
       <p:sp>
         <p:nvSpPr>
-          <p:cNvPr id="3" name="Content Placeholder 2"/>
+          <p:cNvPr id="1019855537" name="Content Placeholder 2"/>
           <p:cNvSpPr>
             <a:spLocks noGrp="1"/>
           </p:cNvSpPr>
@@ -2106,7 +3452,7 @@
             <p:ph idx="1"/>
           </p:nvPr>
         </p:nvSpPr>
-        <p:spPr>
+        <p:spPr bwMode="auto">
           <a:xfrm>
             <a:off x="3575050" y="273050"/>
             <a:ext cx="5111750" cy="5853113"/>
@@ -2144,37 +3490,51 @@
             </a:lvl9pPr>
           </a:lstStyle>
           <a:p>
-            <a:pPr lvl="0"/>
-            <a:r>
-              <a:rPr lang="en-US" smtClean="0"/>
+            <a:pPr lvl="0">
+              <a:defRPr/>
+            </a:pPr>
+            <a:r>
+              <a:rPr lang="en-US"/>
               <a:t>Click to edit Master text styles</a:t>
             </a:r>
-          </a:p>
-          <a:p>
-            <a:pPr lvl="1"/>
-            <a:r>
-              <a:rPr lang="en-US" smtClean="0"/>
+            <a:endParaRPr/>
+          </a:p>
+          <a:p>
+            <a:pPr lvl="1">
+              <a:defRPr/>
+            </a:pPr>
+            <a:r>
+              <a:rPr lang="en-US"/>
               <a:t>Second level</a:t>
             </a:r>
-          </a:p>
-          <a:p>
-            <a:pPr lvl="2"/>
-            <a:r>
-              <a:rPr lang="en-US" smtClean="0"/>
+            <a:endParaRPr/>
+          </a:p>
+          <a:p>
+            <a:pPr lvl="2">
+              <a:defRPr/>
+            </a:pPr>
+            <a:r>
+              <a:rPr lang="en-US"/>
               <a:t>Third level</a:t>
             </a:r>
-          </a:p>
-          <a:p>
-            <a:pPr lvl="3"/>
-            <a:r>
-              <a:rPr lang="en-US" smtClean="0"/>
+            <a:endParaRPr/>
+          </a:p>
+          <a:p>
+            <a:pPr lvl="3">
+              <a:defRPr/>
+            </a:pPr>
+            <a:r>
+              <a:rPr lang="en-US"/>
               <a:t>Fourth level</a:t>
             </a:r>
-          </a:p>
-          <a:p>
-            <a:pPr lvl="4"/>
-            <a:r>
-              <a:rPr lang="en-US" smtClean="0"/>
+            <a:endParaRPr/>
+          </a:p>
+          <a:p>
+            <a:pPr lvl="4">
+              <a:defRPr/>
+            </a:pPr>
+            <a:r>
+              <a:rPr lang="en-US"/>
               <a:t>Fifth level</a:t>
             </a:r>
             <a:endParaRPr lang="en-US"/>
@@ -2183,7 +3543,7 @@
       </p:sp>
       <p:sp>
         <p:nvSpPr>
-          <p:cNvPr id="4" name="Text Placeholder 3"/>
+          <p:cNvPr id="860099187" name="Text Placeholder 3"/>
           <p:cNvSpPr>
             <a:spLocks noGrp="1"/>
           </p:cNvSpPr>
@@ -2191,7 +3551,7 @@
             <p:ph type="body" sz="half" idx="2"/>
           </p:nvPr>
         </p:nvSpPr>
-        <p:spPr>
+        <p:spPr bwMode="auto">
           <a:xfrm>
             <a:off x="457200" y="1435100"/>
             <a:ext cx="3008313" cy="4691063"/>
@@ -2238,17 +3598,20 @@
             </a:lvl9pPr>
           </a:lstStyle>
           <a:p>
-            <a:pPr lvl="0"/>
-            <a:r>
-              <a:rPr lang="en-US" smtClean="0"/>
+            <a:pPr lvl="0">
+              <a:defRPr/>
+            </a:pPr>
+            <a:r>
+              <a:rPr lang="en-US"/>
               <a:t>Click to edit Master text styles</a:t>
             </a:r>
-          </a:p>
-        </p:txBody>
-      </p:sp>
-      <p:sp>
-        <p:nvSpPr>
-          <p:cNvPr id="5" name="Date Placeholder 4"/>
+            <a:endParaRPr/>
+          </a:p>
+        </p:txBody>
+      </p:sp>
+      <p:sp>
+        <p:nvSpPr>
+          <p:cNvPr id="1061759411" name="Date Placeholder 4"/>
           <p:cNvSpPr>
             <a:spLocks noGrp="1"/>
           </p:cNvSpPr>
@@ -2256,13 +3619,16 @@
             <p:ph type="dt" sz="half" idx="10"/>
           </p:nvPr>
         </p:nvSpPr>
-        <p:spPr/>
+        <p:spPr bwMode="auto"/>
         <p:txBody>
           <a:bodyPr/>
           <a:lstStyle/>
           <a:p>
+            <a:pPr>
+              <a:defRPr/>
+            </a:pPr>
             <a:fld id="{5BCAD085-E8A6-8845-BD4E-CB4CCA059FC4}" type="datetimeFigureOut">
-              <a:rPr lang="en-US" smtClean="0"/>
+              <a:rPr lang="en-US"/>
               <a:t>1/27/13</a:t>
             </a:fld>
             <a:endParaRPr lang="en-US"/>
@@ -2271,7 +3637,7 @@
       </p:sp>
       <p:sp>
         <p:nvSpPr>
-          <p:cNvPr id="6" name="Footer Placeholder 5"/>
+          <p:cNvPr id="1271661572" name="Footer Placeholder 5"/>
           <p:cNvSpPr>
             <a:spLocks noGrp="1"/>
           </p:cNvSpPr>
@@ -2279,18 +3645,21 @@
             <p:ph type="ftr" sz="quarter" idx="11"/>
           </p:nvPr>
         </p:nvSpPr>
-        <p:spPr/>
+        <p:spPr bwMode="auto"/>
         <p:txBody>
           <a:bodyPr/>
           <a:lstStyle/>
           <a:p>
+            <a:pPr>
+              <a:defRPr/>
+            </a:pPr>
             <a:endParaRPr lang="en-US"/>
           </a:p>
         </p:txBody>
       </p:sp>
       <p:sp>
         <p:nvSpPr>
-          <p:cNvPr id="7" name="Slide Number Placeholder 6"/>
+          <p:cNvPr id="1669586637" name="Slide Number Placeholder 6"/>
           <p:cNvSpPr>
             <a:spLocks noGrp="1"/>
           </p:cNvSpPr>
@@ -2298,13 +3667,16 @@
             <p:ph type="sldNum" sz="quarter" idx="12"/>
           </p:nvPr>
         </p:nvSpPr>
-        <p:spPr/>
+        <p:spPr bwMode="auto"/>
         <p:txBody>
           <a:bodyPr/>
           <a:lstStyle/>
           <a:p>
+            <a:pPr>
+              <a:defRPr/>
+            </a:pPr>
             <a:fld id="{C1FF6DA9-008F-8B48-92A6-B652298478BF}" type="slidenum">
-              <a:rPr lang="en-US" smtClean="0"/>
+              <a:rPr lang="en-US"/>
               <a:t>‹#›</a:t>
             </a:fld>
             <a:endParaRPr lang="en-US"/>
@@ -2312,11 +3684,6 @@
         </p:txBody>
       </p:sp>
     </p:spTree>
-    <p:extLst>
-      <p:ext uri="{BB962C8B-B14F-4D97-AF65-F5344CB8AC3E}">
-        <p14:creationId xmlns:p14="http://schemas.microsoft.com/office/powerpoint/2010/main" val="1840726560"/>
-      </p:ext>
-    </p:extLst>
   </p:cSld>
   <p:clrMapOvr>
     <a:masterClrMapping/>
@@ -2325,7 +3692,7 @@
 </file>
 
 <file path=ppt/slideLayouts/slideLayout9.xml><?xml version="1.0" encoding="utf-8"?>
-<p:sldLayout xmlns:a="http://schemas.openxmlformats.org/drawingml/2006/main" xmlns:r="http://schemas.openxmlformats.org/officeDocument/2006/relationships" xmlns:p="http://schemas.openxmlformats.org/presentationml/2006/main" type="picTx" preserve="1">
+<p:sldLayout xmlns:a="http://schemas.openxmlformats.org/drawingml/2006/main" xmlns:r="http://schemas.openxmlformats.org/officeDocument/2006/relationships" xmlns:p="http://schemas.openxmlformats.org/presentationml/2006/main" xmlns:m="http://schemas.openxmlformats.org/officeDocument/2006/math" xmlns:w="http://schemas.openxmlformats.org/wordprocessingml/2006/main" matchingName="" preserve="1" showMasterPhAnim="0" showMasterSp="1" type="picTx" userDrawn="1">
   <p:cSld name="Picture with Caption">
     <p:spTree>
       <p:nvGrpSpPr>
@@ -2333,7 +3700,7 @@
         <p:cNvGrpSpPr/>
         <p:nvPr/>
       </p:nvGrpSpPr>
-      <p:grpSpPr>
+      <p:grpSpPr bwMode="auto">
         <a:xfrm>
           <a:off x="0" y="0"/>
           <a:ext cx="0" cy="0"/>
@@ -2343,7 +3710,7 @@
       </p:grpSpPr>
       <p:sp>
         <p:nvSpPr>
-          <p:cNvPr id="2" name="Title 1"/>
+          <p:cNvPr id="106214102" name="Title 1"/>
           <p:cNvSpPr>
             <a:spLocks noGrp="1"/>
           </p:cNvSpPr>
@@ -2351,7 +3718,7 @@
             <p:ph type="title"/>
           </p:nvPr>
         </p:nvSpPr>
-        <p:spPr>
+        <p:spPr bwMode="auto">
           <a:xfrm>
             <a:off x="1792288" y="4800600"/>
             <a:ext cx="5486400" cy="566738"/>
@@ -2365,8 +3732,11 @@
             </a:lvl1pPr>
           </a:lstStyle>
           <a:p>
-            <a:r>
-              <a:rPr lang="en-US" smtClean="0"/>
+            <a:pPr>
+              <a:defRPr/>
+            </a:pPr>
+            <a:r>
+              <a:rPr lang="en-US"/>
               <a:t>Click to edit Master title style</a:t>
             </a:r>
             <a:endParaRPr lang="en-US"/>
@@ -2375,7 +3745,7 @@
       </p:sp>
       <p:sp>
         <p:nvSpPr>
-          <p:cNvPr id="3" name="Picture Placeholder 2"/>
+          <p:cNvPr id="800156370" name="Picture Placeholder 2"/>
           <p:cNvSpPr>
             <a:spLocks noGrp="1"/>
           </p:cNvSpPr>
@@ -2383,7 +3753,7 @@
             <p:ph type="pic" idx="1"/>
           </p:nvPr>
         </p:nvSpPr>
-        <p:spPr>
+        <p:spPr bwMode="auto">
           <a:xfrm>
             <a:off x="1792288" y="612775"/>
             <a:ext cx="5486400" cy="4114800"/>
@@ -2430,13 +3800,16 @@
             </a:lvl9pPr>
           </a:lstStyle>
           <a:p>
+            <a:pPr>
+              <a:defRPr/>
+            </a:pPr>
             <a:endParaRPr lang="en-US"/>
           </a:p>
         </p:txBody>
       </p:sp>
       <p:sp>
         <p:nvSpPr>
-          <p:cNvPr id="4" name="Text Placeholder 3"/>
+          <p:cNvPr id="754426125" name="Text Placeholder 3"/>
           <p:cNvSpPr>
             <a:spLocks noGrp="1"/>
           </p:cNvSpPr>
@@ -2444,7 +3817,7 @@
             <p:ph type="body" sz="half" idx="2"/>
           </p:nvPr>
         </p:nvSpPr>
-        <p:spPr>
+        <p:spPr bwMode="auto">
           <a:xfrm>
             <a:off x="1792288" y="5367338"/>
             <a:ext cx="5486400" cy="804862"/>
@@ -2491,17 +3864,20 @@
             </a:lvl9pPr>
           </a:lstStyle>
           <a:p>
-            <a:pPr lvl="0"/>
-            <a:r>
-              <a:rPr lang="en-US" smtClean="0"/>
+            <a:pPr lvl="0">
+              <a:defRPr/>
+            </a:pPr>
+            <a:r>
+              <a:rPr lang="en-US"/>
               <a:t>Click to edit Master text styles</a:t>
             </a:r>
-          </a:p>
-        </p:txBody>
-      </p:sp>
-      <p:sp>
-        <p:nvSpPr>
-          <p:cNvPr id="5" name="Date Placeholder 4"/>
+            <a:endParaRPr/>
+          </a:p>
+        </p:txBody>
+      </p:sp>
+      <p:sp>
+        <p:nvSpPr>
+          <p:cNvPr id="1574243389" name="Date Placeholder 4"/>
           <p:cNvSpPr>
             <a:spLocks noGrp="1"/>
           </p:cNvSpPr>
@@ -2509,13 +3885,16 @@
             <p:ph type="dt" sz="half" idx="10"/>
           </p:nvPr>
         </p:nvSpPr>
-        <p:spPr/>
+        <p:spPr bwMode="auto"/>
         <p:txBody>
           <a:bodyPr/>
           <a:lstStyle/>
           <a:p>
+            <a:pPr>
+              <a:defRPr/>
+            </a:pPr>
             <a:fld id="{5BCAD085-E8A6-8845-BD4E-CB4CCA059FC4}" type="datetimeFigureOut">
-              <a:rPr lang="en-US" smtClean="0"/>
+              <a:rPr lang="en-US"/>
               <a:t>1/27/13</a:t>
             </a:fld>
             <a:endParaRPr lang="en-US"/>
@@ -2524,7 +3903,7 @@
       </p:sp>
       <p:sp>
         <p:nvSpPr>
-          <p:cNvPr id="6" name="Footer Placeholder 5"/>
+          <p:cNvPr id="1803449039" name="Footer Placeholder 5"/>
           <p:cNvSpPr>
             <a:spLocks noGrp="1"/>
           </p:cNvSpPr>
@@ -2532,18 +3911,21 @@
             <p:ph type="ftr" sz="quarter" idx="11"/>
           </p:nvPr>
         </p:nvSpPr>
-        <p:spPr/>
+        <p:spPr bwMode="auto"/>
         <p:txBody>
           <a:bodyPr/>
           <a:lstStyle/>
           <a:p>
+            <a:pPr>
+              <a:defRPr/>
+            </a:pPr>
             <a:endParaRPr lang="en-US"/>
           </a:p>
         </p:txBody>
       </p:sp>
       <p:sp>
         <p:nvSpPr>
-          <p:cNvPr id="7" name="Slide Number Placeholder 6"/>
+          <p:cNvPr id="1947453559" name="Slide Number Placeholder 6"/>
           <p:cNvSpPr>
             <a:spLocks noGrp="1"/>
           </p:cNvSpPr>
@@ -2551,13 +3933,16 @@
             <p:ph type="sldNum" sz="quarter" idx="12"/>
           </p:nvPr>
         </p:nvSpPr>
-        <p:spPr/>
+        <p:spPr bwMode="auto"/>
         <p:txBody>
           <a:bodyPr/>
           <a:lstStyle/>
           <a:p>
+            <a:pPr>
+              <a:defRPr/>
+            </a:pPr>
             <a:fld id="{C1FF6DA9-008F-8B48-92A6-B652298478BF}" type="slidenum">
-              <a:rPr lang="en-US" smtClean="0"/>
+              <a:rPr lang="en-US"/>
               <a:t>‹#›</a:t>
             </a:fld>
             <a:endParaRPr lang="en-US"/>
@@ -2565,11 +3950,6 @@
         </p:txBody>
       </p:sp>
     </p:spTree>
-    <p:extLst>
-      <p:ext uri="{BB962C8B-B14F-4D97-AF65-F5344CB8AC3E}">
-        <p14:creationId xmlns:p14="http://schemas.microsoft.com/office/powerpoint/2010/main" val="3889236939"/>
-      </p:ext>
-    </p:extLst>
   </p:cSld>
   <p:clrMapOvr>
     <a:masterClrMapping/>
@@ -2578,8 +3958,8 @@
 </file>
 
 <file path=ppt/slideMasters/slideMaster1.xml><?xml version="1.0" encoding="utf-8"?>
-<p:sldMaster xmlns:a="http://schemas.openxmlformats.org/drawingml/2006/main" xmlns:r="http://schemas.openxmlformats.org/officeDocument/2006/relationships" xmlns:p="http://schemas.openxmlformats.org/presentationml/2006/main">
-  <p:cSld>
+<p:sldMaster xmlns:a="http://schemas.openxmlformats.org/drawingml/2006/main" xmlns:r="http://schemas.openxmlformats.org/officeDocument/2006/relationships" xmlns:p="http://schemas.openxmlformats.org/presentationml/2006/main" xmlns:m="http://schemas.openxmlformats.org/officeDocument/2006/math" xmlns:w="http://schemas.openxmlformats.org/wordprocessingml/2006/main" preserve="0">
+  <p:cSld name="">
     <p:bg>
       <p:bgRef idx="1001">
         <a:schemeClr val="bg1"/>
@@ -2591,7 +3971,7 @@
         <p:cNvGrpSpPr/>
         <p:nvPr/>
       </p:nvGrpSpPr>
-      <p:grpSpPr>
+      <p:grpSpPr bwMode="auto">
         <a:xfrm>
           <a:off x="0" y="0"/>
           <a:ext cx="0" cy="0"/>
@@ -2601,7 +3981,7 @@
       </p:grpSpPr>
       <p:sp>
         <p:nvSpPr>
-          <p:cNvPr id="2" name="Title Placeholder 1"/>
+          <p:cNvPr id="465276589" name="Title Placeholder 1"/>
           <p:cNvSpPr>
             <a:spLocks noGrp="1"/>
           </p:cNvSpPr>
@@ -2609,7 +3989,7 @@
             <p:ph type="title"/>
           </p:nvPr>
         </p:nvSpPr>
-        <p:spPr>
+        <p:spPr bwMode="auto">
           <a:xfrm>
             <a:off x="457200" y="274638"/>
             <a:ext cx="8229600" cy="1143000"/>
@@ -2624,8 +4004,11 @@
           </a:bodyPr>
           <a:lstStyle/>
           <a:p>
-            <a:r>
-              <a:rPr lang="en-US" smtClean="0"/>
+            <a:pPr>
+              <a:defRPr/>
+            </a:pPr>
+            <a:r>
+              <a:rPr lang="en-US"/>
               <a:t>Click to edit Master title style</a:t>
             </a:r>
             <a:endParaRPr lang="en-US"/>
@@ -2634,7 +4017,7 @@
       </p:sp>
       <p:sp>
         <p:nvSpPr>
-          <p:cNvPr id="3" name="Text Placeholder 2"/>
+          <p:cNvPr id="1347525224" name="Text Placeholder 2"/>
           <p:cNvSpPr>
             <a:spLocks noGrp="1"/>
           </p:cNvSpPr>
@@ -2642,7 +4025,7 @@
             <p:ph type="body" idx="1"/>
           </p:nvPr>
         </p:nvSpPr>
-        <p:spPr>
+        <p:spPr bwMode="auto">
           <a:xfrm>
             <a:off x="457200" y="1600200"/>
             <a:ext cx="8229600" cy="4525963"/>
@@ -2657,37 +4040,51 @@
           </a:bodyPr>
           <a:lstStyle/>
           <a:p>
-            <a:pPr lvl="0"/>
-            <a:r>
-              <a:rPr lang="en-US" smtClean="0"/>
+            <a:pPr lvl="0">
+              <a:defRPr/>
+            </a:pPr>
+            <a:r>
+              <a:rPr lang="en-US"/>
               <a:t>Click to edit Master text styles</a:t>
             </a:r>
-          </a:p>
-          <a:p>
-            <a:pPr lvl="1"/>
-            <a:r>
-              <a:rPr lang="en-US" smtClean="0"/>
+            <a:endParaRPr/>
+          </a:p>
+          <a:p>
+            <a:pPr lvl="1">
+              <a:defRPr/>
+            </a:pPr>
+            <a:r>
+              <a:rPr lang="en-US"/>
               <a:t>Second level</a:t>
             </a:r>
-          </a:p>
-          <a:p>
-            <a:pPr lvl="2"/>
-            <a:r>
-              <a:rPr lang="en-US" smtClean="0"/>
+            <a:endParaRPr/>
+          </a:p>
+          <a:p>
+            <a:pPr lvl="2">
+              <a:defRPr/>
+            </a:pPr>
+            <a:r>
+              <a:rPr lang="en-US"/>
               <a:t>Third level</a:t>
             </a:r>
-          </a:p>
-          <a:p>
-            <a:pPr lvl="3"/>
-            <a:r>
-              <a:rPr lang="en-US" smtClean="0"/>
+            <a:endParaRPr/>
+          </a:p>
+          <a:p>
+            <a:pPr lvl="3">
+              <a:defRPr/>
+            </a:pPr>
+            <a:r>
+              <a:rPr lang="en-US"/>
               <a:t>Fourth level</a:t>
             </a:r>
-          </a:p>
-          <a:p>
-            <a:pPr lvl="4"/>
-            <a:r>
-              <a:rPr lang="en-US" smtClean="0"/>
+            <a:endParaRPr/>
+          </a:p>
+          <a:p>
+            <a:pPr lvl="4">
+              <a:defRPr/>
+            </a:pPr>
+            <a:r>
+              <a:rPr lang="en-US"/>
               <a:t>Fifth level</a:t>
             </a:r>
             <a:endParaRPr lang="en-US"/>
@@ -2696,7 +4093,7 @@
       </p:sp>
       <p:sp>
         <p:nvSpPr>
-          <p:cNvPr id="4" name="Date Placeholder 3"/>
+          <p:cNvPr id="672929129" name="Date Placeholder 3"/>
           <p:cNvSpPr>
             <a:spLocks noGrp="1"/>
           </p:cNvSpPr>
@@ -2704,7 +4101,7 @@
             <p:ph type="dt" sz="half" idx="2"/>
           </p:nvPr>
         </p:nvSpPr>
-        <p:spPr>
+        <p:spPr bwMode="auto">
           <a:xfrm>
             <a:off x="457200" y="6356350"/>
             <a:ext cx="2133600" cy="365125"/>
@@ -2727,8 +4124,11 @@
             </a:lvl1pPr>
           </a:lstStyle>
           <a:p>
+            <a:pPr>
+              <a:defRPr/>
+            </a:pPr>
             <a:fld id="{5BCAD085-E8A6-8845-BD4E-CB4CCA059FC4}" type="datetimeFigureOut">
-              <a:rPr lang="en-US" smtClean="0"/>
+              <a:rPr lang="en-US"/>
               <a:t>1/27/13</a:t>
             </a:fld>
             <a:endParaRPr lang="en-US"/>
@@ -2737,7 +4137,7 @@
       </p:sp>
       <p:sp>
         <p:nvSpPr>
-          <p:cNvPr id="5" name="Footer Placeholder 4"/>
+          <p:cNvPr id="1365314872" name="Footer Placeholder 4"/>
           <p:cNvSpPr>
             <a:spLocks noGrp="1"/>
           </p:cNvSpPr>
@@ -2745,7 +4145,7 @@
             <p:ph type="ftr" sz="quarter" idx="3"/>
           </p:nvPr>
         </p:nvSpPr>
-        <p:spPr>
+        <p:spPr bwMode="auto">
           <a:xfrm>
             <a:off x="3124200" y="6356350"/>
             <a:ext cx="2895600" cy="365125"/>
@@ -2768,13 +4168,16 @@
             </a:lvl1pPr>
           </a:lstStyle>
           <a:p>
+            <a:pPr>
+              <a:defRPr/>
+            </a:pPr>
             <a:endParaRPr lang="en-US"/>
           </a:p>
         </p:txBody>
       </p:sp>
       <p:sp>
         <p:nvSpPr>
-          <p:cNvPr id="6" name="Slide Number Placeholder 5"/>
+          <p:cNvPr id="1501641967" name="Slide Number Placeholder 5"/>
           <p:cNvSpPr>
             <a:spLocks noGrp="1"/>
           </p:cNvSpPr>
@@ -2782,7 +4185,7 @@
             <p:ph type="sldNum" sz="quarter" idx="4"/>
           </p:nvPr>
         </p:nvSpPr>
-        <p:spPr>
+        <p:spPr bwMode="auto">
           <a:xfrm>
             <a:off x="6553200" y="6356350"/>
             <a:ext cx="2133600" cy="365125"/>
@@ -2805,8 +4208,11 @@
             </a:lvl1pPr>
           </a:lstStyle>
           <a:p>
+            <a:pPr>
+              <a:defRPr/>
+            </a:pPr>
             <a:fld id="{C1FF6DA9-008F-8B48-92A6-B652298478BF}" type="slidenum">
-              <a:rPr lang="en-US" smtClean="0"/>
+              <a:rPr lang="en-US"/>
               <a:t>‹#›</a:t>
             </a:fld>
             <a:endParaRPr lang="en-US"/>
@@ -2814,11 +4220,6 @@
         </p:txBody>
       </p:sp>
     </p:spTree>
-    <p:extLst>
-      <p:ext uri="{BB962C8B-B14F-4D97-AF65-F5344CB8AC3E}">
-        <p14:creationId xmlns:p14="http://schemas.microsoft.com/office/powerpoint/2010/main" val="2209977519"/>
-      </p:ext>
-    </p:extLst>
   </p:cSld>
   <p:clrMap bg1="lt1" tx1="dk1" bg2="lt2" tx2="dk2" accent1="accent1" accent2="accent2" accent3="accent3" accent4="accent4" accent5="accent5" accent6="accent6" hlink="hlink" folHlink="folHlink"/>
   <p:sldLayoutIdLst>
@@ -2836,12 +4237,12 @@
   </p:sldLayoutIdLst>
   <p:txStyles>
     <p:titleStyle>
-      <a:lvl1pPr algn="ctr" defTabSz="457200" rtl="0" eaLnBrk="1" latinLnBrk="0" hangingPunct="1">
+      <a:lvl1pPr algn="ctr" defTabSz="457200" rtl="0">
         <a:spcBef>
-          <a:spcPct val="0"/>
+          <a:spcPts val="0"/>
         </a:spcBef>
         <a:buNone/>
-        <a:defRPr sz="4400" kern="1200">
+        <a:defRPr sz="4400">
           <a:solidFill>
             <a:schemeClr val="tx1"/>
           </a:solidFill>
@@ -2852,13 +4253,13 @@
       </a:lvl1pPr>
     </p:titleStyle>
     <p:bodyStyle>
-      <a:lvl1pPr marL="342900" indent="-342900" algn="l" defTabSz="457200" rtl="0" eaLnBrk="1" latinLnBrk="0" hangingPunct="1">
+      <a:lvl1pPr marL="342900" indent="-342900" algn="l" defTabSz="457200" rtl="0">
         <a:spcBef>
-          <a:spcPct val="20000"/>
+          <a:spcPts val="0"/>
         </a:spcBef>
         <a:buFont typeface="Arial"/>
         <a:buChar char="•"/>
-        <a:defRPr sz="3200" kern="1200">
+        <a:defRPr sz="3200">
           <a:solidFill>
             <a:schemeClr val="tx1"/>
           </a:solidFill>
@@ -2867,13 +4268,13 @@
           <a:cs typeface="+mn-cs"/>
         </a:defRPr>
       </a:lvl1pPr>
-      <a:lvl2pPr marL="742950" indent="-285750" algn="l" defTabSz="457200" rtl="0" eaLnBrk="1" latinLnBrk="0" hangingPunct="1">
+      <a:lvl2pPr marL="742950" indent="-285750" algn="l" defTabSz="457200" rtl="0">
         <a:spcBef>
-          <a:spcPct val="20000"/>
+          <a:spcPts val="0"/>
         </a:spcBef>
         <a:buFont typeface="Arial"/>
         <a:buChar char="–"/>
-        <a:defRPr sz="2800" kern="1200">
+        <a:defRPr sz="2800">
           <a:solidFill>
             <a:schemeClr val="tx1"/>
           </a:solidFill>
@@ -2882,13 +4283,13 @@
           <a:cs typeface="+mn-cs"/>
         </a:defRPr>
       </a:lvl2pPr>
-      <a:lvl3pPr marL="1143000" indent="-228600" algn="l" defTabSz="457200" rtl="0" eaLnBrk="1" latinLnBrk="0" hangingPunct="1">
+      <a:lvl3pPr marL="1143000" indent="-228600" algn="l" defTabSz="457200" rtl="0">
         <a:spcBef>
-          <a:spcPct val="20000"/>
+          <a:spcPts val="0"/>
         </a:spcBef>
         <a:buFont typeface="Arial"/>
         <a:buChar char="•"/>
-        <a:defRPr sz="2400" kern="1200">
+        <a:defRPr sz="2400">
           <a:solidFill>
             <a:schemeClr val="tx1"/>
           </a:solidFill>
@@ -2897,13 +4298,13 @@
           <a:cs typeface="+mn-cs"/>
         </a:defRPr>
       </a:lvl3pPr>
-      <a:lvl4pPr marL="1600200" indent="-228600" algn="l" defTabSz="457200" rtl="0" eaLnBrk="1" latinLnBrk="0" hangingPunct="1">
+      <a:lvl4pPr marL="1600200" indent="-228600" algn="l" defTabSz="457200" rtl="0">
         <a:spcBef>
-          <a:spcPct val="20000"/>
+          <a:spcPts val="0"/>
         </a:spcBef>
         <a:buFont typeface="Arial"/>
         <a:buChar char="–"/>
-        <a:defRPr sz="2000" kern="1200">
+        <a:defRPr sz="2000">
           <a:solidFill>
             <a:schemeClr val="tx1"/>
           </a:solidFill>
@@ -2912,13 +4313,13 @@
           <a:cs typeface="+mn-cs"/>
         </a:defRPr>
       </a:lvl4pPr>
-      <a:lvl5pPr marL="2057400" indent="-228600" algn="l" defTabSz="457200" rtl="0" eaLnBrk="1" latinLnBrk="0" hangingPunct="1">
+      <a:lvl5pPr marL="2057400" indent="-228600" algn="l" defTabSz="457200" rtl="0">
         <a:spcBef>
-          <a:spcPct val="20000"/>
+          <a:spcPts val="0"/>
         </a:spcBef>
         <a:buFont typeface="Arial"/>
         <a:buChar char="»"/>
-        <a:defRPr sz="2000" kern="1200">
+        <a:defRPr sz="2000">
           <a:solidFill>
             <a:schemeClr val="tx1"/>
           </a:solidFill>
@@ -2927,13 +4328,13 @@
           <a:cs typeface="+mn-cs"/>
         </a:defRPr>
       </a:lvl5pPr>
-      <a:lvl6pPr marL="2514600" indent="-228600" algn="l" defTabSz="457200" rtl="0" eaLnBrk="1" latinLnBrk="0" hangingPunct="1">
+      <a:lvl6pPr marL="2514600" indent="-228600" algn="l" defTabSz="457200" rtl="0">
         <a:spcBef>
-          <a:spcPct val="20000"/>
+          <a:spcPts val="0"/>
         </a:spcBef>
         <a:buFont typeface="Arial"/>
         <a:buChar char="•"/>
-        <a:defRPr sz="2000" kern="1200">
+        <a:defRPr sz="2000">
           <a:solidFill>
             <a:schemeClr val="tx1"/>
           </a:solidFill>
@@ -2942,13 +4343,13 @@
           <a:cs typeface="+mn-cs"/>
         </a:defRPr>
       </a:lvl6pPr>
-      <a:lvl7pPr marL="2971800" indent="-228600" algn="l" defTabSz="457200" rtl="0" eaLnBrk="1" latinLnBrk="0" hangingPunct="1">
+      <a:lvl7pPr marL="2971800" indent="-228600" algn="l" defTabSz="457200" rtl="0">
         <a:spcBef>
-          <a:spcPct val="20000"/>
+          <a:spcPts val="0"/>
         </a:spcBef>
         <a:buFont typeface="Arial"/>
         <a:buChar char="•"/>
-        <a:defRPr sz="2000" kern="1200">
+        <a:defRPr sz="2000">
           <a:solidFill>
             <a:schemeClr val="tx1"/>
           </a:solidFill>
@@ -2957,13 +4358,13 @@
           <a:cs typeface="+mn-cs"/>
         </a:defRPr>
       </a:lvl7pPr>
-      <a:lvl8pPr marL="3429000" indent="-228600" algn="l" defTabSz="457200" rtl="0" eaLnBrk="1" latinLnBrk="0" hangingPunct="1">
+      <a:lvl8pPr marL="3429000" indent="-228600" algn="l" defTabSz="457200" rtl="0">
         <a:spcBef>
-          <a:spcPct val="20000"/>
+          <a:spcPts val="0"/>
         </a:spcBef>
         <a:buFont typeface="Arial"/>
         <a:buChar char="•"/>
-        <a:defRPr sz="2000" kern="1200">
+        <a:defRPr sz="2000">
           <a:solidFill>
             <a:schemeClr val="tx1"/>
           </a:solidFill>
@@ -2972,13 +4373,13 @@
           <a:cs typeface="+mn-cs"/>
         </a:defRPr>
       </a:lvl8pPr>
-      <a:lvl9pPr marL="3886200" indent="-228600" algn="l" defTabSz="457200" rtl="0" eaLnBrk="1" latinLnBrk="0" hangingPunct="1">
+      <a:lvl9pPr marL="3886200" indent="-228600" algn="l" defTabSz="457200" rtl="0">
         <a:spcBef>
-          <a:spcPct val="20000"/>
+          <a:spcPts val="0"/>
         </a:spcBef>
         <a:buFont typeface="Arial"/>
         <a:buChar char="•"/>
-        <a:defRPr sz="2000" kern="1200">
+        <a:defRPr sz="2000">
           <a:solidFill>
             <a:schemeClr val="tx1"/>
           </a:solidFill>
@@ -2992,8 +4393,8 @@
       <a:defPPr>
         <a:defRPr lang="en-US"/>
       </a:defPPr>
-      <a:lvl1pPr marL="0" algn="l" defTabSz="457200" rtl="0" eaLnBrk="1" latinLnBrk="0" hangingPunct="1">
-        <a:defRPr sz="1800" kern="1200">
+      <a:lvl1pPr marL="0" algn="l" defTabSz="457200" rtl="0">
+        <a:defRPr sz="1800">
           <a:solidFill>
             <a:schemeClr val="tx1"/>
           </a:solidFill>
@@ -3002,8 +4403,8 @@
           <a:cs typeface="+mn-cs"/>
         </a:defRPr>
       </a:lvl1pPr>
-      <a:lvl2pPr marL="457200" algn="l" defTabSz="457200" rtl="0" eaLnBrk="1" latinLnBrk="0" hangingPunct="1">
-        <a:defRPr sz="1800" kern="1200">
+      <a:lvl2pPr marL="457200" algn="l" defTabSz="457200" rtl="0">
+        <a:defRPr sz="1800">
           <a:solidFill>
             <a:schemeClr val="tx1"/>
           </a:solidFill>
@@ -3012,8 +4413,8 @@
           <a:cs typeface="+mn-cs"/>
         </a:defRPr>
       </a:lvl2pPr>
-      <a:lvl3pPr marL="914400" algn="l" defTabSz="457200" rtl="0" eaLnBrk="1" latinLnBrk="0" hangingPunct="1">
-        <a:defRPr sz="1800" kern="1200">
+      <a:lvl3pPr marL="914400" algn="l" defTabSz="457200" rtl="0">
+        <a:defRPr sz="1800">
           <a:solidFill>
             <a:schemeClr val="tx1"/>
           </a:solidFill>
@@ -3022,8 +4423,8 @@
           <a:cs typeface="+mn-cs"/>
         </a:defRPr>
       </a:lvl3pPr>
-      <a:lvl4pPr marL="1371600" algn="l" defTabSz="457200" rtl="0" eaLnBrk="1" latinLnBrk="0" hangingPunct="1">
-        <a:defRPr sz="1800" kern="1200">
+      <a:lvl4pPr marL="1371600" algn="l" defTabSz="457200" rtl="0">
+        <a:defRPr sz="1800">
           <a:solidFill>
             <a:schemeClr val="tx1"/>
           </a:solidFill>
@@ -3032,8 +4433,8 @@
           <a:cs typeface="+mn-cs"/>
         </a:defRPr>
       </a:lvl4pPr>
-      <a:lvl5pPr marL="1828800" algn="l" defTabSz="457200" rtl="0" eaLnBrk="1" latinLnBrk="0" hangingPunct="1">
-        <a:defRPr sz="1800" kern="1200">
+      <a:lvl5pPr marL="1828800" algn="l" defTabSz="457200" rtl="0">
+        <a:defRPr sz="1800">
           <a:solidFill>
             <a:schemeClr val="tx1"/>
           </a:solidFill>
@@ -3042,8 +4443,8 @@
           <a:cs typeface="+mn-cs"/>
         </a:defRPr>
       </a:lvl5pPr>
-      <a:lvl6pPr marL="2286000" algn="l" defTabSz="457200" rtl="0" eaLnBrk="1" latinLnBrk="0" hangingPunct="1">
-        <a:defRPr sz="1800" kern="1200">
+      <a:lvl6pPr marL="2286000" algn="l" defTabSz="457200" rtl="0">
+        <a:defRPr sz="1800">
           <a:solidFill>
             <a:schemeClr val="tx1"/>
           </a:solidFill>
@@ -3052,8 +4453,8 @@
           <a:cs typeface="+mn-cs"/>
         </a:defRPr>
       </a:lvl6pPr>
-      <a:lvl7pPr marL="2743200" algn="l" defTabSz="457200" rtl="0" eaLnBrk="1" latinLnBrk="0" hangingPunct="1">
-        <a:defRPr sz="1800" kern="1200">
+      <a:lvl7pPr marL="2743200" algn="l" defTabSz="457200" rtl="0">
+        <a:defRPr sz="1800">
           <a:solidFill>
             <a:schemeClr val="tx1"/>
           </a:solidFill>
@@ -3062,8 +4463,8 @@
           <a:cs typeface="+mn-cs"/>
         </a:defRPr>
       </a:lvl7pPr>
-      <a:lvl8pPr marL="3200400" algn="l" defTabSz="457200" rtl="0" eaLnBrk="1" latinLnBrk="0" hangingPunct="1">
-        <a:defRPr sz="1800" kern="1200">
+      <a:lvl8pPr marL="3200400" algn="l" defTabSz="457200" rtl="0">
+        <a:defRPr sz="1800">
           <a:solidFill>
             <a:schemeClr val="tx1"/>
           </a:solidFill>
@@ -3072,8 +4473,8 @@
           <a:cs typeface="+mn-cs"/>
         </a:defRPr>
       </a:lvl8pPr>
-      <a:lvl9pPr marL="3657600" algn="l" defTabSz="457200" rtl="0" eaLnBrk="1" latinLnBrk="0" hangingPunct="1">
-        <a:defRPr sz="1800" kern="1200">
+      <a:lvl9pPr marL="3657600" algn="l" defTabSz="457200" rtl="0">
+        <a:defRPr sz="1800">
           <a:solidFill>
             <a:schemeClr val="tx1"/>
           </a:solidFill>
@@ -3088,14 +4489,13 @@
 </file>
 
 <file path=ppt/slides/slide1.xml><?xml version="1.0" encoding="utf-8"?>
-<p:sld xmlns:a="http://schemas.openxmlformats.org/drawingml/2006/main" xmlns:p="http://schemas.openxmlformats.org/presentationml/2006/main" xmlns:r="http://schemas.openxmlformats.org/officeDocument/2006/relationships">
-  <p:cSld>
+<p:sld xmlns:a="http://schemas.openxmlformats.org/drawingml/2006/main" xmlns:r="http://schemas.openxmlformats.org/officeDocument/2006/relationships" xmlns:p="http://schemas.openxmlformats.org/presentationml/2006/main" xmlns:m="http://schemas.openxmlformats.org/officeDocument/2006/math" xmlns:w="http://schemas.openxmlformats.org/wordprocessingml/2006/main" xmlns:mc="http://schemas.openxmlformats.org/markup-compatibility/2006" showMasterPhAnim="0" showMasterSp="1" show="1">
+  <p:cSld name="">
     <p:bg>
-      <p:bgPr>
+      <p:bgPr shadeToTitle="0">
         <a:solidFill>
           <a:srgbClr val="121212"/>
         </a:solidFill>
-        <a:effectLst/>
       </p:bgPr>
     </p:bg>
     <p:spTree>
@@ -3104,14 +4504,21 @@
         <p:cNvGrpSpPr/>
         <p:nvPr/>
       </p:nvGrpSpPr>
-      <p:grpSpPr/>
-      <p:sp>
-        <p:nvSpPr>
-          <p:cNvPr id="2" name="TextBox 1"/>
+      <p:grpSpPr bwMode="auto">
+        <a:xfrm>
+          <a:off x="0" y="0"/>
+          <a:ext cx="0" cy="0"/>
+          <a:chOff x="0" y="0"/>
+          <a:chExt cx="0" cy="0"/>
+        </a:xfrm>
+      </p:grpSpPr>
+      <p:sp>
+        <p:nvSpPr>
+          <p:cNvPr id="37130004" name="TextBox 1"/>
           <p:cNvSpPr txBox="1"/>
           <p:nvPr/>
         </p:nvSpPr>
-        <p:spPr>
+        <p:spPr bwMode="auto">
           <a:xfrm>
             <a:off x="914400" y="2286000"/>
             <a:ext cx="7315200" cy="914400"/>
@@ -3126,7 +4533,12 @@
             <a:spAutoFit/>
           </a:bodyPr>
           <a:lstStyle/>
-          <a:p/>
+          <a:p>
+            <a:pPr>
+              <a:defRPr/>
+            </a:pPr>
+            <a:endParaRPr/>
+          </a:p>
           <a:p>
             <a:pPr algn="ctr">
               <a:defRPr sz="5400" b="1">
@@ -3136,18 +4548,20 @@
               </a:defRPr>
             </a:pPr>
             <a:r>
+              <a:rPr/>
               <a:t>🎬 Video Streaming Server</a:t>
             </a:r>
-          </a:p>
-        </p:txBody>
-      </p:sp>
-      <p:sp>
-        <p:nvSpPr>
-          <p:cNvPr id="3" name="TextBox 2"/>
+            <a:endParaRPr/>
+          </a:p>
+        </p:txBody>
+      </p:sp>
+      <p:sp>
+        <p:nvSpPr>
+          <p:cNvPr id="1105682870" name="TextBox 2"/>
           <p:cNvSpPr txBox="1"/>
           <p:nvPr/>
         </p:nvSpPr>
-        <p:spPr>
+        <p:spPr bwMode="auto">
           <a:xfrm>
             <a:off x="914400" y="3474720"/>
             <a:ext cx="7315200" cy="548640"/>
@@ -3162,7 +4576,12 @@
             <a:spAutoFit/>
           </a:bodyPr>
           <a:lstStyle/>
-          <a:p/>
+          <a:p>
+            <a:pPr>
+              <a:defRPr/>
+            </a:pPr>
+            <a:endParaRPr/>
+          </a:p>
           <a:p>
             <a:pPr algn="ctr">
               <a:defRPr sz="2400">
@@ -3172,21 +4591,23 @@
               </a:defRPr>
             </a:pPr>
             <a:r>
+              <a:rPr/>
               <a:t>RTSP/RTP Protocol &amp; YouTube-Style Web Interface</a:t>
             </a:r>
-          </a:p>
-        </p:txBody>
-      </p:sp>
-      <p:sp>
-        <p:nvSpPr>
-          <p:cNvPr id="4" name="TextBox 3"/>
+            <a:endParaRPr/>
+          </a:p>
+        </p:txBody>
+      </p:sp>
+      <p:sp>
+        <p:nvSpPr>
+          <p:cNvPr id="1689993069" name="TextBox 3"/>
           <p:cNvSpPr txBox="1"/>
           <p:nvPr/>
         </p:nvSpPr>
-        <p:spPr>
-          <a:xfrm>
-            <a:off x="914400" y="4572000"/>
-            <a:ext cx="7315200" cy="457200"/>
+        <p:spPr bwMode="auto">
+          <a:xfrm flipH="0" flipV="0">
+            <a:off x="914400" y="4571999"/>
+            <a:ext cx="6660620" cy="640440"/>
           </a:xfrm>
           <a:prstGeom prst="rect">
             <a:avLst/>
@@ -3194,11 +4615,16 @@
           <a:noFill/>
         </p:spPr>
         <p:txBody>
-          <a:bodyPr wrap="none">
+          <a:bodyPr wrap="square">
             <a:spAutoFit/>
           </a:bodyPr>
           <a:lstStyle/>
-          <a:p/>
+          <a:p>
+            <a:pPr>
+              <a:defRPr/>
+            </a:pPr>
+            <a:endParaRPr/>
+          </a:p>
           <a:p>
             <a:pPr algn="ctr">
               <a:defRPr sz="1800">
@@ -3208,8 +4634,10 @@
               </a:defRPr>
             </a:pPr>
             <a:r>
-              <a:t>Safiullah Foragy</a:t>
-            </a:r>
+              <a:rPr/>
+              <a:t>Md.Safiullah Forajy(2102051)</a:t>
+            </a:r>
+            <a:endParaRPr/>
           </a:p>
         </p:txBody>
       </p:sp>
@@ -3218,18 +4646,25 @@
   <p:clrMapOvr>
     <a:masterClrMapping/>
   </p:clrMapOvr>
+  <mc:AlternateContent xmlns:mc="http://schemas.openxmlformats.org/markup-compatibility/2006">
+    <mc:Choice xmlns:p159="http://schemas.microsoft.com/office/powerpoint/2015/09/main" xmlns:p14="http://schemas.microsoft.com/office/powerpoint/2010/main" Requires="p159">
+      <p:transition p14:dur="2000" advClick="1"/>
+    </mc:Choice>
+    <mc:Fallback>
+      <p:transition advClick="1"/>
+    </mc:Fallback>
+  </mc:AlternateContent>
 </p:sld>
 </file>
 
 <file path=ppt/slides/slide10.xml><?xml version="1.0" encoding="utf-8"?>
-<p:sld xmlns:a="http://schemas.openxmlformats.org/drawingml/2006/main" xmlns:p="http://schemas.openxmlformats.org/presentationml/2006/main" xmlns:r="http://schemas.openxmlformats.org/officeDocument/2006/relationships">
-  <p:cSld>
+<p:sld xmlns:a="http://schemas.openxmlformats.org/drawingml/2006/main" xmlns:r="http://schemas.openxmlformats.org/officeDocument/2006/relationships" xmlns:p="http://schemas.openxmlformats.org/presentationml/2006/main" xmlns:m="http://schemas.openxmlformats.org/officeDocument/2006/math" xmlns:w="http://schemas.openxmlformats.org/wordprocessingml/2006/main" xmlns:mc="http://schemas.openxmlformats.org/markup-compatibility/2006" showMasterPhAnim="0" showMasterSp="1" show="1">
+  <p:cSld name="">
     <p:bg>
-      <p:bgPr>
+      <p:bgPr shadeToTitle="0">
         <a:solidFill>
           <a:srgbClr val="121212"/>
         </a:solidFill>
-        <a:effectLst/>
       </p:bgPr>
     </p:bg>
     <p:spTree>
@@ -3238,14 +4673,21 @@
         <p:cNvGrpSpPr/>
         <p:nvPr/>
       </p:nvGrpSpPr>
-      <p:grpSpPr/>
-      <p:sp>
-        <p:nvSpPr>
-          <p:cNvPr id="2" name="TextBox 1"/>
+      <p:grpSpPr bwMode="auto">
+        <a:xfrm>
+          <a:off x="0" y="0"/>
+          <a:ext cx="0" cy="0"/>
+          <a:chOff x="0" y="0"/>
+          <a:chExt cx="0" cy="0"/>
+        </a:xfrm>
+      </p:grpSpPr>
+      <p:sp>
+        <p:nvSpPr>
+          <p:cNvPr id="489717756" name="TextBox 1"/>
           <p:cNvSpPr txBox="1"/>
           <p:nvPr/>
         </p:nvSpPr>
-        <p:spPr>
+        <p:spPr bwMode="auto">
           <a:xfrm>
             <a:off x="457200" y="457200"/>
             <a:ext cx="8229600" cy="731520"/>
@@ -3260,7 +4702,12 @@
             <a:spAutoFit/>
           </a:bodyPr>
           <a:lstStyle/>
-          <a:p/>
+          <a:p>
+            <a:pPr>
+              <a:defRPr/>
+            </a:pPr>
+            <a:endParaRPr/>
+          </a:p>
           <a:p>
             <a:pPr>
               <a:defRPr sz="4400" b="1">
@@ -3270,18 +4717,20 @@
               </a:defRPr>
             </a:pPr>
             <a:r>
+              <a:rPr/>
               <a:t>🎯 Summary &amp; Future Work</a:t>
             </a:r>
-          </a:p>
-        </p:txBody>
-      </p:sp>
-      <p:sp>
-        <p:nvSpPr>
-          <p:cNvPr id="3" name="TextBox 2"/>
+            <a:endParaRPr/>
+          </a:p>
+        </p:txBody>
+      </p:sp>
+      <p:sp>
+        <p:nvSpPr>
+          <p:cNvPr id="1529781347" name="TextBox 2"/>
           <p:cNvSpPr txBox="1"/>
           <p:nvPr/>
         </p:nvSpPr>
-        <p:spPr>
+        <p:spPr bwMode="auto">
           <a:xfrm>
             <a:off x="731520" y="1645920"/>
             <a:ext cx="7772400" cy="2011680"/>
@@ -3296,7 +4745,12 @@
             <a:spAutoFit/>
           </a:bodyPr>
           <a:lstStyle/>
-          <a:p/>
+          <a:p>
+            <a:pPr>
+              <a:defRPr/>
+            </a:pPr>
+            <a:endParaRPr/>
+          </a:p>
           <a:p>
             <a:pPr>
               <a:defRPr sz="2600" b="1">
@@ -3306,8 +4760,10 @@
               </a:defRPr>
             </a:pPr>
             <a:r>
+              <a:rPr/>
               <a:t>✨ Achievements</a:t>
             </a:r>
+            <a:endParaRPr/>
           </a:p>
           <a:p>
             <a:pPr>
@@ -3321,8 +4777,10 @@
               </a:defRPr>
             </a:pPr>
             <a:r>
+              <a:rPr/>
               <a:t>✓ Complete video streaming solution deployed live</a:t>
             </a:r>
+            <a:endParaRPr/>
           </a:p>
           <a:p>
             <a:pPr>
@@ -3336,8 +4794,10 @@
               </a:defRPr>
             </a:pPr>
             <a:r>
+              <a:rPr/>
               <a:t>✓ Professional UI with custom controls</a:t>
             </a:r>
+            <a:endParaRPr/>
           </a:p>
           <a:p>
             <a:pPr>
@@ -3351,8 +4811,10 @@
               </a:defRPr>
             </a:pPr>
             <a:r>
+              <a:rPr/>
               <a:t>✓ Dual interface (Web + RTSP)</a:t>
             </a:r>
+            <a:endParaRPr/>
           </a:p>
           <a:p>
             <a:pPr>
@@ -3366,18 +4828,20 @@
               </a:defRPr>
             </a:pPr>
             <a:r>
+              <a:rPr/>
               <a:t>✓ Production-ready on Render.com</a:t>
             </a:r>
-          </a:p>
-        </p:txBody>
-      </p:sp>
-      <p:sp>
-        <p:nvSpPr>
-          <p:cNvPr id="4" name="TextBox 3"/>
+            <a:endParaRPr/>
+          </a:p>
+        </p:txBody>
+      </p:sp>
+      <p:sp>
+        <p:nvSpPr>
+          <p:cNvPr id="875787204" name="TextBox 3"/>
           <p:cNvSpPr txBox="1"/>
           <p:nvPr/>
         </p:nvSpPr>
-        <p:spPr>
+        <p:spPr bwMode="auto">
           <a:xfrm>
             <a:off x="731520" y="3840480"/>
             <a:ext cx="7772400" cy="2560320"/>
@@ -3392,7 +4856,12 @@
             <a:spAutoFit/>
           </a:bodyPr>
           <a:lstStyle/>
-          <a:p/>
+          <a:p>
+            <a:pPr>
+              <a:defRPr/>
+            </a:pPr>
+            <a:endParaRPr/>
+          </a:p>
           <a:p>
             <a:pPr>
               <a:defRPr sz="2600" b="1">
@@ -3402,8 +4871,10 @@
               </a:defRPr>
             </a:pPr>
             <a:r>
+              <a:rPr/>
               <a:t>🚀 Future Enhancements</a:t>
             </a:r>
+            <a:endParaRPr/>
           </a:p>
           <a:p>
             <a:pPr>
@@ -3417,8 +4888,10 @@
               </a:defRPr>
             </a:pPr>
             <a:r>
+              <a:rPr/>
               <a:t>→ Cloud storage integration (AWS S3, Cloudflare R2)</a:t>
             </a:r>
+            <a:endParaRPr/>
           </a:p>
           <a:p>
             <a:pPr>
@@ -3432,8 +4905,10 @@
               </a:defRPr>
             </a:pPr>
             <a:r>
+              <a:rPr/>
               <a:t>→ User authentication and playlists</a:t>
             </a:r>
+            <a:endParaRPr/>
           </a:p>
           <a:p>
             <a:pPr>
@@ -3447,8 +4922,10 @@
               </a:defRPr>
             </a:pPr>
             <a:r>
+              <a:rPr/>
               <a:t>→ Video upload functionality</a:t>
             </a:r>
+            <a:endParaRPr/>
           </a:p>
           <a:p>
             <a:pPr>
@@ -3462,8 +4939,10 @@
               </a:defRPr>
             </a:pPr>
             <a:r>
+              <a:rPr/>
               <a:t>→ Advanced analytics and viewing stats</a:t>
             </a:r>
+            <a:endParaRPr/>
           </a:p>
           <a:p>
             <a:pPr>
@@ -3477,8 +4956,10 @@
               </a:defRPr>
             </a:pPr>
             <a:r>
+              <a:rPr/>
               <a:t>→ Mobile app development</a:t>
             </a:r>
+            <a:endParaRPr/>
           </a:p>
         </p:txBody>
       </p:sp>
@@ -3487,18 +4968,25 @@
   <p:clrMapOvr>
     <a:masterClrMapping/>
   </p:clrMapOvr>
+  <mc:AlternateContent xmlns:mc="http://schemas.openxmlformats.org/markup-compatibility/2006">
+    <mc:Choice xmlns:p159="http://schemas.microsoft.com/office/powerpoint/2015/09/main" xmlns:p14="http://schemas.microsoft.com/office/powerpoint/2010/main" Requires="p159">
+      <p:transition p14:dur="2000" advClick="1"/>
+    </mc:Choice>
+    <mc:Fallback>
+      <p:transition advClick="1"/>
+    </mc:Fallback>
+  </mc:AlternateContent>
 </p:sld>
 </file>
 
 <file path=ppt/slides/slide2.xml><?xml version="1.0" encoding="utf-8"?>
-<p:sld xmlns:a="http://schemas.openxmlformats.org/drawingml/2006/main" xmlns:p="http://schemas.openxmlformats.org/presentationml/2006/main" xmlns:r="http://schemas.openxmlformats.org/officeDocument/2006/relationships">
-  <p:cSld>
+<p:sld xmlns:a="http://schemas.openxmlformats.org/drawingml/2006/main" xmlns:r="http://schemas.openxmlformats.org/officeDocument/2006/relationships" xmlns:p="http://schemas.openxmlformats.org/presentationml/2006/main" xmlns:m="http://schemas.openxmlformats.org/officeDocument/2006/math" xmlns:w="http://schemas.openxmlformats.org/wordprocessingml/2006/main" xmlns:mc="http://schemas.openxmlformats.org/markup-compatibility/2006" showMasterPhAnim="0" showMasterSp="1" show="1">
+  <p:cSld name="">
     <p:bg>
-      <p:bgPr>
+      <p:bgPr shadeToTitle="0">
         <a:solidFill>
           <a:srgbClr val="121212"/>
         </a:solidFill>
-        <a:effectLst/>
       </p:bgPr>
     </p:bg>
     <p:spTree>
@@ -3507,14 +4995,21 @@
         <p:cNvGrpSpPr/>
         <p:nvPr/>
       </p:nvGrpSpPr>
-      <p:grpSpPr/>
-      <p:sp>
-        <p:nvSpPr>
-          <p:cNvPr id="2" name="TextBox 1"/>
+      <p:grpSpPr bwMode="auto">
+        <a:xfrm>
+          <a:off x="0" y="0"/>
+          <a:ext cx="0" cy="0"/>
+          <a:chOff x="0" y="0"/>
+          <a:chExt cx="0" cy="0"/>
+        </a:xfrm>
+      </p:grpSpPr>
+      <p:sp>
+        <p:nvSpPr>
+          <p:cNvPr id="1350563764" name="TextBox 1"/>
           <p:cNvSpPr txBox="1"/>
           <p:nvPr/>
         </p:nvSpPr>
-        <p:spPr>
+        <p:spPr bwMode="auto">
           <a:xfrm>
             <a:off x="457200" y="457200"/>
             <a:ext cx="8229600" cy="731520"/>
@@ -3529,7 +5024,12 @@
             <a:spAutoFit/>
           </a:bodyPr>
           <a:lstStyle/>
-          <a:p/>
+          <a:p>
+            <a:pPr>
+              <a:defRPr/>
+            </a:pPr>
+            <a:endParaRPr/>
+          </a:p>
           <a:p>
             <a:pPr>
               <a:defRPr sz="4400" b="1">
@@ -3539,18 +5039,20 @@
               </a:defRPr>
             </a:pPr>
             <a:r>
+              <a:rPr/>
               <a:t>📋 Project Overview</a:t>
             </a:r>
-          </a:p>
-        </p:txBody>
-      </p:sp>
-      <p:sp>
-        <p:nvSpPr>
-          <p:cNvPr id="3" name="TextBox 2"/>
+            <a:endParaRPr/>
+          </a:p>
+        </p:txBody>
+      </p:sp>
+      <p:sp>
+        <p:nvSpPr>
+          <p:cNvPr id="1890583818" name="TextBox 2"/>
           <p:cNvSpPr txBox="1"/>
           <p:nvPr/>
         </p:nvSpPr>
-        <p:spPr>
+        <p:spPr bwMode="auto">
           <a:xfrm>
             <a:off x="731520" y="1645920"/>
             <a:ext cx="7772400" cy="4572000"/>
@@ -3565,7 +5067,12 @@
             <a:spAutoFit/>
           </a:bodyPr>
           <a:lstStyle/>
-          <a:p/>
+          <a:p>
+            <a:pPr>
+              <a:defRPr/>
+            </a:pPr>
+            <a:endParaRPr/>
+          </a:p>
           <a:p>
             <a:pPr>
               <a:spcBef>
@@ -3578,8 +5085,10 @@
               </a:defRPr>
             </a:pPr>
             <a:r>
+              <a:rPr/>
               <a:t>• Comprehensive video streaming solution</a:t>
             </a:r>
+            <a:endParaRPr/>
           </a:p>
           <a:p>
             <a:pPr>
@@ -3593,8 +5102,10 @@
               </a:defRPr>
             </a:pPr>
             <a:r>
+              <a:rPr/>
               <a:t>• Dual interface: Web-based + RTSP/RTP protocol</a:t>
             </a:r>
+            <a:endParaRPr/>
           </a:p>
           <a:p>
             <a:pPr>
@@ -3608,8 +5119,10 @@
               </a:defRPr>
             </a:pPr>
             <a:r>
+              <a:rPr/>
               <a:t>• YouTube-inspired modern UI with dark theme</a:t>
             </a:r>
+            <a:endParaRPr/>
           </a:p>
           <a:p>
             <a:pPr>
@@ -3623,8 +5136,10 @@
               </a:defRPr>
             </a:pPr>
             <a:r>
+              <a:rPr/>
               <a:t>• Custom video player with advanced controls</a:t>
             </a:r>
+            <a:endParaRPr/>
           </a:p>
           <a:p>
             <a:pPr>
@@ -3638,8 +5153,10 @@
               </a:defRPr>
             </a:pPr>
             <a:r>
+              <a:rPr/>
               <a:t>• Network streaming across devices</a:t>
             </a:r>
+            <a:endParaRPr/>
           </a:p>
           <a:p>
             <a:pPr>
@@ -3653,8 +5170,10 @@
               </a:defRPr>
             </a:pPr>
             <a:r>
+              <a:rPr/>
               <a:t>• Production-ready and deployed live</a:t>
             </a:r>
+            <a:endParaRPr/>
           </a:p>
         </p:txBody>
       </p:sp>
@@ -3663,18 +5182,25 @@
   <p:clrMapOvr>
     <a:masterClrMapping/>
   </p:clrMapOvr>
+  <mc:AlternateContent xmlns:mc="http://schemas.openxmlformats.org/markup-compatibility/2006">
+    <mc:Choice xmlns:p159="http://schemas.microsoft.com/office/powerpoint/2015/09/main" xmlns:p14="http://schemas.microsoft.com/office/powerpoint/2010/main" Requires="p159">
+      <p:transition p14:dur="2000" advClick="1"/>
+    </mc:Choice>
+    <mc:Fallback>
+      <p:transition advClick="1"/>
+    </mc:Fallback>
+  </mc:AlternateContent>
 </p:sld>
 </file>
 
 <file path=ppt/slides/slide3.xml><?xml version="1.0" encoding="utf-8"?>
-<p:sld xmlns:a="http://schemas.openxmlformats.org/drawingml/2006/main" xmlns:p="http://schemas.openxmlformats.org/presentationml/2006/main" xmlns:r="http://schemas.openxmlformats.org/officeDocument/2006/relationships">
-  <p:cSld>
+<p:sld xmlns:a="http://schemas.openxmlformats.org/drawingml/2006/main" xmlns:r="http://schemas.openxmlformats.org/officeDocument/2006/relationships" xmlns:p="http://schemas.openxmlformats.org/presentationml/2006/main" xmlns:m="http://schemas.openxmlformats.org/officeDocument/2006/math" xmlns:w="http://schemas.openxmlformats.org/wordprocessingml/2006/main" xmlns:mc="http://schemas.openxmlformats.org/markup-compatibility/2006" showMasterPhAnim="0" showMasterSp="1" show="1">
+  <p:cSld name="">
     <p:bg>
-      <p:bgPr>
+      <p:bgPr shadeToTitle="0">
         <a:solidFill>
           <a:srgbClr val="121212"/>
         </a:solidFill>
-        <a:effectLst/>
       </p:bgPr>
     </p:bg>
     <p:spTree>
@@ -3683,14 +5209,21 @@
         <p:cNvGrpSpPr/>
         <p:nvPr/>
       </p:nvGrpSpPr>
-      <p:grpSpPr/>
-      <p:sp>
-        <p:nvSpPr>
-          <p:cNvPr id="2" name="TextBox 1"/>
+      <p:grpSpPr bwMode="auto">
+        <a:xfrm>
+          <a:off x="0" y="0"/>
+          <a:ext cx="0" cy="0"/>
+          <a:chOff x="0" y="0"/>
+          <a:chExt cx="0" cy="0"/>
+        </a:xfrm>
+      </p:grpSpPr>
+      <p:sp>
+        <p:nvSpPr>
+          <p:cNvPr id="1593696457" name="TextBox 1"/>
           <p:cNvSpPr txBox="1"/>
           <p:nvPr/>
         </p:nvSpPr>
-        <p:spPr>
+        <p:spPr bwMode="auto">
           <a:xfrm>
             <a:off x="457200" y="457200"/>
             <a:ext cx="8229600" cy="731520"/>
@@ -3705,7 +5238,12 @@
             <a:spAutoFit/>
           </a:bodyPr>
           <a:lstStyle/>
-          <a:p/>
+          <a:p>
+            <a:pPr>
+              <a:defRPr/>
+            </a:pPr>
+            <a:endParaRPr/>
+          </a:p>
           <a:p>
             <a:pPr>
               <a:defRPr sz="4400" b="1">
@@ -3715,18 +5253,20 @@
               </a:defRPr>
             </a:pPr>
             <a:r>
+              <a:rPr/>
               <a:t>🌐 Web Interface Features</a:t>
             </a:r>
-          </a:p>
-        </p:txBody>
-      </p:sp>
-      <p:sp>
-        <p:nvSpPr>
-          <p:cNvPr id="3" name="TextBox 2"/>
+            <a:endParaRPr/>
+          </a:p>
+        </p:txBody>
+      </p:sp>
+      <p:sp>
+        <p:nvSpPr>
+          <p:cNvPr id="768484162" name="TextBox 2"/>
           <p:cNvSpPr txBox="1"/>
           <p:nvPr/>
         </p:nvSpPr>
-        <p:spPr>
+        <p:spPr bwMode="auto">
           <a:xfrm>
             <a:off x="731520" y="1645920"/>
             <a:ext cx="7772400" cy="4572000"/>
@@ -3741,7 +5281,12 @@
             <a:spAutoFit/>
           </a:bodyPr>
           <a:lstStyle/>
-          <a:p/>
+          <a:p>
+            <a:pPr>
+              <a:defRPr/>
+            </a:pPr>
+            <a:endParaRPr/>
+          </a:p>
           <a:p>
             <a:pPr>
               <a:spcBef>
@@ -3754,8 +5299,10 @@
               </a:defRPr>
             </a:pPr>
             <a:r>
+              <a:rPr/>
               <a:t>🎨 YouTube-Style UI - Modern, responsive dark theme</a:t>
             </a:r>
+            <a:endParaRPr/>
           </a:p>
           <a:p>
             <a:pPr>
@@ -3769,8 +5316,10 @@
               </a:defRPr>
             </a:pPr>
             <a:r>
+              <a:rPr/>
               <a:t>🎥 Custom Video Player - Professional controls</a:t>
             </a:r>
+            <a:endParaRPr/>
           </a:p>
           <a:p>
             <a:pPr>
@@ -3784,8 +5333,10 @@
               </a:defRPr>
             </a:pPr>
             <a:r>
+              <a:rPr/>
               <a:t>⏩ 2-Second Seek Buttons - Quick navigation</a:t>
             </a:r>
+            <a:endParaRPr/>
           </a:p>
           <a:p>
             <a:pPr>
@@ -3799,8 +5350,10 @@
               </a:defRPr>
             </a:pPr>
             <a:r>
+              <a:rPr/>
               <a:t>🔊 Smart Audio Handling - Auto-unmute on interaction</a:t>
             </a:r>
+            <a:endParaRPr/>
           </a:p>
           <a:p>
             <a:pPr>
@@ -3814,8 +5367,10 @@
               </a:defRPr>
             </a:pPr>
             <a:r>
+              <a:rPr/>
               <a:t>⌨️ Keyboard Shortcuts - Full keyboard control</a:t>
             </a:r>
+            <a:endParaRPr/>
           </a:p>
           <a:p>
             <a:pPr>
@@ -3829,8 +5384,10 @@
               </a:defRPr>
             </a:pPr>
             <a:r>
+              <a:rPr/>
               <a:t>📱 Responsive Design - Works on all devices</a:t>
             </a:r>
+            <a:endParaRPr/>
           </a:p>
         </p:txBody>
       </p:sp>
@@ -3839,18 +5396,25 @@
   <p:clrMapOvr>
     <a:masterClrMapping/>
   </p:clrMapOvr>
+  <mc:AlternateContent xmlns:mc="http://schemas.openxmlformats.org/markup-compatibility/2006">
+    <mc:Choice xmlns:p159="http://schemas.microsoft.com/office/powerpoint/2015/09/main" xmlns:p14="http://schemas.microsoft.com/office/powerpoint/2010/main" Requires="p159">
+      <p:transition p14:dur="2000" advClick="1"/>
+    </mc:Choice>
+    <mc:Fallback>
+      <p:transition advClick="1"/>
+    </mc:Fallback>
+  </mc:AlternateContent>
 </p:sld>
 </file>
 
 <file path=ppt/slides/slide4.xml><?xml version="1.0" encoding="utf-8"?>
-<p:sld xmlns:a="http://schemas.openxmlformats.org/drawingml/2006/main" xmlns:p="http://schemas.openxmlformats.org/presentationml/2006/main" xmlns:r="http://schemas.openxmlformats.org/officeDocument/2006/relationships">
-  <p:cSld>
+<p:sld xmlns:a="http://schemas.openxmlformats.org/drawingml/2006/main" xmlns:r="http://schemas.openxmlformats.org/officeDocument/2006/relationships" xmlns:p="http://schemas.openxmlformats.org/presentationml/2006/main" xmlns:m="http://schemas.openxmlformats.org/officeDocument/2006/math" xmlns:w="http://schemas.openxmlformats.org/wordprocessingml/2006/main" xmlns:mc="http://schemas.openxmlformats.org/markup-compatibility/2006" showMasterPhAnim="0" showMasterSp="1" show="1">
+  <p:cSld name="">
     <p:bg>
-      <p:bgPr>
+      <p:bgPr shadeToTitle="0">
         <a:solidFill>
           <a:srgbClr val="121212"/>
         </a:solidFill>
-        <a:effectLst/>
       </p:bgPr>
     </p:bg>
     <p:spTree>
@@ -3859,14 +5423,21 @@
         <p:cNvGrpSpPr/>
         <p:nvPr/>
       </p:nvGrpSpPr>
-      <p:grpSpPr/>
-      <p:sp>
-        <p:nvSpPr>
-          <p:cNvPr id="2" name="TextBox 1"/>
+      <p:grpSpPr bwMode="auto">
+        <a:xfrm>
+          <a:off x="0" y="0"/>
+          <a:ext cx="0" cy="0"/>
+          <a:chOff x="0" y="0"/>
+          <a:chExt cx="0" cy="0"/>
+        </a:xfrm>
+      </p:grpSpPr>
+      <p:sp>
+        <p:nvSpPr>
+          <p:cNvPr id="2021999716" name="TextBox 1"/>
           <p:cNvSpPr txBox="1"/>
           <p:nvPr/>
         </p:nvSpPr>
-        <p:spPr>
+        <p:spPr bwMode="auto">
           <a:xfrm>
             <a:off x="457200" y="457200"/>
             <a:ext cx="8229600" cy="731520"/>
@@ -3881,7 +5452,12 @@
             <a:spAutoFit/>
           </a:bodyPr>
           <a:lstStyle/>
-          <a:p/>
+          <a:p>
+            <a:pPr>
+              <a:defRPr/>
+            </a:pPr>
+            <a:endParaRPr/>
+          </a:p>
           <a:p>
             <a:pPr>
               <a:defRPr sz="4400" b="1">
@@ -3891,18 +5467,20 @@
               </a:defRPr>
             </a:pPr>
             <a:r>
+              <a:rPr/>
               <a:t>🛠️ Technology Stack</a:t>
             </a:r>
-          </a:p>
-        </p:txBody>
-      </p:sp>
-      <p:sp>
-        <p:nvSpPr>
-          <p:cNvPr id="3" name="TextBox 2"/>
+            <a:endParaRPr/>
+          </a:p>
+        </p:txBody>
+      </p:sp>
+      <p:sp>
+        <p:nvSpPr>
+          <p:cNvPr id="992417529" name="TextBox 2"/>
           <p:cNvSpPr txBox="1"/>
           <p:nvPr/>
         </p:nvSpPr>
-        <p:spPr>
+        <p:spPr bwMode="auto">
           <a:xfrm>
             <a:off x="731520" y="1645920"/>
             <a:ext cx="3657600" cy="2286000"/>
@@ -3917,7 +5495,12 @@
             <a:spAutoFit/>
           </a:bodyPr>
           <a:lstStyle/>
-          <a:p/>
+          <a:p>
+            <a:pPr>
+              <a:defRPr/>
+            </a:pPr>
+            <a:endParaRPr/>
+          </a:p>
           <a:p>
             <a:pPr>
               <a:defRPr sz="2800" b="1">
@@ -3927,8 +5510,10 @@
               </a:defRPr>
             </a:pPr>
             <a:r>
+              <a:rPr/>
               <a:t>Backend</a:t>
             </a:r>
+            <a:endParaRPr/>
           </a:p>
           <a:p>
             <a:pPr>
@@ -3942,8 +5527,10 @@
               </a:defRPr>
             </a:pPr>
             <a:r>
+              <a:rPr/>
               <a:t>• Python 3.8+</a:t>
             </a:r>
+            <a:endParaRPr/>
           </a:p>
           <a:p>
             <a:pPr>
@@ -3957,8 +5544,10 @@
               </a:defRPr>
             </a:pPr>
             <a:r>
+              <a:rPr/>
               <a:t>• Flask 3.1.2</a:t>
             </a:r>
+            <a:endParaRPr/>
           </a:p>
           <a:p>
             <a:pPr>
@@ -3972,8 +5561,10 @@
               </a:defRPr>
             </a:pPr>
             <a:r>
+              <a:rPr/>
               <a:t>• OpenCV</a:t>
             </a:r>
+            <a:endParaRPr/>
           </a:p>
           <a:p>
             <a:pPr>
@@ -3987,18 +5578,20 @@
               </a:defRPr>
             </a:pPr>
             <a:r>
+              <a:rPr/>
               <a:t>• Gunicorn</a:t>
             </a:r>
-          </a:p>
-        </p:txBody>
-      </p:sp>
-      <p:sp>
-        <p:nvSpPr>
-          <p:cNvPr id="4" name="TextBox 3"/>
+            <a:endParaRPr/>
+          </a:p>
+        </p:txBody>
+      </p:sp>
+      <p:sp>
+        <p:nvSpPr>
+          <p:cNvPr id="1419008572" name="TextBox 3"/>
           <p:cNvSpPr txBox="1"/>
           <p:nvPr/>
         </p:nvSpPr>
-        <p:spPr>
+        <p:spPr bwMode="auto">
           <a:xfrm>
             <a:off x="4754880" y="1645920"/>
             <a:ext cx="3657600" cy="2286000"/>
@@ -4013,7 +5606,12 @@
             <a:spAutoFit/>
           </a:bodyPr>
           <a:lstStyle/>
-          <a:p/>
+          <a:p>
+            <a:pPr>
+              <a:defRPr/>
+            </a:pPr>
+            <a:endParaRPr/>
+          </a:p>
           <a:p>
             <a:pPr>
               <a:defRPr sz="2800" b="1">
@@ -4023,8 +5621,10 @@
               </a:defRPr>
             </a:pPr>
             <a:r>
+              <a:rPr/>
               <a:t>Frontend</a:t>
             </a:r>
+            <a:endParaRPr/>
           </a:p>
           <a:p>
             <a:pPr>
@@ -4038,8 +5638,10 @@
               </a:defRPr>
             </a:pPr>
             <a:r>
+              <a:rPr/>
               <a:t>• HTML5 Video API</a:t>
             </a:r>
+            <a:endParaRPr/>
           </a:p>
           <a:p>
             <a:pPr>
@@ -4053,8 +5655,10 @@
               </a:defRPr>
             </a:pPr>
             <a:r>
+              <a:rPr/>
               <a:t>• CSS3 Dark Theme</a:t>
             </a:r>
+            <a:endParaRPr/>
           </a:p>
           <a:p>
             <a:pPr>
@@ -4068,8 +5672,10 @@
               </a:defRPr>
             </a:pPr>
             <a:r>
+              <a:rPr/>
               <a:t>• Vanilla JavaScript</a:t>
             </a:r>
+            <a:endParaRPr/>
           </a:p>
           <a:p>
             <a:pPr>
@@ -4083,18 +5689,20 @@
               </a:defRPr>
             </a:pPr>
             <a:r>
+              <a:rPr/>
               <a:t>• Font Awesome Icons</a:t>
             </a:r>
-          </a:p>
-        </p:txBody>
-      </p:sp>
-      <p:sp>
-        <p:nvSpPr>
-          <p:cNvPr id="5" name="TextBox 4"/>
+            <a:endParaRPr/>
+          </a:p>
+        </p:txBody>
+      </p:sp>
+      <p:sp>
+        <p:nvSpPr>
+          <p:cNvPr id="1677109077" name="TextBox 4"/>
           <p:cNvSpPr txBox="1"/>
           <p:nvPr/>
         </p:nvSpPr>
-        <p:spPr>
+        <p:spPr bwMode="auto">
           <a:xfrm>
             <a:off x="731520" y="4114800"/>
             <a:ext cx="7772400" cy="2286000"/>
@@ -4109,7 +5717,12 @@
             <a:spAutoFit/>
           </a:bodyPr>
           <a:lstStyle/>
-          <a:p/>
+          <a:p>
+            <a:pPr>
+              <a:defRPr/>
+            </a:pPr>
+            <a:endParaRPr/>
+          </a:p>
           <a:p>
             <a:pPr>
               <a:defRPr sz="2800" b="1">
@@ -4119,8 +5732,10 @@
               </a:defRPr>
             </a:pPr>
             <a:r>
+              <a:rPr/>
               <a:t>Protocols &amp; Streaming</a:t>
             </a:r>
+            <a:endParaRPr/>
           </a:p>
           <a:p>
             <a:pPr>
@@ -4134,8 +5749,10 @@
               </a:defRPr>
             </a:pPr>
             <a:r>
+              <a:rPr/>
               <a:t>• RTSP (Real-Time Streaming Protocol)</a:t>
             </a:r>
+            <a:endParaRPr/>
           </a:p>
           <a:p>
             <a:pPr>
@@ -4149,8 +5766,10 @@
               </a:defRPr>
             </a:pPr>
             <a:r>
+              <a:rPr/>
               <a:t>• RTP (Real-Time Transport)</a:t>
             </a:r>
+            <a:endParaRPr/>
           </a:p>
           <a:p>
             <a:pPr>
@@ -4164,8 +5783,10 @@
               </a:defRPr>
             </a:pPr>
             <a:r>
+              <a:rPr/>
               <a:t>• HTTP Range Requests</a:t>
             </a:r>
+            <a:endParaRPr/>
           </a:p>
           <a:p>
             <a:pPr>
@@ -4179,8 +5800,10 @@
               </a:defRPr>
             </a:pPr>
             <a:r>
+              <a:rPr/>
               <a:t>• 1MB Chunk Streaming</a:t>
             </a:r>
+            <a:endParaRPr/>
           </a:p>
         </p:txBody>
       </p:sp>
@@ -4189,18 +5812,25 @@
   <p:clrMapOvr>
     <a:masterClrMapping/>
   </p:clrMapOvr>
+  <mc:AlternateContent xmlns:mc="http://schemas.openxmlformats.org/markup-compatibility/2006">
+    <mc:Choice xmlns:p159="http://schemas.microsoft.com/office/powerpoint/2015/09/main" xmlns:p14="http://schemas.microsoft.com/office/powerpoint/2010/main" Requires="p159">
+      <p:transition p14:dur="2000" advClick="1"/>
+    </mc:Choice>
+    <mc:Fallback>
+      <p:transition advClick="1"/>
+    </mc:Fallback>
+  </mc:AlternateContent>
 </p:sld>
 </file>
 
 <file path=ppt/slides/slide5.xml><?xml version="1.0" encoding="utf-8"?>
-<p:sld xmlns:a="http://schemas.openxmlformats.org/drawingml/2006/main" xmlns:p="http://schemas.openxmlformats.org/presentationml/2006/main" xmlns:r="http://schemas.openxmlformats.org/officeDocument/2006/relationships">
-  <p:cSld>
+<p:sld xmlns:a="http://schemas.openxmlformats.org/drawingml/2006/main" xmlns:r="http://schemas.openxmlformats.org/officeDocument/2006/relationships" xmlns:p="http://schemas.openxmlformats.org/presentationml/2006/main" xmlns:m="http://schemas.openxmlformats.org/officeDocument/2006/math" xmlns:w="http://schemas.openxmlformats.org/wordprocessingml/2006/main" xmlns:mc="http://schemas.openxmlformats.org/markup-compatibility/2006" showMasterPhAnim="0" showMasterSp="1" show="1">
+  <p:cSld name="">
     <p:bg>
-      <p:bgPr>
+      <p:bgPr shadeToTitle="0">
         <a:solidFill>
           <a:srgbClr val="121212"/>
         </a:solidFill>
-        <a:effectLst/>
       </p:bgPr>
     </p:bg>
     <p:spTree>
@@ -4209,14 +5839,21 @@
         <p:cNvGrpSpPr/>
         <p:nvPr/>
       </p:nvGrpSpPr>
-      <p:grpSpPr/>
-      <p:sp>
-        <p:nvSpPr>
-          <p:cNvPr id="2" name="TextBox 1"/>
+      <p:grpSpPr bwMode="auto">
+        <a:xfrm>
+          <a:off x="0" y="0"/>
+          <a:ext cx="0" cy="0"/>
+          <a:chOff x="0" y="0"/>
+          <a:chExt cx="0" cy="0"/>
+        </a:xfrm>
+      </p:grpSpPr>
+      <p:sp>
+        <p:nvSpPr>
+          <p:cNvPr id="40631876" name="TextBox 1"/>
           <p:cNvSpPr txBox="1"/>
           <p:nvPr/>
         </p:nvSpPr>
-        <p:spPr>
+        <p:spPr bwMode="auto">
           <a:xfrm>
             <a:off x="457200" y="457200"/>
             <a:ext cx="8229600" cy="731520"/>
@@ -4231,7 +5868,12 @@
             <a:spAutoFit/>
           </a:bodyPr>
           <a:lstStyle/>
-          <a:p/>
+          <a:p>
+            <a:pPr>
+              <a:defRPr/>
+            </a:pPr>
+            <a:endParaRPr/>
+          </a:p>
           <a:p>
             <a:pPr>
               <a:defRPr sz="4400" b="1">
@@ -4241,18 +5883,20 @@
               </a:defRPr>
             </a:pPr>
             <a:r>
+              <a:rPr/>
               <a:t>🎮 Custom Video Player Controls</a:t>
             </a:r>
-          </a:p>
-        </p:txBody>
-      </p:sp>
-      <p:sp>
-        <p:nvSpPr>
-          <p:cNvPr id="3" name="TextBox 2"/>
+            <a:endParaRPr/>
+          </a:p>
+        </p:txBody>
+      </p:sp>
+      <p:sp>
+        <p:nvSpPr>
+          <p:cNvPr id="1172878686" name="TextBox 2"/>
           <p:cNvSpPr txBox="1"/>
           <p:nvPr/>
         </p:nvSpPr>
-        <p:spPr>
+        <p:spPr bwMode="auto">
           <a:xfrm>
             <a:off x="731520" y="1645920"/>
             <a:ext cx="7772400" cy="4572000"/>
@@ -4267,7 +5911,12 @@
             <a:spAutoFit/>
           </a:bodyPr>
           <a:lstStyle/>
-          <a:p/>
+          <a:p>
+            <a:pPr>
+              <a:defRPr/>
+            </a:pPr>
+            <a:endParaRPr/>
+          </a:p>
           <a:p>
             <a:pPr>
               <a:spcBef>
@@ -4280,8 +5929,10 @@
               </a:defRPr>
             </a:pPr>
             <a:r>
+              <a:rPr/>
               <a:t>▶️ Play/Pause - Click or Space/K keys</a:t>
             </a:r>
+            <a:endParaRPr/>
           </a:p>
           <a:p>
             <a:pPr>
@@ -4295,8 +5946,10 @@
               </a:defRPr>
             </a:pPr>
             <a:r>
+              <a:rPr/>
               <a:t>⏪ Backward 2 sec - Button or ← key</a:t>
             </a:r>
+            <a:endParaRPr/>
           </a:p>
           <a:p>
             <a:pPr>
@@ -4310,8 +5963,10 @@
               </a:defRPr>
             </a:pPr>
             <a:r>
+              <a:rPr/>
               <a:t>⏩ Forward 2 sec - Button or → key</a:t>
             </a:r>
+            <a:endParaRPr/>
           </a:p>
           <a:p>
             <a:pPr>
@@ -4325,8 +5980,10 @@
               </a:defRPr>
             </a:pPr>
             <a:r>
+              <a:rPr/>
               <a:t>⏮️ Skip 10 sec - Shift + arrows or J/L keys</a:t>
             </a:r>
+            <a:endParaRPr/>
           </a:p>
           <a:p>
             <a:pPr>
@@ -4340,8 +5997,10 @@
               </a:defRPr>
             </a:pPr>
             <a:r>
+              <a:rPr/>
               <a:t>🔊 Volume Control - Slider or ↑/↓ keys</a:t>
             </a:r>
+            <a:endParaRPr/>
           </a:p>
           <a:p>
             <a:pPr>
@@ -4355,8 +6014,10 @@
               </a:defRPr>
             </a:pPr>
             <a:r>
+              <a:rPr/>
               <a:t>🔇 Mute Toggle - Button or M key</a:t>
             </a:r>
+            <a:endParaRPr/>
           </a:p>
           <a:p>
             <a:pPr>
@@ -4370,8 +6031,10 @@
               </a:defRPr>
             </a:pPr>
             <a:r>
+              <a:rPr/>
               <a:t>⛶ Fullscreen - Button or F key</a:t>
             </a:r>
+            <a:endParaRPr/>
           </a:p>
           <a:p>
             <a:pPr>
@@ -4385,8 +6048,10 @@
               </a:defRPr>
             </a:pPr>
             <a:r>
+              <a:rPr/>
               <a:t>📊 Progress Bar - Clickable seeking</a:t>
             </a:r>
+            <a:endParaRPr/>
           </a:p>
           <a:p>
             <a:pPr>
@@ -4400,8 +6065,10 @@
               </a:defRPr>
             </a:pPr>
             <a:r>
+              <a:rPr/>
               <a:t>⏱️ Time Display - Current / Total duration</a:t>
             </a:r>
+            <a:endParaRPr/>
           </a:p>
         </p:txBody>
       </p:sp>
@@ -4410,18 +6077,25 @@
   <p:clrMapOvr>
     <a:masterClrMapping/>
   </p:clrMapOvr>
+  <mc:AlternateContent xmlns:mc="http://schemas.openxmlformats.org/markup-compatibility/2006">
+    <mc:Choice xmlns:p159="http://schemas.microsoft.com/office/powerpoint/2015/09/main" xmlns:p14="http://schemas.microsoft.com/office/powerpoint/2010/main" Requires="p159">
+      <p:transition p14:dur="2000" advClick="1"/>
+    </mc:Choice>
+    <mc:Fallback>
+      <p:transition advClick="1"/>
+    </mc:Fallback>
+  </mc:AlternateContent>
 </p:sld>
 </file>
 
 <file path=ppt/slides/slide6.xml><?xml version="1.0" encoding="utf-8"?>
-<p:sld xmlns:a="http://schemas.openxmlformats.org/drawingml/2006/main" xmlns:p="http://schemas.openxmlformats.org/presentationml/2006/main" xmlns:r="http://schemas.openxmlformats.org/officeDocument/2006/relationships">
-  <p:cSld>
+<p:sld xmlns:a="http://schemas.openxmlformats.org/drawingml/2006/main" xmlns:r="http://schemas.openxmlformats.org/officeDocument/2006/relationships" xmlns:p="http://schemas.openxmlformats.org/presentationml/2006/main" xmlns:m="http://schemas.openxmlformats.org/officeDocument/2006/math" xmlns:w="http://schemas.openxmlformats.org/wordprocessingml/2006/main" xmlns:mc="http://schemas.openxmlformats.org/markup-compatibility/2006" showMasterPhAnim="0" showMasterSp="1" show="1">
+  <p:cSld name="">
     <p:bg>
-      <p:bgPr>
+      <p:bgPr shadeToTitle="0">
         <a:solidFill>
           <a:srgbClr val="121212"/>
         </a:solidFill>
-        <a:effectLst/>
       </p:bgPr>
     </p:bg>
     <p:spTree>
@@ -4430,14 +6104,21 @@
         <p:cNvGrpSpPr/>
         <p:nvPr/>
       </p:nvGrpSpPr>
-      <p:grpSpPr/>
-      <p:sp>
-        <p:nvSpPr>
-          <p:cNvPr id="2" name="TextBox 1"/>
+      <p:grpSpPr bwMode="auto">
+        <a:xfrm>
+          <a:off x="0" y="0"/>
+          <a:ext cx="0" cy="0"/>
+          <a:chOff x="0" y="0"/>
+          <a:chExt cx="0" cy="0"/>
+        </a:xfrm>
+      </p:grpSpPr>
+      <p:sp>
+        <p:nvSpPr>
+          <p:cNvPr id="1773234840" name="TextBox 1"/>
           <p:cNvSpPr txBox="1"/>
           <p:nvPr/>
         </p:nvSpPr>
-        <p:spPr>
+        <p:spPr bwMode="auto">
           <a:xfrm>
             <a:off x="457200" y="457200"/>
             <a:ext cx="8229600" cy="731520"/>
@@ -4452,7 +6133,12 @@
             <a:spAutoFit/>
           </a:bodyPr>
           <a:lstStyle/>
-          <a:p/>
+          <a:p>
+            <a:pPr>
+              <a:defRPr/>
+            </a:pPr>
+            <a:endParaRPr/>
+          </a:p>
           <a:p>
             <a:pPr>
               <a:defRPr sz="4400" b="1">
@@ -4462,18 +6148,20 @@
               </a:defRPr>
             </a:pPr>
             <a:r>
+              <a:rPr/>
               <a:t>📁 Project Structure</a:t>
             </a:r>
-          </a:p>
-        </p:txBody>
-      </p:sp>
-      <p:sp>
-        <p:nvSpPr>
-          <p:cNvPr id="3" name="TextBox 2"/>
+            <a:endParaRPr/>
+          </a:p>
+        </p:txBody>
+      </p:sp>
+      <p:sp>
+        <p:nvSpPr>
+          <p:cNvPr id="536776859" name="TextBox 2"/>
           <p:cNvSpPr txBox="1"/>
           <p:nvPr/>
         </p:nvSpPr>
-        <p:spPr>
+        <p:spPr bwMode="auto">
           <a:xfrm>
             <a:off x="914400" y="1645920"/>
             <a:ext cx="7315200" cy="4572000"/>
@@ -4488,7 +6176,12 @@
             <a:spAutoFit/>
           </a:bodyPr>
           <a:lstStyle/>
-          <a:p/>
+          <a:p>
+            <a:pPr>
+              <a:defRPr/>
+            </a:pPr>
+            <a:endParaRPr/>
+          </a:p>
           <a:p>
             <a:pPr>
               <a:spcBef>
@@ -4501,8 +6194,10 @@
               </a:defRPr>
             </a:pPr>
             <a:r>
+              <a:rPr/>
               <a:t>web_server.py - Flask web application</a:t>
             </a:r>
+            <a:endParaRPr/>
           </a:p>
           <a:p>
             <a:pPr>
@@ -4516,8 +6211,10 @@
               </a:defRPr>
             </a:pPr>
             <a:r>
+              <a:rPr/>
               <a:t>Server.py / Client.py - RTSP server and client</a:t>
             </a:r>
+            <a:endParaRPr/>
           </a:p>
           <a:p>
             <a:pPr>
@@ -4531,8 +6228,10 @@
               </a:defRPr>
             </a:pPr>
             <a:r>
+              <a:rPr/>
               <a:t>RtpPacket.py - RTP packet handling</a:t>
             </a:r>
+            <a:endParaRPr/>
           </a:p>
           <a:p>
             <a:pPr>
@@ -4546,8 +6245,10 @@
               </a:defRPr>
             </a:pPr>
             <a:r>
+              <a:rPr/>
               <a:t>assets/videos/ - Video storage (10+ videos)</a:t>
             </a:r>
+            <a:endParaRPr/>
           </a:p>
           <a:p>
             <a:pPr>
@@ -4561,8 +6262,10 @@
               </a:defRPr>
             </a:pPr>
             <a:r>
+              <a:rPr/>
               <a:t>static/ - CSS, JavaScript files</a:t>
             </a:r>
+            <a:endParaRPr/>
           </a:p>
           <a:p>
             <a:pPr lvl="1">
@@ -4576,8 +6279,10 @@
               </a:defRPr>
             </a:pPr>
             <a:r>
+              <a:rPr/>
               <a:t>  ├── css/style.css - YouTube-style theme</a:t>
             </a:r>
+            <a:endParaRPr/>
           </a:p>
           <a:p>
             <a:pPr lvl="1">
@@ -4591,8 +6296,10 @@
               </a:defRPr>
             </a:pPr>
             <a:r>
+              <a:rPr/>
               <a:t>  └── js/player.js - Custom controls</a:t>
             </a:r>
+            <a:endParaRPr/>
           </a:p>
           <a:p>
             <a:pPr>
@@ -4606,8 +6313,10 @@
               </a:defRPr>
             </a:pPr>
             <a:r>
+              <a:rPr/>
               <a:t>templates/ - HTML pages (index, player)</a:t>
             </a:r>
+            <a:endParaRPr/>
           </a:p>
           <a:p>
             <a:pPr>
@@ -4621,8 +6330,10 @@
               </a:defRPr>
             </a:pPr>
             <a:r>
+              <a:rPr/>
               <a:t>requirements.txt - Python dependencies</a:t>
             </a:r>
+            <a:endParaRPr/>
           </a:p>
           <a:p>
             <a:pPr>
@@ -4636,8 +6347,10 @@
               </a:defRPr>
             </a:pPr>
             <a:r>
+              <a:rPr/>
               <a:t>Procfile - Deployment configuration</a:t>
             </a:r>
+            <a:endParaRPr/>
           </a:p>
         </p:txBody>
       </p:sp>
@@ -4646,18 +6359,25 @@
   <p:clrMapOvr>
     <a:masterClrMapping/>
   </p:clrMapOvr>
+  <mc:AlternateContent xmlns:mc="http://schemas.openxmlformats.org/markup-compatibility/2006">
+    <mc:Choice xmlns:p159="http://schemas.microsoft.com/office/powerpoint/2015/09/main" xmlns:p14="http://schemas.microsoft.com/office/powerpoint/2010/main" Requires="p159">
+      <p:transition p14:dur="2000" advClick="1"/>
+    </mc:Choice>
+    <mc:Fallback>
+      <p:transition advClick="1"/>
+    </mc:Fallback>
+  </mc:AlternateContent>
 </p:sld>
 </file>
 
 <file path=ppt/slides/slide7.xml><?xml version="1.0" encoding="utf-8"?>
-<p:sld xmlns:a="http://schemas.openxmlformats.org/drawingml/2006/main" xmlns:p="http://schemas.openxmlformats.org/presentationml/2006/main" xmlns:r="http://schemas.openxmlformats.org/officeDocument/2006/relationships">
-  <p:cSld>
+<p:sld xmlns:a="http://schemas.openxmlformats.org/drawingml/2006/main" xmlns:r="http://schemas.openxmlformats.org/officeDocument/2006/relationships" xmlns:p="http://schemas.openxmlformats.org/presentationml/2006/main" xmlns:m="http://schemas.openxmlformats.org/officeDocument/2006/math" xmlns:w="http://schemas.openxmlformats.org/wordprocessingml/2006/main" xmlns:mc="http://schemas.openxmlformats.org/markup-compatibility/2006" showMasterPhAnim="0" showMasterSp="1" show="1">
+  <p:cSld name="">
     <p:bg>
-      <p:bgPr>
+      <p:bgPr shadeToTitle="0">
         <a:solidFill>
           <a:srgbClr val="121212"/>
         </a:solidFill>
-        <a:effectLst/>
       </p:bgPr>
     </p:bg>
     <p:spTree>
@@ -4666,14 +6386,21 @@
         <p:cNvGrpSpPr/>
         <p:nvPr/>
       </p:nvGrpSpPr>
-      <p:grpSpPr/>
-      <p:sp>
-        <p:nvSpPr>
-          <p:cNvPr id="2" name="TextBox 1"/>
+      <p:grpSpPr bwMode="auto">
+        <a:xfrm>
+          <a:off x="0" y="0"/>
+          <a:ext cx="0" cy="0"/>
+          <a:chOff x="0" y="0"/>
+          <a:chExt cx="0" cy="0"/>
+        </a:xfrm>
+      </p:grpSpPr>
+      <p:sp>
+        <p:nvSpPr>
+          <p:cNvPr id="437539290" name="TextBox 1"/>
           <p:cNvSpPr txBox="1"/>
           <p:nvPr/>
         </p:nvSpPr>
-        <p:spPr>
+        <p:spPr bwMode="auto">
           <a:xfrm>
             <a:off x="457200" y="457200"/>
             <a:ext cx="8229600" cy="731520"/>
@@ -4688,7 +6415,12 @@
             <a:spAutoFit/>
           </a:bodyPr>
           <a:lstStyle/>
-          <a:p/>
+          <a:p>
+            <a:pPr>
+              <a:defRPr/>
+            </a:pPr>
+            <a:endParaRPr/>
+          </a:p>
           <a:p>
             <a:pPr>
               <a:defRPr sz="4400" b="1">
@@ -4698,18 +6430,20 @@
               </a:defRPr>
             </a:pPr>
             <a:r>
+              <a:rPr/>
               <a:t>🚀 Deployment Journey</a:t>
             </a:r>
-          </a:p>
-        </p:txBody>
-      </p:sp>
-      <p:sp>
-        <p:nvSpPr>
-          <p:cNvPr id="3" name="TextBox 2"/>
+            <a:endParaRPr/>
+          </a:p>
+        </p:txBody>
+      </p:sp>
+      <p:sp>
+        <p:nvSpPr>
+          <p:cNvPr id="1271391894" name="TextBox 2"/>
           <p:cNvSpPr txBox="1"/>
           <p:nvPr/>
         </p:nvSpPr>
-        <p:spPr>
+        <p:spPr bwMode="auto">
           <a:xfrm>
             <a:off x="731520" y="1645920"/>
             <a:ext cx="7772400" cy="4572000"/>
@@ -4724,7 +6458,12 @@
             <a:spAutoFit/>
           </a:bodyPr>
           <a:lstStyle/>
-          <a:p/>
+          <a:p>
+            <a:pPr>
+              <a:defRPr/>
+            </a:pPr>
+            <a:endParaRPr/>
+          </a:p>
           <a:p>
             <a:pPr>
               <a:spcBef>
@@ -4737,8 +6476,10 @@
               </a:defRPr>
             </a:pPr>
             <a:r>
+              <a:rPr/>
               <a:t>1️⃣ Local Development - Built and tested locally</a:t>
             </a:r>
+            <a:endParaRPr/>
           </a:p>
           <a:p>
             <a:pPr>
@@ -4752,8 +6493,10 @@
               </a:defRPr>
             </a:pPr>
             <a:r>
+              <a:rPr/>
               <a:t>2️⃣ GitHub Repository - Pushed to version control</a:t>
             </a:r>
+            <a:endParaRPr/>
           </a:p>
           <a:p>
             <a:pPr>
@@ -4767,8 +6510,10 @@
               </a:defRPr>
             </a:pPr>
             <a:r>
+              <a:rPr/>
               <a:t>3️⃣ Video Assets - Added 10 demo videos (70MB)</a:t>
             </a:r>
+            <a:endParaRPr/>
           </a:p>
           <a:p>
             <a:pPr>
@@ -4782,8 +6527,10 @@
               </a:defRPr>
             </a:pPr>
             <a:r>
+              <a:rPr/>
               <a:t>4️⃣ Render.com Deployment - Connected GitHub repo</a:t>
             </a:r>
+            <a:endParaRPr/>
           </a:p>
           <a:p>
             <a:pPr>
@@ -4797,8 +6544,10 @@
               </a:defRPr>
             </a:pPr>
             <a:r>
+              <a:rPr/>
               <a:t>5️⃣ Auto-Build Pipeline - Automated deployment</a:t>
             </a:r>
+            <a:endParaRPr/>
           </a:p>
           <a:p>
             <a:pPr>
@@ -4812,8 +6561,10 @@
               </a:defRPr>
             </a:pPr>
             <a:r>
+              <a:rPr/>
               <a:t>6️⃣ Live Production - https://video-streaming-rtsp.onrender.com</a:t>
             </a:r>
+            <a:endParaRPr/>
           </a:p>
           <a:p>
             <a:pPr>
@@ -4827,8 +6578,10 @@
               </a:defRPr>
             </a:pPr>
             <a:r>
+              <a:rPr/>
               <a:t>7️⃣ Documentation - Comprehensive guides created</a:t>
             </a:r>
+            <a:endParaRPr/>
           </a:p>
           <a:p>
             <a:pPr>
@@ -4842,8 +6595,10 @@
               </a:defRPr>
             </a:pPr>
             <a:r>
+              <a:rPr/>
               <a:t>8️⃣ Live Demo Link - Added to README</a:t>
             </a:r>
+            <a:endParaRPr/>
           </a:p>
         </p:txBody>
       </p:sp>
@@ -4852,18 +6607,25 @@
   <p:clrMapOvr>
     <a:masterClrMapping/>
   </p:clrMapOvr>
+  <mc:AlternateContent xmlns:mc="http://schemas.openxmlformats.org/markup-compatibility/2006">
+    <mc:Choice xmlns:p159="http://schemas.microsoft.com/office/powerpoint/2015/09/main" xmlns:p14="http://schemas.microsoft.com/office/powerpoint/2010/main" Requires="p159">
+      <p:transition p14:dur="2000" advClick="1"/>
+    </mc:Choice>
+    <mc:Fallback>
+      <p:transition advClick="1"/>
+    </mc:Fallback>
+  </mc:AlternateContent>
 </p:sld>
 </file>
 
 <file path=ppt/slides/slide8.xml><?xml version="1.0" encoding="utf-8"?>
-<p:sld xmlns:a="http://schemas.openxmlformats.org/drawingml/2006/main" xmlns:p="http://schemas.openxmlformats.org/presentationml/2006/main" xmlns:r="http://schemas.openxmlformats.org/officeDocument/2006/relationships">
-  <p:cSld>
+<p:sld xmlns:a="http://schemas.openxmlformats.org/drawingml/2006/main" xmlns:r="http://schemas.openxmlformats.org/officeDocument/2006/relationships" xmlns:p="http://schemas.openxmlformats.org/presentationml/2006/main" xmlns:m="http://schemas.openxmlformats.org/officeDocument/2006/math" xmlns:w="http://schemas.openxmlformats.org/wordprocessingml/2006/main" xmlns:mc="http://schemas.openxmlformats.org/markup-compatibility/2006" showMasterPhAnim="0" showMasterSp="1" show="1">
+  <p:cSld name="">
     <p:bg>
-      <p:bgPr>
+      <p:bgPr shadeToTitle="0">
         <a:solidFill>
           <a:srgbClr val="121212"/>
         </a:solidFill>
-        <a:effectLst/>
       </p:bgPr>
     </p:bg>
     <p:spTree>
@@ -4872,14 +6634,21 @@
         <p:cNvGrpSpPr/>
         <p:nvPr/>
       </p:nvGrpSpPr>
-      <p:grpSpPr/>
-      <p:sp>
-        <p:nvSpPr>
-          <p:cNvPr id="2" name="TextBox 1"/>
+      <p:grpSpPr bwMode="auto">
+        <a:xfrm>
+          <a:off x="0" y="0"/>
+          <a:ext cx="0" cy="0"/>
+          <a:chOff x="0" y="0"/>
+          <a:chExt cx="0" cy="0"/>
+        </a:xfrm>
+      </p:grpSpPr>
+      <p:sp>
+        <p:nvSpPr>
+          <p:cNvPr id="1084660426" name="TextBox 1"/>
           <p:cNvSpPr txBox="1"/>
           <p:nvPr/>
         </p:nvSpPr>
-        <p:spPr>
+        <p:spPr bwMode="auto">
           <a:xfrm>
             <a:off x="457200" y="457200"/>
             <a:ext cx="8229600" cy="731520"/>
@@ -4894,7 +6663,12 @@
             <a:spAutoFit/>
           </a:bodyPr>
           <a:lstStyle/>
-          <a:p/>
+          <a:p>
+            <a:pPr>
+              <a:defRPr/>
+            </a:pPr>
+            <a:endParaRPr/>
+          </a:p>
           <a:p>
             <a:pPr>
               <a:defRPr sz="4400" b="1">
@@ -4904,18 +6678,20 @@
               </a:defRPr>
             </a:pPr>
             <a:r>
+              <a:rPr/>
               <a:t>🌐 Live Demo &amp; Access</a:t>
             </a:r>
-          </a:p>
-        </p:txBody>
-      </p:sp>
-      <p:sp>
-        <p:nvSpPr>
-          <p:cNvPr id="3" name="TextBox 2"/>
+            <a:endParaRPr/>
+          </a:p>
+        </p:txBody>
+      </p:sp>
+      <p:sp>
+        <p:nvSpPr>
+          <p:cNvPr id="21696122" name="TextBox 2"/>
           <p:cNvSpPr txBox="1"/>
           <p:nvPr/>
         </p:nvSpPr>
-        <p:spPr>
+        <p:spPr bwMode="auto">
           <a:xfrm>
             <a:off x="914400" y="1645920"/>
             <a:ext cx="7315200" cy="914400"/>
@@ -4930,7 +6706,12 @@
             <a:spAutoFit/>
           </a:bodyPr>
           <a:lstStyle/>
-          <a:p/>
+          <a:p>
+            <a:pPr>
+              <a:defRPr/>
+            </a:pPr>
+            <a:endParaRPr/>
+          </a:p>
           <a:p>
             <a:pPr algn="ctr">
               <a:defRPr sz="2800" b="1">
@@ -4940,18 +6721,20 @@
               </a:defRPr>
             </a:pPr>
             <a:r>
+              <a:rPr/>
               <a:t>https://video-streaming-rtsp.onrender.com</a:t>
             </a:r>
-          </a:p>
-        </p:txBody>
-      </p:sp>
-      <p:sp>
-        <p:nvSpPr>
-          <p:cNvPr id="4" name="TextBox 3"/>
+            <a:endParaRPr/>
+          </a:p>
+        </p:txBody>
+      </p:sp>
+      <p:sp>
+        <p:nvSpPr>
+          <p:cNvPr id="800300469" name="TextBox 3"/>
           <p:cNvSpPr txBox="1"/>
           <p:nvPr/>
         </p:nvSpPr>
-        <p:spPr>
+        <p:spPr bwMode="auto">
           <a:xfrm>
             <a:off x="731520" y="2926080"/>
             <a:ext cx="7772400" cy="3657600"/>
@@ -4966,7 +6749,12 @@
             <a:spAutoFit/>
           </a:bodyPr>
           <a:lstStyle/>
-          <a:p/>
+          <a:p>
+            <a:pPr>
+              <a:defRPr/>
+            </a:pPr>
+            <a:endParaRPr/>
+          </a:p>
           <a:p>
             <a:pPr>
               <a:spcBef>
@@ -4979,8 +6767,10 @@
               </a:defRPr>
             </a:pPr>
             <a:r>
+              <a:rPr/>
               <a:t>✅ 10 High-Quality Videos Available</a:t>
             </a:r>
+            <a:endParaRPr/>
           </a:p>
           <a:p>
             <a:pPr>
@@ -4994,8 +6784,10 @@
               </a:defRPr>
             </a:pPr>
             <a:r>
+              <a:rPr/>
               <a:t>✅ Full HD &amp; 4K Support</a:t>
             </a:r>
+            <a:endParaRPr/>
           </a:p>
           <a:p>
             <a:pPr>
@@ -5009,8 +6801,10 @@
               </a:defRPr>
             </a:pPr>
             <a:r>
+              <a:rPr/>
               <a:t>✅ Cross-Device Compatibility</a:t>
             </a:r>
+            <a:endParaRPr/>
           </a:p>
           <a:p>
             <a:pPr>
@@ -5024,8 +6818,10 @@
               </a:defRPr>
             </a:pPr>
             <a:r>
+              <a:rPr/>
               <a:t>✅ Network Streaming Enabled</a:t>
             </a:r>
+            <a:endParaRPr/>
           </a:p>
           <a:p>
             <a:pPr>
@@ -5039,8 +6835,10 @@
               </a:defRPr>
             </a:pPr>
             <a:r>
+              <a:rPr/>
               <a:t>✅ Professional UI/UX</a:t>
             </a:r>
+            <a:endParaRPr/>
           </a:p>
           <a:p>
             <a:pPr>
@@ -5054,8 +6852,10 @@
               </a:defRPr>
             </a:pPr>
             <a:r>
+              <a:rPr/>
               <a:t>✅ Free Tier Hosting (may take 30s to wake)</a:t>
             </a:r>
+            <a:endParaRPr/>
           </a:p>
           <a:p>
             <a:pPr>
@@ -5069,8 +6869,10 @@
               </a:defRPr>
             </a:pPr>
             <a:r>
+              <a:rPr/>
               <a:t>✅ GitHub Repository: safiullah-foragy/Video_Streaming_RTSP</a:t>
             </a:r>
+            <a:endParaRPr/>
           </a:p>
         </p:txBody>
       </p:sp>
@@ -5079,18 +6881,25 @@
   <p:clrMapOvr>
     <a:masterClrMapping/>
   </p:clrMapOvr>
+  <mc:AlternateContent xmlns:mc="http://schemas.openxmlformats.org/markup-compatibility/2006">
+    <mc:Choice xmlns:p159="http://schemas.microsoft.com/office/powerpoint/2015/09/main" xmlns:p14="http://schemas.microsoft.com/office/powerpoint/2010/main" Requires="p159">
+      <p:transition p14:dur="2000" advClick="1"/>
+    </mc:Choice>
+    <mc:Fallback>
+      <p:transition advClick="1"/>
+    </mc:Fallback>
+  </mc:AlternateContent>
 </p:sld>
 </file>
 
 <file path=ppt/slides/slide9.xml><?xml version="1.0" encoding="utf-8"?>
-<p:sld xmlns:a="http://schemas.openxmlformats.org/drawingml/2006/main" xmlns:p="http://schemas.openxmlformats.org/presentationml/2006/main" xmlns:r="http://schemas.openxmlformats.org/officeDocument/2006/relationships">
-  <p:cSld>
+<p:sld xmlns:a="http://schemas.openxmlformats.org/drawingml/2006/main" xmlns:r="http://schemas.openxmlformats.org/officeDocument/2006/relationships" xmlns:p="http://schemas.openxmlformats.org/presentationml/2006/main" xmlns:m="http://schemas.openxmlformats.org/officeDocument/2006/math" xmlns:w="http://schemas.openxmlformats.org/wordprocessingml/2006/main" xmlns:mc="http://schemas.openxmlformats.org/markup-compatibility/2006" showMasterPhAnim="0" showMasterSp="1" show="1">
+  <p:cSld name="">
     <p:bg>
-      <p:bgPr>
+      <p:bgPr shadeToTitle="0">
         <a:solidFill>
           <a:srgbClr val="121212"/>
         </a:solidFill>
-        <a:effectLst/>
       </p:bgPr>
     </p:bg>
     <p:spTree>
@@ -5099,14 +6908,21 @@
         <p:cNvGrpSpPr/>
         <p:nvPr/>
       </p:nvGrpSpPr>
-      <p:grpSpPr/>
-      <p:sp>
-        <p:nvSpPr>
-          <p:cNvPr id="2" name="TextBox 1"/>
+      <p:grpSpPr bwMode="auto">
+        <a:xfrm>
+          <a:off x="0" y="0"/>
+          <a:ext cx="0" cy="0"/>
+          <a:chOff x="0" y="0"/>
+          <a:chExt cx="0" cy="0"/>
+        </a:xfrm>
+      </p:grpSpPr>
+      <p:sp>
+        <p:nvSpPr>
+          <p:cNvPr id="1239796961" name="TextBox 1"/>
           <p:cNvSpPr txBox="1"/>
           <p:nvPr/>
         </p:nvSpPr>
-        <p:spPr>
+        <p:spPr bwMode="auto">
           <a:xfrm>
             <a:off x="457200" y="457200"/>
             <a:ext cx="8229600" cy="731520"/>
@@ -5121,7 +6937,12 @@
             <a:spAutoFit/>
           </a:bodyPr>
           <a:lstStyle/>
-          <a:p/>
+          <a:p>
+            <a:pPr>
+              <a:defRPr/>
+            </a:pPr>
+            <a:endParaRPr/>
+          </a:p>
           <a:p>
             <a:pPr>
               <a:defRPr sz="4400" b="1">
@@ -5131,18 +6952,20 @@
               </a:defRPr>
             </a:pPr>
             <a:r>
+              <a:rPr/>
               <a:t>💡 Challenges &amp; Solutions</a:t>
             </a:r>
-          </a:p>
-        </p:txBody>
-      </p:sp>
-      <p:sp>
-        <p:nvSpPr>
-          <p:cNvPr id="3" name="TextBox 2"/>
+            <a:endParaRPr/>
+          </a:p>
+        </p:txBody>
+      </p:sp>
+      <p:sp>
+        <p:nvSpPr>
+          <p:cNvPr id="314854744" name="TextBox 2"/>
           <p:cNvSpPr txBox="1"/>
           <p:nvPr/>
         </p:nvSpPr>
-        <p:spPr>
+        <p:spPr bwMode="auto">
           <a:xfrm>
             <a:off x="731520" y="1645920"/>
             <a:ext cx="7772400" cy="4572000"/>
@@ -5157,7 +6980,12 @@
             <a:spAutoFit/>
           </a:bodyPr>
           <a:lstStyle/>
-          <a:p/>
+          <a:p>
+            <a:pPr>
+              <a:defRPr/>
+            </a:pPr>
+            <a:endParaRPr/>
+          </a:p>
           <a:p>
             <a:pPr>
               <a:spcBef>
@@ -5170,8 +6998,10 @@
               </a:defRPr>
             </a:pPr>
             <a:r>
+              <a:rPr/>
               <a:t>🔴 Challenge: Browser autoplay restrictions</a:t>
             </a:r>
+            <a:endParaRPr/>
           </a:p>
           <a:p>
             <a:pPr lvl="1">
@@ -5185,8 +7015,10 @@
               </a:defRPr>
             </a:pPr>
             <a:r>
+              <a:rPr/>
               <a:t>   ✅ Solution: Muted autoplay + smart unmute</a:t>
             </a:r>
+            <a:endParaRPr/>
           </a:p>
           <a:p>
             <a:pPr>
@@ -5195,6 +7027,7 @@
               </a:spcBef>
               <a:defRPr sz="600"/>
             </a:pPr>
+            <a:endParaRPr/>
           </a:p>
           <a:p>
             <a:pPr>
@@ -5208,8 +7041,10 @@
               </a:defRPr>
             </a:pPr>
             <a:r>
+              <a:rPr/>
               <a:t>🔴 Challenge: Custom video controls needed</a:t>
             </a:r>
+            <a:endParaRPr/>
           </a:p>
           <a:p>
             <a:pPr lvl="1">
@@ -5223,8 +7058,10 @@
               </a:defRPr>
             </a:pPr>
             <a:r>
+              <a:rPr/>
               <a:t>   ✅ Solution: Built from scratch with HTML5 API</a:t>
             </a:r>
+            <a:endParaRPr/>
           </a:p>
           <a:p>
             <a:pPr>
@@ -5233,6 +7070,7 @@
               </a:spcBef>
               <a:defRPr sz="600"/>
             </a:pPr>
+            <a:endParaRPr/>
           </a:p>
           <a:p>
             <a:pPr>
@@ -5246,8 +7084,10 @@
               </a:defRPr>
             </a:pPr>
             <a:r>
+              <a:rPr/>
               <a:t>🔴 Challenge: 2-second seeking requirement</a:t>
             </a:r>
+            <a:endParaRPr/>
           </a:p>
           <a:p>
             <a:pPr lvl="1">
@@ -5261,8 +7101,10 @@
               </a:defRPr>
             </a:pPr>
             <a:r>
+              <a:rPr/>
               <a:t>   ✅ Solution: Custom buttons + keyboard shortcuts</a:t>
             </a:r>
+            <a:endParaRPr/>
           </a:p>
           <a:p>
             <a:pPr>
@@ -5271,6 +7113,7 @@
               </a:spcBef>
               <a:defRPr sz="600"/>
             </a:pPr>
+            <a:endParaRPr/>
           </a:p>
           <a:p>
             <a:pPr>
@@ -5284,8 +7127,10 @@
               </a:defRPr>
             </a:pPr>
             <a:r>
+              <a:rPr/>
               <a:t>🔴 Challenge: Large video files for deployment</a:t>
             </a:r>
+            <a:endParaRPr/>
           </a:p>
           <a:p>
             <a:pPr lvl="1">
@@ -5299,8 +7144,10 @@
               </a:defRPr>
             </a:pPr>
             <a:r>
+              <a:rPr/>
               <a:t>   ✅ Solution: Selective upload (under 15MB files)</a:t>
             </a:r>
+            <a:endParaRPr/>
           </a:p>
           <a:p>
             <a:pPr>
@@ -5309,6 +7156,7 @@
               </a:spcBef>
               <a:defRPr sz="600"/>
             </a:pPr>
+            <a:endParaRPr/>
           </a:p>
           <a:p>
             <a:pPr>
@@ -5322,8 +7170,10 @@
               </a:defRPr>
             </a:pPr>
             <a:r>
+              <a:rPr/>
               <a:t>🔴 Challenge: GitHub file size limits</a:t>
             </a:r>
+            <a:endParaRPr/>
           </a:p>
           <a:p>
             <a:pPr lvl="1">
@@ -5337,8 +7187,10 @@
               </a:defRPr>
             </a:pPr>
             <a:r>
+              <a:rPr/>
               <a:t>   ✅ Solution: Force-add specific videos with git -f</a:t>
             </a:r>
+            <a:endParaRPr/>
           </a:p>
         </p:txBody>
       </p:sp>
@@ -5347,11 +7199,19 @@
   <p:clrMapOvr>
     <a:masterClrMapping/>
   </p:clrMapOvr>
+  <mc:AlternateContent xmlns:mc="http://schemas.openxmlformats.org/markup-compatibility/2006">
+    <mc:Choice xmlns:p159="http://schemas.microsoft.com/office/powerpoint/2015/09/main" xmlns:p14="http://schemas.microsoft.com/office/powerpoint/2010/main" Requires="p159">
+      <p:transition p14:dur="2000" advClick="1"/>
+    </mc:Choice>
+    <mc:Fallback>
+      <p:transition advClick="1"/>
+    </mc:Fallback>
+  </mc:AlternateContent>
 </p:sld>
 </file>
 
 <file path=ppt/theme/theme1.xml><?xml version="1.0" encoding="utf-8"?>
-<a:theme xmlns:a="http://schemas.openxmlformats.org/drawingml/2006/main" name="Office Theme">
+<a:theme xmlns:a="http://schemas.openxmlformats.org/drawingml/2006/main" xmlns:r="http://schemas.openxmlformats.org/officeDocument/2006/relationships" xmlns:p="http://schemas.openxmlformats.org/presentationml/2006/main" name="Office Theme">
   <a:themeElements>
     <a:clrScheme name="Office">
       <a:dk1>
@@ -5394,73 +7254,13 @@
     <a:fontScheme name="Office">
       <a:majorFont>
         <a:latin typeface="Calibri"/>
-        <a:ea typeface=""/>
-        <a:cs typeface=""/>
-        <a:font script="Jpan" typeface="ＭＳ Ｐゴシック"/>
-        <a:font script="Hang" typeface="맑은 고딕"/>
-        <a:font script="Hans" typeface="宋体"/>
-        <a:font script="Hant" typeface="新細明體"/>
-        <a:font script="Arab" typeface="Times New Roman"/>
-        <a:font script="Hebr" typeface="Times New Roman"/>
-        <a:font script="Thai" typeface="Angsana New"/>
-        <a:font script="Ethi" typeface="Nyala"/>
-        <a:font script="Beng" typeface="Vrinda"/>
-        <a:font script="Gujr" typeface="Shruti"/>
-        <a:font script="Khmr" typeface="MoolBoran"/>
-        <a:font script="Knda" typeface="Tunga"/>
-        <a:font script="Guru" typeface="Raavi"/>
-        <a:font script="Cans" typeface="Euphemia"/>
-        <a:font script="Cher" typeface="Plantagenet Cherokee"/>
-        <a:font script="Yiii" typeface="Microsoft Yi Baiti"/>
-        <a:font script="Tibt" typeface="Microsoft Himalaya"/>
-        <a:font script="Thaa" typeface="MV Boli"/>
-        <a:font script="Deva" typeface="Mangal"/>
-        <a:font script="Telu" typeface="Gautami"/>
-        <a:font script="Taml" typeface="Latha"/>
-        <a:font script="Syrc" typeface="Estrangelo Edessa"/>
-        <a:font script="Orya" typeface="Kalinga"/>
-        <a:font script="Mlym" typeface="Kartika"/>
-        <a:font script="Laoo" typeface="DokChampa"/>
-        <a:font script="Sinh" typeface="Iskoola Pota"/>
-        <a:font script="Mong" typeface="Mongolian Baiti"/>
-        <a:font script="Viet" typeface="Times New Roman"/>
-        <a:font script="Uigh" typeface="Microsoft Uighur"/>
-        <a:font script="Geor" typeface="Sylfaen"/>
+        <a:ea typeface="Arial"/>
+        <a:cs typeface="Arial"/>
       </a:majorFont>
       <a:minorFont>
         <a:latin typeface="Calibri"/>
-        <a:ea typeface=""/>
-        <a:cs typeface=""/>
-        <a:font script="Jpan" typeface="ＭＳ Ｐゴシック"/>
-        <a:font script="Hang" typeface="맑은 고딕"/>
-        <a:font script="Hans" typeface="宋体"/>
-        <a:font script="Hant" typeface="新細明體"/>
-        <a:font script="Arab" typeface="Arial"/>
-        <a:font script="Hebr" typeface="Arial"/>
-        <a:font script="Thai" typeface="Cordia New"/>
-        <a:font script="Ethi" typeface="Nyala"/>
-        <a:font script="Beng" typeface="Vrinda"/>
-        <a:font script="Gujr" typeface="Shruti"/>
-        <a:font script="Khmr" typeface="DaunPenh"/>
-        <a:font script="Knda" typeface="Tunga"/>
-        <a:font script="Guru" typeface="Raavi"/>
-        <a:font script="Cans" typeface="Euphemia"/>
-        <a:font script="Cher" typeface="Plantagenet Cherokee"/>
-        <a:font script="Yiii" typeface="Microsoft Yi Baiti"/>
-        <a:font script="Tibt" typeface="Microsoft Himalaya"/>
-        <a:font script="Thaa" typeface="MV Boli"/>
-        <a:font script="Deva" typeface="Mangal"/>
-        <a:font script="Telu" typeface="Gautami"/>
-        <a:font script="Taml" typeface="Latha"/>
-        <a:font script="Syrc" typeface="Estrangelo Edessa"/>
-        <a:font script="Orya" typeface="Kalinga"/>
-        <a:font script="Mlym" typeface="Kartika"/>
-        <a:font script="Laoo" typeface="DokChampa"/>
-        <a:font script="Sinh" typeface="Iskoola Pota"/>
-        <a:font script="Mong" typeface="Mongolian Baiti"/>
-        <a:font script="Viet" typeface="Arial"/>
-        <a:font script="Uigh" typeface="Microsoft Uighur"/>
-        <a:font script="Geor" typeface="Sylfaen"/>
+        <a:ea typeface="Arial"/>
+        <a:cs typeface="Arial"/>
       </a:minorFont>
     </a:fontScheme>
     <a:fmtScheme name="Office">
@@ -5468,7 +7268,7 @@
         <a:solidFill>
           <a:schemeClr val="phClr"/>
         </a:solidFill>
-        <a:gradFill rotWithShape="1">
+        <a:gradFill>
           <a:gsLst>
             <a:gs pos="0">
               <a:schemeClr val="phClr">
@@ -5491,7 +7291,7 @@
           </a:gsLst>
           <a:lin ang="16200000" scaled="1"/>
         </a:gradFill>
-        <a:gradFill rotWithShape="1">
+        <a:gradFill>
           <a:gsLst>
             <a:gs pos="0">
               <a:schemeClr val="phClr">
@@ -5578,7 +7378,7 @@
         <a:solidFill>
           <a:schemeClr val="phClr"/>
         </a:solidFill>
-        <a:gradFill rotWithShape="1">
+        <a:gradFill>
           <a:gsLst>
             <a:gs pos="0">
               <a:schemeClr val="phClr">
@@ -5600,11 +7400,9 @@
               </a:schemeClr>
             </a:gs>
           </a:gsLst>
-          <a:path path="circle">
-            <a:fillToRect l="50000" t="-80000" r="50000" b="180000"/>
-          </a:path>
+          <a:path path="circle"/>
         </a:gradFill>
-        <a:gradFill rotWithShape="1">
+        <a:gradFill>
           <a:gsLst>
             <a:gs pos="0">
               <a:schemeClr val="phClr">
@@ -5619,16 +7417,14 @@
               </a:schemeClr>
             </a:gs>
           </a:gsLst>
-          <a:path path="circle">
-            <a:fillToRect l="50000" t="50000" r="50000" b="50000"/>
-          </a:path>
+          <a:path path="circle"/>
         </a:gradFill>
       </a:bgFillStyleLst>
     </a:fmtScheme>
   </a:themeElements>
   <a:objectDefaults>
     <a:spDef>
-      <a:spPr/>
+      <a:spPr bwMode="auto"/>
       <a:bodyPr/>
       <a:lstStyle/>
       <a:style>
@@ -5647,7 +7443,7 @@
       </a:style>
     </a:spDef>
     <a:lnDef>
-      <a:spPr/>
+      <a:spPr bwMode="auto"/>
       <a:bodyPr/>
       <a:lstStyle/>
       <a:style>
@@ -5666,6 +7462,260 @@
       </a:style>
     </a:lnDef>
   </a:objectDefaults>
-  <a:extraClrSchemeLst/>
+</a:theme>
+</file>
+
+<file path=ppt/theme/theme2.xml><?xml version="1.0" encoding="utf-8"?>
+<a:theme xmlns:a="http://schemas.openxmlformats.org/drawingml/2006/main" xmlns:r="http://schemas.openxmlformats.org/officeDocument/2006/relationships" xmlns:p="http://schemas.openxmlformats.org/presentationml/2006/main" name="Office Theme">
+  <a:themeElements>
+    <a:clrScheme name="Office">
+      <a:dk1>
+        <a:sysClr val="windowText" lastClr="000000"/>
+      </a:dk1>
+      <a:lt1>
+        <a:sysClr val="window" lastClr="FFFFFF"/>
+      </a:lt1>
+      <a:dk2>
+        <a:srgbClr val="1F497D"/>
+      </a:dk2>
+      <a:lt2>
+        <a:srgbClr val="EEECE1"/>
+      </a:lt2>
+      <a:accent1>
+        <a:srgbClr val="4F81BD"/>
+      </a:accent1>
+      <a:accent2>
+        <a:srgbClr val="C0504D"/>
+      </a:accent2>
+      <a:accent3>
+        <a:srgbClr val="9BBB59"/>
+      </a:accent3>
+      <a:accent4>
+        <a:srgbClr val="8064A2"/>
+      </a:accent4>
+      <a:accent5>
+        <a:srgbClr val="4BACC6"/>
+      </a:accent5>
+      <a:accent6>
+        <a:srgbClr val="F79646"/>
+      </a:accent6>
+      <a:hlink>
+        <a:srgbClr val="0000FF"/>
+      </a:hlink>
+      <a:folHlink>
+        <a:srgbClr val="800080"/>
+      </a:folHlink>
+    </a:clrScheme>
+    <a:fontScheme name="">
+      <a:majorFont>
+        <a:latin typeface="Calibri"/>
+        <a:ea typeface="Arial"/>
+        <a:cs typeface="Arial"/>
+      </a:majorFont>
+      <a:minorFont>
+        <a:latin typeface="Calibri"/>
+        <a:ea typeface="Arial"/>
+        <a:cs typeface="Arial"/>
+      </a:minorFont>
+    </a:fontScheme>
+    <a:fmtScheme name="Office">
+      <a:fillStyleLst>
+        <a:solidFill>
+          <a:schemeClr val="phClr"/>
+        </a:solidFill>
+        <a:gradFill>
+          <a:gsLst>
+            <a:gs pos="0">
+              <a:schemeClr val="phClr">
+                <a:tint val="50000"/>
+                <a:satMod val="300000"/>
+              </a:schemeClr>
+            </a:gs>
+            <a:gs pos="35000">
+              <a:schemeClr val="phClr">
+                <a:tint val="37000"/>
+                <a:satMod val="300000"/>
+              </a:schemeClr>
+            </a:gs>
+            <a:gs pos="100000">
+              <a:schemeClr val="phClr">
+                <a:tint val="15000"/>
+                <a:satMod val="350000"/>
+              </a:schemeClr>
+            </a:gs>
+          </a:gsLst>
+          <a:lin ang="16200000" scaled="1"/>
+        </a:gradFill>
+        <a:gradFill>
+          <a:gsLst>
+            <a:gs pos="0">
+              <a:schemeClr val="phClr">
+                <a:tint val="100000"/>
+                <a:shade val="100000"/>
+                <a:satMod val="130000"/>
+              </a:schemeClr>
+            </a:gs>
+            <a:gs pos="100000">
+              <a:schemeClr val="phClr">
+                <a:tint val="50000"/>
+                <a:shade val="100000"/>
+                <a:satMod val="350000"/>
+              </a:schemeClr>
+            </a:gs>
+          </a:gsLst>
+          <a:lin ang="16200000" scaled="0"/>
+        </a:gradFill>
+      </a:fillStyleLst>
+      <a:lnStyleLst>
+        <a:ln w="9525" cap="flat" cmpd="sng" algn="ctr">
+          <a:solidFill>
+            <a:schemeClr val="phClr">
+              <a:shade val="95000"/>
+              <a:satMod val="105000"/>
+            </a:schemeClr>
+          </a:solidFill>
+          <a:prstDash val="solid"/>
+        </a:ln>
+        <a:ln w="25400" cap="flat" cmpd="sng" algn="ctr">
+          <a:solidFill>
+            <a:schemeClr val="phClr"/>
+          </a:solidFill>
+          <a:prstDash val="solid"/>
+        </a:ln>
+        <a:ln w="38100" cap="flat" cmpd="sng" algn="ctr">
+          <a:solidFill>
+            <a:schemeClr val="phClr"/>
+          </a:solidFill>
+          <a:prstDash val="solid"/>
+        </a:ln>
+      </a:lnStyleLst>
+      <a:effectStyleLst>
+        <a:effectStyle>
+          <a:effectLst>
+            <a:outerShdw blurRad="40000" dist="20000" dir="5400000" rotWithShape="0">
+              <a:srgbClr val="000000">
+                <a:alpha val="38000"/>
+              </a:srgbClr>
+            </a:outerShdw>
+          </a:effectLst>
+        </a:effectStyle>
+        <a:effectStyle>
+          <a:effectLst>
+            <a:outerShdw blurRad="40000" dist="23000" dir="5400000" rotWithShape="0">
+              <a:srgbClr val="000000">
+                <a:alpha val="35000"/>
+              </a:srgbClr>
+            </a:outerShdw>
+          </a:effectLst>
+        </a:effectStyle>
+        <a:effectStyle>
+          <a:effectLst>
+            <a:outerShdw blurRad="40000" dist="23000" dir="5400000" rotWithShape="0">
+              <a:srgbClr val="000000">
+                <a:alpha val="35000"/>
+              </a:srgbClr>
+            </a:outerShdw>
+          </a:effectLst>
+          <a:scene3d>
+            <a:camera prst="orthographicFront">
+              <a:rot lat="0" lon="0" rev="0"/>
+            </a:camera>
+            <a:lightRig rig="threePt" dir="t">
+              <a:rot lat="0" lon="0" rev="1200000"/>
+            </a:lightRig>
+          </a:scene3d>
+          <a:sp3d>
+            <a:bevelT w="63500" h="25400"/>
+          </a:sp3d>
+        </a:effectStyle>
+      </a:effectStyleLst>
+      <a:bgFillStyleLst>
+        <a:solidFill>
+          <a:schemeClr val="phClr"/>
+        </a:solidFill>
+        <a:gradFill>
+          <a:gsLst>
+            <a:gs pos="0">
+              <a:schemeClr val="phClr">
+                <a:tint val="40000"/>
+                <a:satMod val="350000"/>
+              </a:schemeClr>
+            </a:gs>
+            <a:gs pos="40000">
+              <a:schemeClr val="phClr">
+                <a:tint val="45000"/>
+                <a:shade val="99000"/>
+                <a:satMod val="350000"/>
+              </a:schemeClr>
+            </a:gs>
+            <a:gs pos="100000">
+              <a:schemeClr val="phClr">
+                <a:shade val="20000"/>
+                <a:satMod val="255000"/>
+              </a:schemeClr>
+            </a:gs>
+          </a:gsLst>
+          <a:path path="circle"/>
+        </a:gradFill>
+        <a:gradFill>
+          <a:gsLst>
+            <a:gs pos="0">
+              <a:schemeClr val="phClr">
+                <a:tint val="80000"/>
+                <a:satMod val="300000"/>
+              </a:schemeClr>
+            </a:gs>
+            <a:gs pos="100000">
+              <a:schemeClr val="phClr">
+                <a:shade val="30000"/>
+                <a:satMod val="200000"/>
+              </a:schemeClr>
+            </a:gs>
+          </a:gsLst>
+          <a:path path="circle"/>
+        </a:gradFill>
+      </a:bgFillStyleLst>
+    </a:fmtScheme>
+  </a:themeElements>
+  <a:objectDefaults>
+    <a:spDef>
+      <a:spPr bwMode="auto"/>
+      <a:bodyPr/>
+      <a:lstStyle/>
+      <a:style>
+        <a:lnRef idx="1">
+          <a:schemeClr val="accent1"/>
+        </a:lnRef>
+        <a:fillRef idx="3">
+          <a:schemeClr val="accent1"/>
+        </a:fillRef>
+        <a:effectRef idx="2">
+          <a:schemeClr val="accent1"/>
+        </a:effectRef>
+        <a:fontRef idx="minor">
+          <a:schemeClr val="lt1"/>
+        </a:fontRef>
+      </a:style>
+    </a:spDef>
+    <a:lnDef>
+      <a:spPr bwMode="auto"/>
+      <a:bodyPr/>
+      <a:lstStyle/>
+      <a:style>
+        <a:lnRef idx="2">
+          <a:schemeClr val="accent1"/>
+        </a:lnRef>
+        <a:fillRef idx="0">
+          <a:schemeClr val="accent1"/>
+        </a:fillRef>
+        <a:effectRef idx="1">
+          <a:schemeClr val="accent1"/>
+        </a:effectRef>
+        <a:fontRef idx="minor">
+          <a:schemeClr val="tx1"/>
+        </a:fontRef>
+      </a:style>
+    </a:lnDef>
+  </a:objectDefaults>
 </a:theme>
 </file>